--- a/プレゼン.pptx
+++ b/プレゼン.pptx
@@ -2,10 +2,10 @@
 <file path=ppt/presentation.xml><?xml version="1.0" encoding="utf-8"?>
 <p:presentation xmlns:a="http://schemas.openxmlformats.org/drawingml/2006/main" xmlns:r="http://schemas.openxmlformats.org/officeDocument/2006/relationships" xmlns:p="http://schemas.openxmlformats.org/presentationml/2006/main" saveSubsetFonts="1">
   <p:sldMasterIdLst>
-    <p:sldMasterId id="2147483648" r:id="rId1"/>
+    <p:sldMasterId id="2147483672" r:id="rId1"/>
   </p:sldMasterIdLst>
   <p:notesMasterIdLst>
-    <p:notesMasterId r:id="rId23"/>
+    <p:notesMasterId r:id="rId24"/>
   </p:notesMasterIdLst>
   <p:sldIdLst>
     <p:sldId id="256" r:id="rId2"/>
@@ -26,9 +26,10 @@
     <p:sldId id="271" r:id="rId17"/>
     <p:sldId id="272" r:id="rId18"/>
     <p:sldId id="274" r:id="rId19"/>
-    <p:sldId id="275" r:id="rId20"/>
-    <p:sldId id="276" r:id="rId21"/>
-    <p:sldId id="269" r:id="rId22"/>
+    <p:sldId id="277" r:id="rId20"/>
+    <p:sldId id="275" r:id="rId21"/>
+    <p:sldId id="276" r:id="rId22"/>
+    <p:sldId id="269" r:id="rId23"/>
   </p:sldIdLst>
   <p:sldSz cx="12192000" cy="6858000"/>
   <p:notesSz cx="6858000" cy="9144000"/>
@@ -127,6 +128,11 @@
       </a:defRPr>
     </a:lvl9pPr>
   </p:defaultTextStyle>
+  <p:extLst>
+    <p:ext uri="{EFAFB233-063F-42B5-8137-9DF3F51BA10A}">
+      <p15:sldGuideLst xmlns:p15="http://schemas.microsoft.com/office/powerpoint/2012/main"/>
+    </p:ext>
+  </p:extLst>
 </p:presentation>
 </file>
 
@@ -212,7 +218,7 @@
           <a:p>
             <a:fld id="{1E4C4518-FEC5-4027-8354-FCF5DC6BE8D7}" type="datetimeFigureOut">
               <a:rPr kumimoji="1" lang="ja-JP" altLang="en-US" smtClean="0"/>
-              <a:t>2019/7/2</a:t>
+              <a:t>2019/7/7</a:t>
             </a:fld>
             <a:endParaRPr kumimoji="1" lang="ja-JP" altLang="en-US"/>
           </a:p>
@@ -533,7 +539,7 @@
           <p:cNvPr id="2" name="タイトル 1">
             <a:extLst>
               <a:ext uri="{FF2B5EF4-FFF2-40B4-BE49-F238E27FC236}">
-                <a16:creationId xmlns:a16="http://schemas.microsoft.com/office/drawing/2014/main" id="{0C2A7921-44D7-43D4-8E23-C43069D5DE80}"/>
+                <a16:creationId xmlns:a16="http://schemas.microsoft.com/office/drawing/2014/main" id="{67576EDD-A91B-496D-B8E7-3F26D82E0F8D}"/>
               </a:ext>
             </a:extLst>
           </p:cNvPr>
@@ -570,7 +576,7 @@
           <p:cNvPr id="3" name="字幕 2">
             <a:extLst>
               <a:ext uri="{FF2B5EF4-FFF2-40B4-BE49-F238E27FC236}">
-                <a16:creationId xmlns:a16="http://schemas.microsoft.com/office/drawing/2014/main" id="{6EE8FD74-5BF2-41AA-BB3C-584C586F1AAC}"/>
+                <a16:creationId xmlns:a16="http://schemas.microsoft.com/office/drawing/2014/main" id="{A4781122-A6B8-415F-AB34-4F1D50A8C30E}"/>
               </a:ext>
             </a:extLst>
           </p:cNvPr>
@@ -640,7 +646,7 @@
           <p:cNvPr id="4" name="日付プレースホルダー 3">
             <a:extLst>
               <a:ext uri="{FF2B5EF4-FFF2-40B4-BE49-F238E27FC236}">
-                <a16:creationId xmlns:a16="http://schemas.microsoft.com/office/drawing/2014/main" id="{8103FA57-4CA2-4844-B2A6-E602843411DD}"/>
+                <a16:creationId xmlns:a16="http://schemas.microsoft.com/office/drawing/2014/main" id="{5877F40C-3951-4B7F-8F78-825294CE13F4}"/>
               </a:ext>
             </a:extLst>
           </p:cNvPr>
@@ -658,7 +664,7 @@
           <a:p>
             <a:fld id="{D202BA18-56BF-45BD-A507-111E0B068D6E}" type="datetime1">
               <a:rPr kumimoji="1" lang="ja-JP" altLang="en-US" smtClean="0"/>
-              <a:t>2019/7/2</a:t>
+              <a:t>2019/7/7</a:t>
             </a:fld>
             <a:endParaRPr kumimoji="1" lang="ja-JP" altLang="en-US"/>
           </a:p>
@@ -669,7 +675,7 @@
           <p:cNvPr id="5" name="フッター プレースホルダー 4">
             <a:extLst>
               <a:ext uri="{FF2B5EF4-FFF2-40B4-BE49-F238E27FC236}">
-                <a16:creationId xmlns:a16="http://schemas.microsoft.com/office/drawing/2014/main" id="{50841A1F-7405-4703-8181-DF9C2DD9153B}"/>
+                <a16:creationId xmlns:a16="http://schemas.microsoft.com/office/drawing/2014/main" id="{3FD52064-F1CA-4871-8D72-5DA9C1E3AF1D}"/>
               </a:ext>
             </a:extLst>
           </p:cNvPr>
@@ -694,7 +700,7 @@
           <p:cNvPr id="6" name="スライド番号プレースホルダー 5">
             <a:extLst>
               <a:ext uri="{FF2B5EF4-FFF2-40B4-BE49-F238E27FC236}">
-                <a16:creationId xmlns:a16="http://schemas.microsoft.com/office/drawing/2014/main" id="{82A7E0A5-5D14-465E-AEC3-F52A01EBE152}"/>
+                <a16:creationId xmlns:a16="http://schemas.microsoft.com/office/drawing/2014/main" id="{D78B5A77-92E8-435F-960E-FEC9CD6315A8}"/>
               </a:ext>
             </a:extLst>
           </p:cNvPr>
@@ -721,7 +727,7 @@
     </p:spTree>
     <p:extLst>
       <p:ext uri="{BB962C8B-B14F-4D97-AF65-F5344CB8AC3E}">
-        <p14:creationId xmlns:p14="http://schemas.microsoft.com/office/powerpoint/2010/main" val="1904043710"/>
+        <p14:creationId xmlns:p14="http://schemas.microsoft.com/office/powerpoint/2010/main" val="3392981299"/>
       </p:ext>
     </p:extLst>
   </p:cSld>
@@ -753,7 +759,7 @@
           <p:cNvPr id="2" name="タイトル 1">
             <a:extLst>
               <a:ext uri="{FF2B5EF4-FFF2-40B4-BE49-F238E27FC236}">
-                <a16:creationId xmlns:a16="http://schemas.microsoft.com/office/drawing/2014/main" id="{25D0416B-D568-44AD-91F4-BB91D4403705}"/>
+                <a16:creationId xmlns:a16="http://schemas.microsoft.com/office/drawing/2014/main" id="{8BADD519-BFB1-40AE-9E62-F96CF55F4339}"/>
               </a:ext>
             </a:extLst>
           </p:cNvPr>
@@ -781,7 +787,7 @@
           <p:cNvPr id="3" name="縦書きテキスト プレースホルダー 2">
             <a:extLst>
               <a:ext uri="{FF2B5EF4-FFF2-40B4-BE49-F238E27FC236}">
-                <a16:creationId xmlns:a16="http://schemas.microsoft.com/office/drawing/2014/main" id="{8B4A17D3-1CB0-4307-9067-3171956A96D4}"/>
+                <a16:creationId xmlns:a16="http://schemas.microsoft.com/office/drawing/2014/main" id="{5DAC4F50-BC4F-4264-A3E0-0CFB02263EC7}"/>
               </a:ext>
             </a:extLst>
           </p:cNvPr>
@@ -870,7 +876,7 @@
           <p:cNvPr id="4" name="日付プレースホルダー 3">
             <a:extLst>
               <a:ext uri="{FF2B5EF4-FFF2-40B4-BE49-F238E27FC236}">
-                <a16:creationId xmlns:a16="http://schemas.microsoft.com/office/drawing/2014/main" id="{21520596-FA71-4265-B7AA-76FE5FF9D7E1}"/>
+                <a16:creationId xmlns:a16="http://schemas.microsoft.com/office/drawing/2014/main" id="{D28B5972-20E1-44AC-9DDA-0ECCD73914C7}"/>
               </a:ext>
             </a:extLst>
           </p:cNvPr>
@@ -888,7 +894,7 @@
           <a:p>
             <a:fld id="{90084977-0C44-4968-88D0-5A9578822E9E}" type="datetime1">
               <a:rPr kumimoji="1" lang="ja-JP" altLang="en-US" smtClean="0"/>
-              <a:t>2019/7/2</a:t>
+              <a:t>2019/7/7</a:t>
             </a:fld>
             <a:endParaRPr kumimoji="1" lang="ja-JP" altLang="en-US"/>
           </a:p>
@@ -899,7 +905,7 @@
           <p:cNvPr id="5" name="フッター プレースホルダー 4">
             <a:extLst>
               <a:ext uri="{FF2B5EF4-FFF2-40B4-BE49-F238E27FC236}">
-                <a16:creationId xmlns:a16="http://schemas.microsoft.com/office/drawing/2014/main" id="{0160AA5E-FE3D-4DF3-B5F4-6E76AEA7AC01}"/>
+                <a16:creationId xmlns:a16="http://schemas.microsoft.com/office/drawing/2014/main" id="{9A0DDB9C-C387-442C-80E0-58397DC17D58}"/>
               </a:ext>
             </a:extLst>
           </p:cNvPr>
@@ -924,7 +930,7 @@
           <p:cNvPr id="6" name="スライド番号プレースホルダー 5">
             <a:extLst>
               <a:ext uri="{FF2B5EF4-FFF2-40B4-BE49-F238E27FC236}">
-                <a16:creationId xmlns:a16="http://schemas.microsoft.com/office/drawing/2014/main" id="{56E25C8E-4544-4FE4-A4DE-9EB0BADDD09C}"/>
+                <a16:creationId xmlns:a16="http://schemas.microsoft.com/office/drawing/2014/main" id="{00F6523F-4B00-40FC-A4AB-6D94D54048CC}"/>
               </a:ext>
             </a:extLst>
           </p:cNvPr>
@@ -951,7 +957,7 @@
     </p:spTree>
     <p:extLst>
       <p:ext uri="{BB962C8B-B14F-4D97-AF65-F5344CB8AC3E}">
-        <p14:creationId xmlns:p14="http://schemas.microsoft.com/office/powerpoint/2010/main" val="331992993"/>
+        <p14:creationId xmlns:p14="http://schemas.microsoft.com/office/powerpoint/2010/main" val="3043204503"/>
       </p:ext>
     </p:extLst>
   </p:cSld>
@@ -983,7 +989,7 @@
           <p:cNvPr id="2" name="縦書きタイトル 1">
             <a:extLst>
               <a:ext uri="{FF2B5EF4-FFF2-40B4-BE49-F238E27FC236}">
-                <a16:creationId xmlns:a16="http://schemas.microsoft.com/office/drawing/2014/main" id="{13658AE9-186F-4E4C-BDAC-C47E8A5ACBB8}"/>
+                <a16:creationId xmlns:a16="http://schemas.microsoft.com/office/drawing/2014/main" id="{1B0338A6-3425-42A0-A212-FA61A161D25E}"/>
               </a:ext>
             </a:extLst>
           </p:cNvPr>
@@ -1016,7 +1022,7 @@
           <p:cNvPr id="3" name="縦書きテキスト プレースホルダー 2">
             <a:extLst>
               <a:ext uri="{FF2B5EF4-FFF2-40B4-BE49-F238E27FC236}">
-                <a16:creationId xmlns:a16="http://schemas.microsoft.com/office/drawing/2014/main" id="{B0777458-4A4A-4806-92EE-150E02E812D3}"/>
+                <a16:creationId xmlns:a16="http://schemas.microsoft.com/office/drawing/2014/main" id="{00C3D0D6-6820-4614-96BA-799D4D5DAC45}"/>
               </a:ext>
             </a:extLst>
           </p:cNvPr>
@@ -1110,7 +1116,7 @@
           <p:cNvPr id="4" name="日付プレースホルダー 3">
             <a:extLst>
               <a:ext uri="{FF2B5EF4-FFF2-40B4-BE49-F238E27FC236}">
-                <a16:creationId xmlns:a16="http://schemas.microsoft.com/office/drawing/2014/main" id="{3BA2F91A-E963-48EA-9681-571062A22559}"/>
+                <a16:creationId xmlns:a16="http://schemas.microsoft.com/office/drawing/2014/main" id="{6C6A9575-D2CC-41C4-8C5D-DD5E98EDE150}"/>
               </a:ext>
             </a:extLst>
           </p:cNvPr>
@@ -1128,7 +1134,7 @@
           <a:p>
             <a:fld id="{63676757-856F-452D-B2DD-F09604FD5E7B}" type="datetime1">
               <a:rPr kumimoji="1" lang="ja-JP" altLang="en-US" smtClean="0"/>
-              <a:t>2019/7/2</a:t>
+              <a:t>2019/7/7</a:t>
             </a:fld>
             <a:endParaRPr kumimoji="1" lang="ja-JP" altLang="en-US"/>
           </a:p>
@@ -1139,7 +1145,7 @@
           <p:cNvPr id="5" name="フッター プレースホルダー 4">
             <a:extLst>
               <a:ext uri="{FF2B5EF4-FFF2-40B4-BE49-F238E27FC236}">
-                <a16:creationId xmlns:a16="http://schemas.microsoft.com/office/drawing/2014/main" id="{54FE4753-FA4B-4DAA-B74C-A08D40180CEC}"/>
+                <a16:creationId xmlns:a16="http://schemas.microsoft.com/office/drawing/2014/main" id="{5EA02ABC-FB21-4B31-84DD-F7130E9D9B6A}"/>
               </a:ext>
             </a:extLst>
           </p:cNvPr>
@@ -1164,7 +1170,7 @@
           <p:cNvPr id="6" name="スライド番号プレースホルダー 5">
             <a:extLst>
               <a:ext uri="{FF2B5EF4-FFF2-40B4-BE49-F238E27FC236}">
-                <a16:creationId xmlns:a16="http://schemas.microsoft.com/office/drawing/2014/main" id="{CC8E2188-80EA-4B70-95FB-EB2E5542B7C1}"/>
+                <a16:creationId xmlns:a16="http://schemas.microsoft.com/office/drawing/2014/main" id="{1A5BDAEB-234B-4592-8567-D4C986C1B8F3}"/>
               </a:ext>
             </a:extLst>
           </p:cNvPr>
@@ -1191,7 +1197,7 @@
     </p:spTree>
     <p:extLst>
       <p:ext uri="{BB962C8B-B14F-4D97-AF65-F5344CB8AC3E}">
-        <p14:creationId xmlns:p14="http://schemas.microsoft.com/office/powerpoint/2010/main" val="3520380214"/>
+        <p14:creationId xmlns:p14="http://schemas.microsoft.com/office/powerpoint/2010/main" val="285136817"/>
       </p:ext>
     </p:extLst>
   </p:cSld>
@@ -1223,7 +1229,7 @@
           <p:cNvPr id="2" name="タイトル 1">
             <a:extLst>
               <a:ext uri="{FF2B5EF4-FFF2-40B4-BE49-F238E27FC236}">
-                <a16:creationId xmlns:a16="http://schemas.microsoft.com/office/drawing/2014/main" id="{BF839D31-633C-4926-A759-D5340111EE6F}"/>
+                <a16:creationId xmlns:a16="http://schemas.microsoft.com/office/drawing/2014/main" id="{DA741947-31D9-40B8-8DC8-0BE7DA5034DE}"/>
               </a:ext>
             </a:extLst>
           </p:cNvPr>
@@ -1251,7 +1257,7 @@
           <p:cNvPr id="3" name="コンテンツ プレースホルダー 2">
             <a:extLst>
               <a:ext uri="{FF2B5EF4-FFF2-40B4-BE49-F238E27FC236}">
-                <a16:creationId xmlns:a16="http://schemas.microsoft.com/office/drawing/2014/main" id="{5E2A62FE-AD99-4692-AEFE-0CDC07E53E74}"/>
+                <a16:creationId xmlns:a16="http://schemas.microsoft.com/office/drawing/2014/main" id="{DF2D7C50-7BDD-408E-BECF-67F7AD09FBF0}"/>
               </a:ext>
             </a:extLst>
           </p:cNvPr>
@@ -1340,7 +1346,7 @@
           <p:cNvPr id="4" name="日付プレースホルダー 3">
             <a:extLst>
               <a:ext uri="{FF2B5EF4-FFF2-40B4-BE49-F238E27FC236}">
-                <a16:creationId xmlns:a16="http://schemas.microsoft.com/office/drawing/2014/main" id="{059B5B7F-30A1-4F11-B226-CE2A06820379}"/>
+                <a16:creationId xmlns:a16="http://schemas.microsoft.com/office/drawing/2014/main" id="{D85508E1-B8E1-4E67-8736-CDD0CFAEA3C5}"/>
               </a:ext>
             </a:extLst>
           </p:cNvPr>
@@ -1358,7 +1364,7 @@
           <a:p>
             <a:fld id="{8C01914A-B20B-4C84-8ACA-B4768C014B89}" type="datetime1">
               <a:rPr kumimoji="1" lang="ja-JP" altLang="en-US" smtClean="0"/>
-              <a:t>2019/7/2</a:t>
+              <a:t>2019/7/7</a:t>
             </a:fld>
             <a:endParaRPr kumimoji="1" lang="ja-JP" altLang="en-US"/>
           </a:p>
@@ -1369,7 +1375,7 @@
           <p:cNvPr id="5" name="フッター プレースホルダー 4">
             <a:extLst>
               <a:ext uri="{FF2B5EF4-FFF2-40B4-BE49-F238E27FC236}">
-                <a16:creationId xmlns:a16="http://schemas.microsoft.com/office/drawing/2014/main" id="{CD6AB22C-FDC6-4783-8C6F-83388AE96E25}"/>
+                <a16:creationId xmlns:a16="http://schemas.microsoft.com/office/drawing/2014/main" id="{C0172B5A-563C-4639-9892-1711B6B96787}"/>
               </a:ext>
             </a:extLst>
           </p:cNvPr>
@@ -1394,7 +1400,7 @@
           <p:cNvPr id="6" name="スライド番号プレースホルダー 5">
             <a:extLst>
               <a:ext uri="{FF2B5EF4-FFF2-40B4-BE49-F238E27FC236}">
-                <a16:creationId xmlns:a16="http://schemas.microsoft.com/office/drawing/2014/main" id="{9FE59561-125D-4658-A613-B764251BED96}"/>
+                <a16:creationId xmlns:a16="http://schemas.microsoft.com/office/drawing/2014/main" id="{B26962E8-BA26-4B01-99A8-6A5A41B94679}"/>
               </a:ext>
             </a:extLst>
           </p:cNvPr>
@@ -1421,7 +1427,7 @@
     </p:spTree>
     <p:extLst>
       <p:ext uri="{BB962C8B-B14F-4D97-AF65-F5344CB8AC3E}">
-        <p14:creationId xmlns:p14="http://schemas.microsoft.com/office/powerpoint/2010/main" val="2055008349"/>
+        <p14:creationId xmlns:p14="http://schemas.microsoft.com/office/powerpoint/2010/main" val="119356085"/>
       </p:ext>
     </p:extLst>
   </p:cSld>
@@ -1453,7 +1459,7 @@
           <p:cNvPr id="2" name="タイトル 1">
             <a:extLst>
               <a:ext uri="{FF2B5EF4-FFF2-40B4-BE49-F238E27FC236}">
-                <a16:creationId xmlns:a16="http://schemas.microsoft.com/office/drawing/2014/main" id="{86C16590-8F38-401A-97B4-21C5FEA9E173}"/>
+                <a16:creationId xmlns:a16="http://schemas.microsoft.com/office/drawing/2014/main" id="{1BBCEA61-65C8-4ADD-A693-D4AD7682647E}"/>
               </a:ext>
             </a:extLst>
           </p:cNvPr>
@@ -1490,7 +1496,7 @@
           <p:cNvPr id="3" name="テキスト プレースホルダー 2">
             <a:extLst>
               <a:ext uri="{FF2B5EF4-FFF2-40B4-BE49-F238E27FC236}">
-                <a16:creationId xmlns:a16="http://schemas.microsoft.com/office/drawing/2014/main" id="{9F537A5A-6C89-4264-A57C-B85EA9772C96}"/>
+                <a16:creationId xmlns:a16="http://schemas.microsoft.com/office/drawing/2014/main" id="{67EB61DD-A55D-4702-BE84-8B8A49D990EE}"/>
               </a:ext>
             </a:extLst>
           </p:cNvPr>
@@ -1615,7 +1621,7 @@
           <p:cNvPr id="4" name="日付プレースホルダー 3">
             <a:extLst>
               <a:ext uri="{FF2B5EF4-FFF2-40B4-BE49-F238E27FC236}">
-                <a16:creationId xmlns:a16="http://schemas.microsoft.com/office/drawing/2014/main" id="{3FCDD7CC-FA1C-4EA3-959A-FE7294EBBA33}"/>
+                <a16:creationId xmlns:a16="http://schemas.microsoft.com/office/drawing/2014/main" id="{7189BB9C-72AB-4351-8DD7-F6A66D6A7AE0}"/>
               </a:ext>
             </a:extLst>
           </p:cNvPr>
@@ -1633,7 +1639,7 @@
           <a:p>
             <a:fld id="{261CCBEA-41DD-4BB2-9DC6-9E01756E77E9}" type="datetime1">
               <a:rPr kumimoji="1" lang="ja-JP" altLang="en-US" smtClean="0"/>
-              <a:t>2019/7/2</a:t>
+              <a:t>2019/7/7</a:t>
             </a:fld>
             <a:endParaRPr kumimoji="1" lang="ja-JP" altLang="en-US"/>
           </a:p>
@@ -1644,7 +1650,7 @@
           <p:cNvPr id="5" name="フッター プレースホルダー 4">
             <a:extLst>
               <a:ext uri="{FF2B5EF4-FFF2-40B4-BE49-F238E27FC236}">
-                <a16:creationId xmlns:a16="http://schemas.microsoft.com/office/drawing/2014/main" id="{E72E8BF6-E0F8-4B50-8C30-8EF67FFC64A5}"/>
+                <a16:creationId xmlns:a16="http://schemas.microsoft.com/office/drawing/2014/main" id="{61A039AA-39AB-41CB-BE9A-54882BEA2ABF}"/>
               </a:ext>
             </a:extLst>
           </p:cNvPr>
@@ -1669,7 +1675,7 @@
           <p:cNvPr id="6" name="スライド番号プレースホルダー 5">
             <a:extLst>
               <a:ext uri="{FF2B5EF4-FFF2-40B4-BE49-F238E27FC236}">
-                <a16:creationId xmlns:a16="http://schemas.microsoft.com/office/drawing/2014/main" id="{E409F15F-8B6E-4D60-9F2A-862CA3883093}"/>
+                <a16:creationId xmlns:a16="http://schemas.microsoft.com/office/drawing/2014/main" id="{9967CFEF-9247-4E4E-A010-A7D52040CB5D}"/>
               </a:ext>
             </a:extLst>
           </p:cNvPr>
@@ -1696,7 +1702,7 @@
     </p:spTree>
     <p:extLst>
       <p:ext uri="{BB962C8B-B14F-4D97-AF65-F5344CB8AC3E}">
-        <p14:creationId xmlns:p14="http://schemas.microsoft.com/office/powerpoint/2010/main" val="1394290491"/>
+        <p14:creationId xmlns:p14="http://schemas.microsoft.com/office/powerpoint/2010/main" val="2565693337"/>
       </p:ext>
     </p:extLst>
   </p:cSld>
@@ -1728,7 +1734,7 @@
           <p:cNvPr id="2" name="タイトル 1">
             <a:extLst>
               <a:ext uri="{FF2B5EF4-FFF2-40B4-BE49-F238E27FC236}">
-                <a16:creationId xmlns:a16="http://schemas.microsoft.com/office/drawing/2014/main" id="{902E2A08-3FAC-421F-B3AE-6F255BB4FF36}"/>
+                <a16:creationId xmlns:a16="http://schemas.microsoft.com/office/drawing/2014/main" id="{767D0266-1EF7-491F-AD1A-72659E125F39}"/>
               </a:ext>
             </a:extLst>
           </p:cNvPr>
@@ -1756,7 +1762,7 @@
           <p:cNvPr id="3" name="コンテンツ プレースホルダー 2">
             <a:extLst>
               <a:ext uri="{FF2B5EF4-FFF2-40B4-BE49-F238E27FC236}">
-                <a16:creationId xmlns:a16="http://schemas.microsoft.com/office/drawing/2014/main" id="{AAB9D4D9-E962-43A0-8225-55D78B58F468}"/>
+                <a16:creationId xmlns:a16="http://schemas.microsoft.com/office/drawing/2014/main" id="{AEA4A4A0-FF2A-48F4-AFF3-9618E79F6CE9}"/>
               </a:ext>
             </a:extLst>
           </p:cNvPr>
@@ -1850,7 +1856,7 @@
           <p:cNvPr id="4" name="コンテンツ プレースホルダー 3">
             <a:extLst>
               <a:ext uri="{FF2B5EF4-FFF2-40B4-BE49-F238E27FC236}">
-                <a16:creationId xmlns:a16="http://schemas.microsoft.com/office/drawing/2014/main" id="{CF906C7E-A7B0-4408-AC25-0D421B11DF6C}"/>
+                <a16:creationId xmlns:a16="http://schemas.microsoft.com/office/drawing/2014/main" id="{9873E45D-DD0C-4A93-9F4B-48E84844647D}"/>
               </a:ext>
             </a:extLst>
           </p:cNvPr>
@@ -1944,7 +1950,7 @@
           <p:cNvPr id="5" name="日付プレースホルダー 4">
             <a:extLst>
               <a:ext uri="{FF2B5EF4-FFF2-40B4-BE49-F238E27FC236}">
-                <a16:creationId xmlns:a16="http://schemas.microsoft.com/office/drawing/2014/main" id="{1C3D67E3-079C-46DC-B523-B52F44B864CC}"/>
+                <a16:creationId xmlns:a16="http://schemas.microsoft.com/office/drawing/2014/main" id="{FB89C642-17C7-46F8-933C-24128BE540B8}"/>
               </a:ext>
             </a:extLst>
           </p:cNvPr>
@@ -1962,7 +1968,7 @@
           <a:p>
             <a:fld id="{4EB5C174-613E-4CD5-9F4A-0871E15F3C1F}" type="datetime1">
               <a:rPr kumimoji="1" lang="ja-JP" altLang="en-US" smtClean="0"/>
-              <a:t>2019/7/2</a:t>
+              <a:t>2019/7/7</a:t>
             </a:fld>
             <a:endParaRPr kumimoji="1" lang="ja-JP" altLang="en-US"/>
           </a:p>
@@ -1973,7 +1979,7 @@
           <p:cNvPr id="6" name="フッター プレースホルダー 5">
             <a:extLst>
               <a:ext uri="{FF2B5EF4-FFF2-40B4-BE49-F238E27FC236}">
-                <a16:creationId xmlns:a16="http://schemas.microsoft.com/office/drawing/2014/main" id="{85EF7998-81AE-4B1B-837B-E866F4EF35A8}"/>
+                <a16:creationId xmlns:a16="http://schemas.microsoft.com/office/drawing/2014/main" id="{4EF722F4-103B-413C-9581-5E792BF467E6}"/>
               </a:ext>
             </a:extLst>
           </p:cNvPr>
@@ -1998,7 +2004,7 @@
           <p:cNvPr id="7" name="スライド番号プレースホルダー 6">
             <a:extLst>
               <a:ext uri="{FF2B5EF4-FFF2-40B4-BE49-F238E27FC236}">
-                <a16:creationId xmlns:a16="http://schemas.microsoft.com/office/drawing/2014/main" id="{9BC7C53A-1100-4B8D-A5BC-1768EE920B9D}"/>
+                <a16:creationId xmlns:a16="http://schemas.microsoft.com/office/drawing/2014/main" id="{4EF7564D-71A1-403A-97D0-E1A0283CFBBF}"/>
               </a:ext>
             </a:extLst>
           </p:cNvPr>
@@ -2025,7 +2031,7 @@
     </p:spTree>
     <p:extLst>
       <p:ext uri="{BB962C8B-B14F-4D97-AF65-F5344CB8AC3E}">
-        <p14:creationId xmlns:p14="http://schemas.microsoft.com/office/powerpoint/2010/main" val="3594194613"/>
+        <p14:creationId xmlns:p14="http://schemas.microsoft.com/office/powerpoint/2010/main" val="1852935579"/>
       </p:ext>
     </p:extLst>
   </p:cSld>
@@ -2057,7 +2063,7 @@
           <p:cNvPr id="2" name="タイトル 1">
             <a:extLst>
               <a:ext uri="{FF2B5EF4-FFF2-40B4-BE49-F238E27FC236}">
-                <a16:creationId xmlns:a16="http://schemas.microsoft.com/office/drawing/2014/main" id="{CC86AC96-62AA-4959-B038-00F7D259DB3F}"/>
+                <a16:creationId xmlns:a16="http://schemas.microsoft.com/office/drawing/2014/main" id="{8BE73974-B7FA-4A65-9172-212D924F8CCC}"/>
               </a:ext>
             </a:extLst>
           </p:cNvPr>
@@ -2090,7 +2096,7 @@
           <p:cNvPr id="3" name="テキスト プレースホルダー 2">
             <a:extLst>
               <a:ext uri="{FF2B5EF4-FFF2-40B4-BE49-F238E27FC236}">
-                <a16:creationId xmlns:a16="http://schemas.microsoft.com/office/drawing/2014/main" id="{5AD9849B-6FD2-44EB-A0C9-AD786831E54D}"/>
+                <a16:creationId xmlns:a16="http://schemas.microsoft.com/office/drawing/2014/main" id="{6D9281F9-EBD5-40D8-9C2C-9B60EEC2FE60}"/>
               </a:ext>
             </a:extLst>
           </p:cNvPr>
@@ -2161,7 +2167,7 @@
           <p:cNvPr id="4" name="コンテンツ プレースホルダー 3">
             <a:extLst>
               <a:ext uri="{FF2B5EF4-FFF2-40B4-BE49-F238E27FC236}">
-                <a16:creationId xmlns:a16="http://schemas.microsoft.com/office/drawing/2014/main" id="{9F339AAF-0B06-438E-A40A-1802DA9A2929}"/>
+                <a16:creationId xmlns:a16="http://schemas.microsoft.com/office/drawing/2014/main" id="{EF2D9037-D082-4F8D-8387-2F72620D8A7B}"/>
               </a:ext>
             </a:extLst>
           </p:cNvPr>
@@ -2255,7 +2261,7 @@
           <p:cNvPr id="5" name="テキスト プレースホルダー 4">
             <a:extLst>
               <a:ext uri="{FF2B5EF4-FFF2-40B4-BE49-F238E27FC236}">
-                <a16:creationId xmlns:a16="http://schemas.microsoft.com/office/drawing/2014/main" id="{5F285032-5D4A-45CF-A117-9CAA724F2F76}"/>
+                <a16:creationId xmlns:a16="http://schemas.microsoft.com/office/drawing/2014/main" id="{0E305520-46DA-48AC-923A-DC0AF13640A0}"/>
               </a:ext>
             </a:extLst>
           </p:cNvPr>
@@ -2326,7 +2332,7 @@
           <p:cNvPr id="6" name="コンテンツ プレースホルダー 5">
             <a:extLst>
               <a:ext uri="{FF2B5EF4-FFF2-40B4-BE49-F238E27FC236}">
-                <a16:creationId xmlns:a16="http://schemas.microsoft.com/office/drawing/2014/main" id="{B0B7B92D-7A9E-42AD-BC1F-ED4FFCCB00F8}"/>
+                <a16:creationId xmlns:a16="http://schemas.microsoft.com/office/drawing/2014/main" id="{610BBEDB-110E-4AAA-B987-414ED4C9DE05}"/>
               </a:ext>
             </a:extLst>
           </p:cNvPr>
@@ -2420,7 +2426,7 @@
           <p:cNvPr id="7" name="日付プレースホルダー 6">
             <a:extLst>
               <a:ext uri="{FF2B5EF4-FFF2-40B4-BE49-F238E27FC236}">
-                <a16:creationId xmlns:a16="http://schemas.microsoft.com/office/drawing/2014/main" id="{E2F16A96-D75F-4921-B459-8CDC6163D719}"/>
+                <a16:creationId xmlns:a16="http://schemas.microsoft.com/office/drawing/2014/main" id="{107B643B-E0CD-4BB0-954D-1C35E7CD988B}"/>
               </a:ext>
             </a:extLst>
           </p:cNvPr>
@@ -2438,7 +2444,7 @@
           <a:p>
             <a:fld id="{776F1C16-C6BC-4CB7-BFF7-CDD61E08F7AA}" type="datetime1">
               <a:rPr kumimoji="1" lang="ja-JP" altLang="en-US" smtClean="0"/>
-              <a:t>2019/7/2</a:t>
+              <a:t>2019/7/7</a:t>
             </a:fld>
             <a:endParaRPr kumimoji="1" lang="ja-JP" altLang="en-US"/>
           </a:p>
@@ -2449,7 +2455,7 @@
           <p:cNvPr id="8" name="フッター プレースホルダー 7">
             <a:extLst>
               <a:ext uri="{FF2B5EF4-FFF2-40B4-BE49-F238E27FC236}">
-                <a16:creationId xmlns:a16="http://schemas.microsoft.com/office/drawing/2014/main" id="{67EEC69D-01DE-4E43-9DD5-DD0D18953605}"/>
+                <a16:creationId xmlns:a16="http://schemas.microsoft.com/office/drawing/2014/main" id="{B0726ECA-B563-4EEE-A275-C76390CDB30C}"/>
               </a:ext>
             </a:extLst>
           </p:cNvPr>
@@ -2474,7 +2480,7 @@
           <p:cNvPr id="9" name="スライド番号プレースホルダー 8">
             <a:extLst>
               <a:ext uri="{FF2B5EF4-FFF2-40B4-BE49-F238E27FC236}">
-                <a16:creationId xmlns:a16="http://schemas.microsoft.com/office/drawing/2014/main" id="{C262A5C5-9A67-4D5C-A28C-DB1217E854D4}"/>
+                <a16:creationId xmlns:a16="http://schemas.microsoft.com/office/drawing/2014/main" id="{D9694C6C-9272-404D-A8C7-F02364DB3E47}"/>
               </a:ext>
             </a:extLst>
           </p:cNvPr>
@@ -2501,7 +2507,7 @@
     </p:spTree>
     <p:extLst>
       <p:ext uri="{BB962C8B-B14F-4D97-AF65-F5344CB8AC3E}">
-        <p14:creationId xmlns:p14="http://schemas.microsoft.com/office/powerpoint/2010/main" val="3290160953"/>
+        <p14:creationId xmlns:p14="http://schemas.microsoft.com/office/powerpoint/2010/main" val="2312832121"/>
       </p:ext>
     </p:extLst>
   </p:cSld>
@@ -2533,7 +2539,7 @@
           <p:cNvPr id="2" name="タイトル 1">
             <a:extLst>
               <a:ext uri="{FF2B5EF4-FFF2-40B4-BE49-F238E27FC236}">
-                <a16:creationId xmlns:a16="http://schemas.microsoft.com/office/drawing/2014/main" id="{EAA17568-9AAC-4C30-A269-5E6FAC19D194}"/>
+                <a16:creationId xmlns:a16="http://schemas.microsoft.com/office/drawing/2014/main" id="{40FC0F2A-C7C5-4790-BABD-50BB568B75E6}"/>
               </a:ext>
             </a:extLst>
           </p:cNvPr>
@@ -2561,7 +2567,7 @@
           <p:cNvPr id="3" name="日付プレースホルダー 2">
             <a:extLst>
               <a:ext uri="{FF2B5EF4-FFF2-40B4-BE49-F238E27FC236}">
-                <a16:creationId xmlns:a16="http://schemas.microsoft.com/office/drawing/2014/main" id="{01138306-F403-4C32-AE26-922C6B48C2DB}"/>
+                <a16:creationId xmlns:a16="http://schemas.microsoft.com/office/drawing/2014/main" id="{2F3C1D71-CB87-459B-A860-23BB792C9F35}"/>
               </a:ext>
             </a:extLst>
           </p:cNvPr>
@@ -2579,7 +2585,7 @@
           <a:p>
             <a:fld id="{55610721-D215-4A9A-961F-58549CED678F}" type="datetime1">
               <a:rPr kumimoji="1" lang="ja-JP" altLang="en-US" smtClean="0"/>
-              <a:t>2019/7/2</a:t>
+              <a:t>2019/7/7</a:t>
             </a:fld>
             <a:endParaRPr kumimoji="1" lang="ja-JP" altLang="en-US"/>
           </a:p>
@@ -2590,7 +2596,7 @@
           <p:cNvPr id="4" name="フッター プレースホルダー 3">
             <a:extLst>
               <a:ext uri="{FF2B5EF4-FFF2-40B4-BE49-F238E27FC236}">
-                <a16:creationId xmlns:a16="http://schemas.microsoft.com/office/drawing/2014/main" id="{943E93EB-C53F-427D-9BF4-45385CC51069}"/>
+                <a16:creationId xmlns:a16="http://schemas.microsoft.com/office/drawing/2014/main" id="{5F024C30-BA50-4354-AEB7-4EADF193C983}"/>
               </a:ext>
             </a:extLst>
           </p:cNvPr>
@@ -2615,7 +2621,7 @@
           <p:cNvPr id="5" name="スライド番号プレースホルダー 4">
             <a:extLst>
               <a:ext uri="{FF2B5EF4-FFF2-40B4-BE49-F238E27FC236}">
-                <a16:creationId xmlns:a16="http://schemas.microsoft.com/office/drawing/2014/main" id="{32CB7DD5-1A2E-49E2-9F2C-CEE2D415E76A}"/>
+                <a16:creationId xmlns:a16="http://schemas.microsoft.com/office/drawing/2014/main" id="{767CC403-8448-43BF-9539-C3D2A3CA69E0}"/>
               </a:ext>
             </a:extLst>
           </p:cNvPr>
@@ -2642,7 +2648,7 @@
     </p:spTree>
     <p:extLst>
       <p:ext uri="{BB962C8B-B14F-4D97-AF65-F5344CB8AC3E}">
-        <p14:creationId xmlns:p14="http://schemas.microsoft.com/office/powerpoint/2010/main" val="1141605706"/>
+        <p14:creationId xmlns:p14="http://schemas.microsoft.com/office/powerpoint/2010/main" val="3440085370"/>
       </p:ext>
     </p:extLst>
   </p:cSld>
@@ -2674,7 +2680,7 @@
           <p:cNvPr id="2" name="日付プレースホルダー 1">
             <a:extLst>
               <a:ext uri="{FF2B5EF4-FFF2-40B4-BE49-F238E27FC236}">
-                <a16:creationId xmlns:a16="http://schemas.microsoft.com/office/drawing/2014/main" id="{43CECCB9-30F2-45B8-A589-BE5F18F98677}"/>
+                <a16:creationId xmlns:a16="http://schemas.microsoft.com/office/drawing/2014/main" id="{0524844F-BB64-4294-A050-AF14E39190CB}"/>
               </a:ext>
             </a:extLst>
           </p:cNvPr>
@@ -2692,7 +2698,7 @@
           <a:p>
             <a:fld id="{49F1C124-333D-46DF-89CF-44E5F3D7AA1B}" type="datetime1">
               <a:rPr kumimoji="1" lang="ja-JP" altLang="en-US" smtClean="0"/>
-              <a:t>2019/7/2</a:t>
+              <a:t>2019/7/7</a:t>
             </a:fld>
             <a:endParaRPr kumimoji="1" lang="ja-JP" altLang="en-US"/>
           </a:p>
@@ -2703,7 +2709,7 @@
           <p:cNvPr id="3" name="フッター プレースホルダー 2">
             <a:extLst>
               <a:ext uri="{FF2B5EF4-FFF2-40B4-BE49-F238E27FC236}">
-                <a16:creationId xmlns:a16="http://schemas.microsoft.com/office/drawing/2014/main" id="{C5137206-C260-49CF-BEFA-517E74257323}"/>
+                <a16:creationId xmlns:a16="http://schemas.microsoft.com/office/drawing/2014/main" id="{88ED1494-B793-4FE7-91E8-B4650B4C1D9F}"/>
               </a:ext>
             </a:extLst>
           </p:cNvPr>
@@ -2728,7 +2734,7 @@
           <p:cNvPr id="4" name="スライド番号プレースホルダー 3">
             <a:extLst>
               <a:ext uri="{FF2B5EF4-FFF2-40B4-BE49-F238E27FC236}">
-                <a16:creationId xmlns:a16="http://schemas.microsoft.com/office/drawing/2014/main" id="{459F675A-C3F3-4C46-B45C-64135676B351}"/>
+                <a16:creationId xmlns:a16="http://schemas.microsoft.com/office/drawing/2014/main" id="{8401A273-4DA4-4D0C-A936-3413C9EA84D8}"/>
               </a:ext>
             </a:extLst>
           </p:cNvPr>
@@ -2755,7 +2761,7 @@
     </p:spTree>
     <p:extLst>
       <p:ext uri="{BB962C8B-B14F-4D97-AF65-F5344CB8AC3E}">
-        <p14:creationId xmlns:p14="http://schemas.microsoft.com/office/powerpoint/2010/main" val="3109124924"/>
+        <p14:creationId xmlns:p14="http://schemas.microsoft.com/office/powerpoint/2010/main" val="2654609325"/>
       </p:ext>
     </p:extLst>
   </p:cSld>
@@ -2787,7 +2793,7 @@
           <p:cNvPr id="2" name="タイトル 1">
             <a:extLst>
               <a:ext uri="{FF2B5EF4-FFF2-40B4-BE49-F238E27FC236}">
-                <a16:creationId xmlns:a16="http://schemas.microsoft.com/office/drawing/2014/main" id="{9E0DE5F4-E741-4673-BAAC-7A0C970EB110}"/>
+                <a16:creationId xmlns:a16="http://schemas.microsoft.com/office/drawing/2014/main" id="{910332A2-672A-4CD7-8586-F11D252D9E59}"/>
               </a:ext>
             </a:extLst>
           </p:cNvPr>
@@ -2824,7 +2830,7 @@
           <p:cNvPr id="3" name="コンテンツ プレースホルダー 2">
             <a:extLst>
               <a:ext uri="{FF2B5EF4-FFF2-40B4-BE49-F238E27FC236}">
-                <a16:creationId xmlns:a16="http://schemas.microsoft.com/office/drawing/2014/main" id="{F2EAF059-418B-412B-B18A-A1DADDD22408}"/>
+                <a16:creationId xmlns:a16="http://schemas.microsoft.com/office/drawing/2014/main" id="{FFEB7E2C-3814-4DD5-8525-9A62FBFBCA89}"/>
               </a:ext>
             </a:extLst>
           </p:cNvPr>
@@ -2946,7 +2952,7 @@
           <p:cNvPr id="4" name="テキスト プレースホルダー 3">
             <a:extLst>
               <a:ext uri="{FF2B5EF4-FFF2-40B4-BE49-F238E27FC236}">
-                <a16:creationId xmlns:a16="http://schemas.microsoft.com/office/drawing/2014/main" id="{9600BE95-C9A5-4FEE-9261-0D1B002A752E}"/>
+                <a16:creationId xmlns:a16="http://schemas.microsoft.com/office/drawing/2014/main" id="{7D989858-ACDB-4F2E-806B-E98C3189DF42}"/>
               </a:ext>
             </a:extLst>
           </p:cNvPr>
@@ -3017,7 +3023,7 @@
           <p:cNvPr id="5" name="日付プレースホルダー 4">
             <a:extLst>
               <a:ext uri="{FF2B5EF4-FFF2-40B4-BE49-F238E27FC236}">
-                <a16:creationId xmlns:a16="http://schemas.microsoft.com/office/drawing/2014/main" id="{EA836ABD-1D67-491D-8ADA-7D96BF117AD8}"/>
+                <a16:creationId xmlns:a16="http://schemas.microsoft.com/office/drawing/2014/main" id="{CB5D6E02-C1D5-4E66-942B-29AFF79BACE9}"/>
               </a:ext>
             </a:extLst>
           </p:cNvPr>
@@ -3035,7 +3041,7 @@
           <a:p>
             <a:fld id="{E3F730EC-C835-42BF-99AF-467458C4C2C4}" type="datetime1">
               <a:rPr kumimoji="1" lang="ja-JP" altLang="en-US" smtClean="0"/>
-              <a:t>2019/7/2</a:t>
+              <a:t>2019/7/7</a:t>
             </a:fld>
             <a:endParaRPr kumimoji="1" lang="ja-JP" altLang="en-US"/>
           </a:p>
@@ -3046,7 +3052,7 @@
           <p:cNvPr id="6" name="フッター プレースホルダー 5">
             <a:extLst>
               <a:ext uri="{FF2B5EF4-FFF2-40B4-BE49-F238E27FC236}">
-                <a16:creationId xmlns:a16="http://schemas.microsoft.com/office/drawing/2014/main" id="{54ABAAAC-2415-4D42-865D-76A2D59D6873}"/>
+                <a16:creationId xmlns:a16="http://schemas.microsoft.com/office/drawing/2014/main" id="{E517995B-DF96-43D7-8A67-E978AB03701C}"/>
               </a:ext>
             </a:extLst>
           </p:cNvPr>
@@ -3071,7 +3077,7 @@
           <p:cNvPr id="7" name="スライド番号プレースホルダー 6">
             <a:extLst>
               <a:ext uri="{FF2B5EF4-FFF2-40B4-BE49-F238E27FC236}">
-                <a16:creationId xmlns:a16="http://schemas.microsoft.com/office/drawing/2014/main" id="{A4059DA7-6A2A-4430-A3CD-EA14ED9A098E}"/>
+                <a16:creationId xmlns:a16="http://schemas.microsoft.com/office/drawing/2014/main" id="{D8000605-0C0F-402E-ACBF-465B62EF78FF}"/>
               </a:ext>
             </a:extLst>
           </p:cNvPr>
@@ -3098,7 +3104,7 @@
     </p:spTree>
     <p:extLst>
       <p:ext uri="{BB962C8B-B14F-4D97-AF65-F5344CB8AC3E}">
-        <p14:creationId xmlns:p14="http://schemas.microsoft.com/office/powerpoint/2010/main" val="757826495"/>
+        <p14:creationId xmlns:p14="http://schemas.microsoft.com/office/powerpoint/2010/main" val="2826517643"/>
       </p:ext>
     </p:extLst>
   </p:cSld>
@@ -3130,7 +3136,7 @@
           <p:cNvPr id="2" name="タイトル 1">
             <a:extLst>
               <a:ext uri="{FF2B5EF4-FFF2-40B4-BE49-F238E27FC236}">
-                <a16:creationId xmlns:a16="http://schemas.microsoft.com/office/drawing/2014/main" id="{1B3DB380-0923-494A-BAD6-980801A75F4F}"/>
+                <a16:creationId xmlns:a16="http://schemas.microsoft.com/office/drawing/2014/main" id="{ECEABD9D-3F49-4738-B8A3-668723354A38}"/>
               </a:ext>
             </a:extLst>
           </p:cNvPr>
@@ -3167,7 +3173,7 @@
           <p:cNvPr id="3" name="図プレースホルダー 2">
             <a:extLst>
               <a:ext uri="{FF2B5EF4-FFF2-40B4-BE49-F238E27FC236}">
-                <a16:creationId xmlns:a16="http://schemas.microsoft.com/office/drawing/2014/main" id="{FEAF4E13-9358-43A8-AA9B-68B7C2759D37}"/>
+                <a16:creationId xmlns:a16="http://schemas.microsoft.com/office/drawing/2014/main" id="{5873ECBB-EA60-44B8-90AA-3511FDDF22A9}"/>
               </a:ext>
             </a:extLst>
           </p:cNvPr>
@@ -3234,7 +3240,7 @@
           <p:cNvPr id="4" name="テキスト プレースホルダー 3">
             <a:extLst>
               <a:ext uri="{FF2B5EF4-FFF2-40B4-BE49-F238E27FC236}">
-                <a16:creationId xmlns:a16="http://schemas.microsoft.com/office/drawing/2014/main" id="{D21F29FC-A5BD-4CA9-B6E8-C3E579E09CE8}"/>
+                <a16:creationId xmlns:a16="http://schemas.microsoft.com/office/drawing/2014/main" id="{143CB195-265E-4106-9B9F-296ED0FAEC2F}"/>
               </a:ext>
             </a:extLst>
           </p:cNvPr>
@@ -3305,7 +3311,7 @@
           <p:cNvPr id="5" name="日付プレースホルダー 4">
             <a:extLst>
               <a:ext uri="{FF2B5EF4-FFF2-40B4-BE49-F238E27FC236}">
-                <a16:creationId xmlns:a16="http://schemas.microsoft.com/office/drawing/2014/main" id="{63019F22-48D3-425C-8EE8-B83A1B2ECDA1}"/>
+                <a16:creationId xmlns:a16="http://schemas.microsoft.com/office/drawing/2014/main" id="{449243FC-B8F4-4A6E-A838-F840CF9E2A25}"/>
               </a:ext>
             </a:extLst>
           </p:cNvPr>
@@ -3323,7 +3329,7 @@
           <a:p>
             <a:fld id="{FDD959DD-DE49-402F-B2D5-6D57D3F76DB0}" type="datetime1">
               <a:rPr kumimoji="1" lang="ja-JP" altLang="en-US" smtClean="0"/>
-              <a:t>2019/7/2</a:t>
+              <a:t>2019/7/7</a:t>
             </a:fld>
             <a:endParaRPr kumimoji="1" lang="ja-JP" altLang="en-US"/>
           </a:p>
@@ -3334,7 +3340,7 @@
           <p:cNvPr id="6" name="フッター プレースホルダー 5">
             <a:extLst>
               <a:ext uri="{FF2B5EF4-FFF2-40B4-BE49-F238E27FC236}">
-                <a16:creationId xmlns:a16="http://schemas.microsoft.com/office/drawing/2014/main" id="{F018E7F5-503C-4879-98F1-732A59BD24C4}"/>
+                <a16:creationId xmlns:a16="http://schemas.microsoft.com/office/drawing/2014/main" id="{74D1447C-BBE5-4D1D-BF39-688FE5B0EF50}"/>
               </a:ext>
             </a:extLst>
           </p:cNvPr>
@@ -3359,7 +3365,7 @@
           <p:cNvPr id="7" name="スライド番号プレースホルダー 6">
             <a:extLst>
               <a:ext uri="{FF2B5EF4-FFF2-40B4-BE49-F238E27FC236}">
-                <a16:creationId xmlns:a16="http://schemas.microsoft.com/office/drawing/2014/main" id="{C1CF1808-3FB9-46F6-A646-9ABB8EC98B23}"/>
+                <a16:creationId xmlns:a16="http://schemas.microsoft.com/office/drawing/2014/main" id="{D2ADA5C9-FFC2-4BAC-950D-9560DE6A7041}"/>
               </a:ext>
             </a:extLst>
           </p:cNvPr>
@@ -3386,7 +3392,7 @@
     </p:spTree>
     <p:extLst>
       <p:ext uri="{BB962C8B-B14F-4D97-AF65-F5344CB8AC3E}">
-        <p14:creationId xmlns:p14="http://schemas.microsoft.com/office/powerpoint/2010/main" val="762848741"/>
+        <p14:creationId xmlns:p14="http://schemas.microsoft.com/office/powerpoint/2010/main" val="1744382182"/>
       </p:ext>
     </p:extLst>
   </p:cSld>
@@ -3423,7 +3429,7 @@
           <p:cNvPr id="2" name="タイトル プレースホルダー 1">
             <a:extLst>
               <a:ext uri="{FF2B5EF4-FFF2-40B4-BE49-F238E27FC236}">
-                <a16:creationId xmlns:a16="http://schemas.microsoft.com/office/drawing/2014/main" id="{1BCD83D0-A9DF-4AEC-834E-306B9FC3B2E4}"/>
+                <a16:creationId xmlns:a16="http://schemas.microsoft.com/office/drawing/2014/main" id="{5995CED7-1B77-4B6E-967F-205F64510517}"/>
               </a:ext>
             </a:extLst>
           </p:cNvPr>
@@ -3461,7 +3467,7 @@
           <p:cNvPr id="3" name="テキスト プレースホルダー 2">
             <a:extLst>
               <a:ext uri="{FF2B5EF4-FFF2-40B4-BE49-F238E27FC236}">
-                <a16:creationId xmlns:a16="http://schemas.microsoft.com/office/drawing/2014/main" id="{32F13BBD-B87C-48B4-970E-43F046451B9C}"/>
+                <a16:creationId xmlns:a16="http://schemas.microsoft.com/office/drawing/2014/main" id="{282731BE-8A3A-42BB-BD5A-F9C471C850C6}"/>
               </a:ext>
             </a:extLst>
           </p:cNvPr>
@@ -3560,7 +3566,7 @@
           <p:cNvPr id="4" name="日付プレースホルダー 3">
             <a:extLst>
               <a:ext uri="{FF2B5EF4-FFF2-40B4-BE49-F238E27FC236}">
-                <a16:creationId xmlns:a16="http://schemas.microsoft.com/office/drawing/2014/main" id="{8B656008-315A-4896-A300-00D1746D243C}"/>
+                <a16:creationId xmlns:a16="http://schemas.microsoft.com/office/drawing/2014/main" id="{F16BA7AE-1CC1-4ECC-AEBD-24D262DA545F}"/>
               </a:ext>
             </a:extLst>
           </p:cNvPr>
@@ -3596,7 +3602,7 @@
           <a:p>
             <a:fld id="{3BED155C-FFAC-41EE-8B1E-CECCC68012A8}" type="datetime1">
               <a:rPr kumimoji="1" lang="ja-JP" altLang="en-US" smtClean="0"/>
-              <a:t>2019/7/2</a:t>
+              <a:t>2019/7/7</a:t>
             </a:fld>
             <a:endParaRPr kumimoji="1" lang="ja-JP" altLang="en-US"/>
           </a:p>
@@ -3607,7 +3613,7 @@
           <p:cNvPr id="5" name="フッター プレースホルダー 4">
             <a:extLst>
               <a:ext uri="{FF2B5EF4-FFF2-40B4-BE49-F238E27FC236}">
-                <a16:creationId xmlns:a16="http://schemas.microsoft.com/office/drawing/2014/main" id="{36AEBF0C-DCCA-405C-9471-37ECD72A933F}"/>
+                <a16:creationId xmlns:a16="http://schemas.microsoft.com/office/drawing/2014/main" id="{5877F2DA-4E76-4547-B733-429381D3C47E}"/>
               </a:ext>
             </a:extLst>
           </p:cNvPr>
@@ -3650,7 +3656,7 @@
           <p:cNvPr id="6" name="スライド番号プレースホルダー 5">
             <a:extLst>
               <a:ext uri="{FF2B5EF4-FFF2-40B4-BE49-F238E27FC236}">
-                <a16:creationId xmlns:a16="http://schemas.microsoft.com/office/drawing/2014/main" id="{0BCB0EAB-E37F-4DFC-B31C-356E55A73339}"/>
+                <a16:creationId xmlns:a16="http://schemas.microsoft.com/office/drawing/2014/main" id="{1154534E-9DCB-431B-A011-2F62E82FA3CF}"/>
               </a:ext>
             </a:extLst>
           </p:cNvPr>
@@ -3695,23 +3701,23 @@
     </p:spTree>
     <p:extLst>
       <p:ext uri="{BB962C8B-B14F-4D97-AF65-F5344CB8AC3E}">
-        <p14:creationId xmlns:p14="http://schemas.microsoft.com/office/powerpoint/2010/main" val="3462887679"/>
+        <p14:creationId xmlns:p14="http://schemas.microsoft.com/office/powerpoint/2010/main" val="3119068680"/>
       </p:ext>
     </p:extLst>
   </p:cSld>
   <p:clrMap bg1="lt1" tx1="dk1" bg2="lt2" tx2="dk2" accent1="accent1" accent2="accent2" accent3="accent3" accent4="accent4" accent5="accent5" accent6="accent6" hlink="hlink" folHlink="folHlink"/>
   <p:sldLayoutIdLst>
-    <p:sldLayoutId id="2147483649" r:id="rId1"/>
-    <p:sldLayoutId id="2147483650" r:id="rId2"/>
-    <p:sldLayoutId id="2147483651" r:id="rId3"/>
-    <p:sldLayoutId id="2147483652" r:id="rId4"/>
-    <p:sldLayoutId id="2147483653" r:id="rId5"/>
-    <p:sldLayoutId id="2147483654" r:id="rId6"/>
-    <p:sldLayoutId id="2147483655" r:id="rId7"/>
-    <p:sldLayoutId id="2147483656" r:id="rId8"/>
-    <p:sldLayoutId id="2147483657" r:id="rId9"/>
-    <p:sldLayoutId id="2147483658" r:id="rId10"/>
-    <p:sldLayoutId id="2147483659" r:id="rId11"/>
+    <p:sldLayoutId id="2147483673" r:id="rId1"/>
+    <p:sldLayoutId id="2147483674" r:id="rId2"/>
+    <p:sldLayoutId id="2147483675" r:id="rId3"/>
+    <p:sldLayoutId id="2147483676" r:id="rId4"/>
+    <p:sldLayoutId id="2147483677" r:id="rId5"/>
+    <p:sldLayoutId id="2147483678" r:id="rId6"/>
+    <p:sldLayoutId id="2147483679" r:id="rId7"/>
+    <p:sldLayoutId id="2147483680" r:id="rId8"/>
+    <p:sldLayoutId id="2147483681" r:id="rId9"/>
+    <p:sldLayoutId id="2147483682" r:id="rId10"/>
+    <p:sldLayoutId id="2147483683" r:id="rId11"/>
   </p:sldLayoutIdLst>
   <p:hf hdr="0" ftr="0" dt="0"/>
   <p:txStyles>
@@ -4041,9 +4047,10 @@
           <a:lstStyle/>
           <a:p>
             <a:r>
-              <a:rPr kumimoji="1" lang="ja-JP" altLang="en-US" dirty="0"/>
+              <a:rPr kumimoji="1" lang="ja-JP" altLang="en-US"/>
               <a:t>故障シミュレーター作成報告</a:t>
             </a:r>
+            <a:endParaRPr kumimoji="1" lang="ja-JP" altLang="en-US" dirty="0"/>
           </a:p>
         </p:txBody>
       </p:sp>
@@ -4070,19 +4077,19 @@
           <a:p>
             <a:pPr algn="r"/>
             <a:r>
-              <a:rPr kumimoji="1" lang="ja-JP" altLang="en-US" dirty="0"/>
+              <a:rPr kumimoji="1" lang="ja-JP" altLang="en-US"/>
               <a:t>計算機システム研究室</a:t>
             </a:r>
-            <a:endParaRPr kumimoji="1" lang="en-US" altLang="ja-JP" dirty="0"/>
+            <a:endParaRPr kumimoji="1" lang="en-US" altLang="ja-JP"/>
           </a:p>
           <a:p>
             <a:pPr algn="r"/>
             <a:r>
-              <a:rPr lang="en-US" altLang="ja-JP" dirty="0"/>
+              <a:rPr lang="en-US" altLang="ja-JP"/>
               <a:t>B4</a:t>
             </a:r>
             <a:r>
-              <a:rPr lang="ja-JP" altLang="en-US" dirty="0"/>
+              <a:rPr lang="ja-JP" altLang="en-US"/>
               <a:t>段原丞治</a:t>
             </a:r>
             <a:endParaRPr kumimoji="1" lang="ja-JP" altLang="en-US" dirty="0"/>
@@ -4182,8 +4189,16 @@
               <a:t>メソッド</a:t>
             </a:r>
             <a:r>
+              <a:rPr lang="en-US" altLang="ja-JP" dirty="0">
+                <a:solidFill>
+                  <a:srgbClr val="FF0000"/>
+                </a:solidFill>
+              </a:rPr>
+              <a:t>O(n)</a:t>
+            </a:r>
+            <a:r>
               <a:rPr lang="en-US" altLang="ja-JP" dirty="0"/>
-              <a:t>O(n)-&gt;</a:t>
+              <a:t>-&gt;</a:t>
             </a:r>
             <a:r>
               <a:rPr lang="ja-JP" altLang="en-US" dirty="0"/>
@@ -4231,7 +4246,15 @@
           <a:p>
             <a:r>
               <a:rPr lang="en-US" altLang="ja-JP" dirty="0"/>
-              <a:t>O(n) -&gt; O(1)</a:t>
+              <a:t>O(n) -&gt; </a:t>
+            </a:r>
+            <a:r>
+              <a:rPr lang="en-US" altLang="ja-JP" dirty="0">
+                <a:solidFill>
+                  <a:srgbClr val="FF0000"/>
+                </a:solidFill>
+              </a:rPr>
+              <a:t>O(1)</a:t>
             </a:r>
             <a:r>
               <a:rPr lang="ja-JP" altLang="en-US" dirty="0"/>
@@ -5077,7 +5100,17 @@
               <a:rPr lang="ja-JP" altLang="en-US" dirty="0"/>
               <a:t> 高速化後に並列処理を行うと遅くなる</a:t>
             </a:r>
-            <a:endParaRPr kumimoji="1" lang="ja-JP" altLang="en-US" dirty="0"/>
+            <a:endParaRPr lang="en-US" altLang="ja-JP" dirty="0"/>
+          </a:p>
+          <a:p>
+            <a:r>
+              <a:rPr kumimoji="1" lang="en-US" altLang="ja-JP" dirty="0"/>
+              <a:t>4.4 </a:t>
+            </a:r>
+            <a:r>
+              <a:rPr kumimoji="1" lang="ja-JP" altLang="en-US" dirty="0"/>
+              <a:t>生成スレッド数を制限した結果</a:t>
+            </a:r>
           </a:p>
         </p:txBody>
       </p:sp>
@@ -5216,7 +5249,11 @@
               <a:t>の関数</a:t>
             </a:r>
             <a:r>
-              <a:rPr kumimoji="1" lang="en-US" altLang="ja-JP" dirty="0" err="1"/>
+              <a:rPr kumimoji="1" lang="en-US" altLang="ja-JP" dirty="0" err="1">
+                <a:solidFill>
+                  <a:srgbClr val="FF0000"/>
+                </a:solidFill>
+              </a:rPr>
               <a:t>Parallel.ForEach</a:t>
             </a:r>
             <a:r>
@@ -5255,14 +5292,34 @@
             </a:r>
             <a:r>
               <a:rPr kumimoji="1" lang="ja-JP" altLang="en-US" dirty="0"/>
-              <a:t>つでもあると値がおかしくなるため、値の奪い合いが発生しないようにプログラムしなければならない</a:t>
+              <a:t>つでもあると値がおかしくなるため、</a:t>
+            </a:r>
+            <a:r>
+              <a:rPr kumimoji="1" lang="ja-JP" altLang="en-US" dirty="0">
+                <a:solidFill>
+                  <a:srgbClr val="FF0000"/>
+                </a:solidFill>
+              </a:rPr>
+              <a:t>値の奪い合い</a:t>
+            </a:r>
+            <a:r>
+              <a:rPr kumimoji="1" lang="ja-JP" altLang="en-US" dirty="0"/>
+              <a:t>が発生しないようにプログラムしなければならない</a:t>
             </a:r>
             <a:endParaRPr kumimoji="1" lang="en-US" altLang="ja-JP" dirty="0"/>
           </a:p>
           <a:p>
             <a:r>
               <a:rPr kumimoji="1" lang="ja-JP" altLang="en-US" dirty="0"/>
-              <a:t>特に値の書き換えが問題になる 読み取りは問題なかった</a:t>
+              <a:t>特に値の書き換えが問題になる </a:t>
+            </a:r>
+            <a:r>
+              <a:rPr kumimoji="1" lang="ja-JP" altLang="en-US" dirty="0">
+                <a:solidFill>
+                  <a:srgbClr val="FF0000"/>
+                </a:solidFill>
+              </a:rPr>
+              <a:t>読み取りは問題なかった</a:t>
             </a:r>
           </a:p>
         </p:txBody>
@@ -5419,7 +5476,11 @@
               <a:t>の使用率がほぼ</a:t>
             </a:r>
             <a:r>
-              <a:rPr lang="en-US" altLang="ja-JP" dirty="0"/>
+              <a:rPr lang="en-US" altLang="ja-JP" dirty="0">
+                <a:solidFill>
+                  <a:srgbClr val="FF0000"/>
+                </a:solidFill>
+              </a:rPr>
               <a:t>100%</a:t>
             </a:r>
             <a:r>
@@ -5438,9 +5499,33 @@
             </a:r>
             <a:r>
               <a:rPr lang="ja-JP" altLang="en-US" dirty="0"/>
-              <a:t>の高速化を行った後に並列処理を行ったところ処理時間が遅くなった</a:t>
-            </a:r>
-            <a:endParaRPr lang="en-US" altLang="ja-JP" dirty="0"/>
+              <a:t>の</a:t>
+            </a:r>
+            <a:r>
+              <a:rPr lang="ja-JP" altLang="en-US" dirty="0">
+                <a:solidFill>
+                  <a:srgbClr val="00B0F0"/>
+                </a:solidFill>
+              </a:rPr>
+              <a:t>高速化</a:t>
+            </a:r>
+            <a:r>
+              <a:rPr lang="ja-JP" altLang="en-US" dirty="0"/>
+              <a:t>を行った後に並列処理を行ったところ</a:t>
+            </a:r>
+            <a:r>
+              <a:rPr lang="ja-JP" altLang="en-US" dirty="0">
+                <a:solidFill>
+                  <a:srgbClr val="FF0000"/>
+                </a:solidFill>
+              </a:rPr>
+              <a:t>処理時間が遅くなった</a:t>
+            </a:r>
+            <a:endParaRPr lang="en-US" altLang="ja-JP" dirty="0">
+              <a:solidFill>
+                <a:srgbClr val="FF0000"/>
+              </a:solidFill>
+            </a:endParaRPr>
           </a:p>
         </p:txBody>
       </p:sp>
@@ -5571,9 +5656,21 @@
           <a:p>
             <a:r>
               <a:rPr lang="ja-JP" altLang="en-US" dirty="0"/>
-              <a:t>一般的にスレッド生成の処理コストは高い</a:t>
-            </a:r>
-            <a:endParaRPr lang="en-US" altLang="ja-JP" dirty="0"/>
+              <a:t>一般的にスレッド生成の処理コストは</a:t>
+            </a:r>
+            <a:r>
+              <a:rPr lang="ja-JP" altLang="en-US" dirty="0">
+                <a:solidFill>
+                  <a:srgbClr val="FF0000"/>
+                </a:solidFill>
+              </a:rPr>
+              <a:t>高い</a:t>
+            </a:r>
+            <a:endParaRPr lang="en-US" altLang="ja-JP" dirty="0">
+              <a:solidFill>
+                <a:srgbClr val="FF0000"/>
+              </a:solidFill>
+            </a:endParaRPr>
           </a:p>
           <a:p>
             <a:endParaRPr lang="en-US" altLang="ja-JP" dirty="0"/>
@@ -5584,39 +5681,18 @@
               <a:t>故障シミュレーターで並列処理を有効に使用するためには</a:t>
             </a:r>
             <a:r>
-              <a:rPr lang="en-US" altLang="ja-JP" dirty="0"/>
-              <a:t>1</a:t>
+              <a:rPr lang="ja-JP" altLang="en-US" dirty="0">
+                <a:solidFill>
+                  <a:srgbClr val="FF0000"/>
+                </a:solidFill>
+              </a:rPr>
+              <a:t>スレッド生成上限を適切に決める必要</a:t>
             </a:r>
             <a:r>
               <a:rPr lang="ja-JP" altLang="en-US" dirty="0"/>
-              <a:t>コアで処理時間が</a:t>
-            </a:r>
-            <a:r>
-              <a:rPr lang="en-US" altLang="ja-JP" dirty="0"/>
-              <a:t>20</a:t>
-            </a:r>
-            <a:r>
-              <a:rPr lang="ja-JP" altLang="en-US" dirty="0"/>
-              <a:t>秒以上かかる回路であれば並列化の恩恵が得れる</a:t>
+              <a:t>がある</a:t>
             </a:r>
             <a:endParaRPr lang="en-US" altLang="ja-JP" dirty="0"/>
-          </a:p>
-          <a:p>
-            <a:r>
-              <a:rPr lang="ja-JP" altLang="en-US" dirty="0"/>
-              <a:t>逆に処理時間が</a:t>
-            </a:r>
-            <a:r>
-              <a:rPr lang="en-US" altLang="ja-JP" dirty="0"/>
-              <a:t>8</a:t>
-            </a:r>
-            <a:r>
-              <a:rPr lang="ja-JP" altLang="en-US" dirty="0"/>
-              <a:t>秒以下であれば足を引っ張る</a:t>
-            </a:r>
-          </a:p>
-          <a:p>
-            <a:endParaRPr kumimoji="1" lang="ja-JP" altLang="en-US" dirty="0"/>
           </a:p>
         </p:txBody>
       </p:sp>
@@ -5684,7 +5760,7 @@
           <p:cNvPr id="2" name="タイトル 1">
             <a:extLst>
               <a:ext uri="{FF2B5EF4-FFF2-40B4-BE49-F238E27FC236}">
-                <a16:creationId xmlns:a16="http://schemas.microsoft.com/office/drawing/2014/main" id="{3A7C44E6-8D7D-4DFB-B8E6-2A91072BFAA8}"/>
+                <a16:creationId xmlns:a16="http://schemas.microsoft.com/office/drawing/2014/main" id="{2B4E538D-1073-4B93-88E6-888C3B34E4A8}"/>
               </a:ext>
             </a:extLst>
           </p:cNvPr>
@@ -5701,595 +5777,159 @@
           <a:lstStyle/>
           <a:p>
             <a:r>
+              <a:rPr lang="en-US" altLang="ja-JP" dirty="0"/>
+              <a:t>4.4 </a:t>
+            </a:r>
+            <a:r>
+              <a:rPr lang="ja-JP" altLang="en-US" dirty="0"/>
+              <a:t>生成スレッド数を制限した結果</a:t>
+            </a:r>
+            <a:endParaRPr kumimoji="1" lang="ja-JP" altLang="en-US" dirty="0"/>
+          </a:p>
+        </p:txBody>
+      </p:sp>
+      <p:sp>
+        <p:nvSpPr>
+          <p:cNvPr id="3" name="コンテンツ プレースホルダー 2">
+            <a:extLst>
+              <a:ext uri="{FF2B5EF4-FFF2-40B4-BE49-F238E27FC236}">
+                <a16:creationId xmlns:a16="http://schemas.microsoft.com/office/drawing/2014/main" id="{5BAFA100-6477-4906-B1BE-B04278CE5A3A}"/>
+              </a:ext>
+            </a:extLst>
+          </p:cNvPr>
+          <p:cNvSpPr>
+            <a:spLocks noGrp="1"/>
+          </p:cNvSpPr>
+          <p:nvPr>
+            <p:ph idx="1"/>
+          </p:nvPr>
+        </p:nvSpPr>
+        <p:spPr/>
+        <p:txBody>
+          <a:bodyPr/>
+          <a:lstStyle/>
+          <a:p>
+            <a:r>
               <a:rPr kumimoji="1" lang="en-US" altLang="ja-JP" dirty="0"/>
-              <a:t>5. </a:t>
+              <a:t>C#</a:t>
             </a:r>
             <a:r>
               <a:rPr kumimoji="1" lang="ja-JP" altLang="en-US" dirty="0"/>
-              <a:t>処理時間結果 </a:t>
+              <a:t>の</a:t>
+            </a:r>
+            <a:r>
+              <a:rPr kumimoji="1" lang="en-US" altLang="ja-JP" dirty="0" err="1"/>
+              <a:t>Parallel.ForEach</a:t>
+            </a:r>
+            <a:r>
+              <a:rPr kumimoji="1" lang="ja-JP" altLang="en-US" dirty="0"/>
+              <a:t>はスレッド数上限を指定しないと自動で複数個生成される</a:t>
+            </a:r>
+            <a:endParaRPr kumimoji="1" lang="en-US" altLang="ja-JP" dirty="0"/>
+          </a:p>
+          <a:p>
+            <a:r>
+              <a:rPr lang="ja-JP" altLang="en-US" dirty="0"/>
+              <a:t>オプションでスレッド数を調整すると速度の改善が見られた</a:t>
+            </a:r>
+            <a:endParaRPr lang="en-US" altLang="ja-JP" dirty="0"/>
+          </a:p>
+          <a:p>
+            <a:endParaRPr lang="en-US" altLang="ja-JP" dirty="0"/>
+          </a:p>
+          <a:p>
+            <a:r>
+              <a:rPr kumimoji="1" lang="ja-JP" altLang="en-US" dirty="0"/>
+              <a:t>実行環境 </a:t>
             </a:r>
             <a:r>
               <a:rPr kumimoji="1" lang="en-US" altLang="ja-JP" dirty="0"/>
-              <a:t>e</a:t>
+              <a:t>Core i7-7700(</a:t>
             </a:r>
             <a:r>
               <a:rPr kumimoji="1" lang="ja-JP" altLang="en-US" dirty="0"/>
-              <a:t>回路</a:t>
-            </a:r>
-          </a:p>
-        </p:txBody>
-      </p:sp>
-      <p:graphicFrame>
-        <p:nvGraphicFramePr>
-          <p:cNvPr id="4" name="コンテンツ プレースホルダー 3">
-            <a:extLst>
-              <a:ext uri="{FF2B5EF4-FFF2-40B4-BE49-F238E27FC236}">
-                <a16:creationId xmlns:a16="http://schemas.microsoft.com/office/drawing/2014/main" id="{F3C4059F-759F-46AD-9C50-B4202F8D43E4}"/>
-              </a:ext>
-            </a:extLst>
-          </p:cNvPr>
-          <p:cNvGraphicFramePr>
-            <a:graphicFrameLocks noGrp="1"/>
-          </p:cNvGraphicFramePr>
-          <p:nvPr>
-            <p:ph idx="1"/>
-            <p:extLst>
-              <p:ext uri="{D42A27DB-BD31-4B8C-83A1-F6EECF244321}">
-                <p14:modId xmlns:p14="http://schemas.microsoft.com/office/powerpoint/2010/main" val="2375797058"/>
-              </p:ext>
-            </p:extLst>
-          </p:nvPr>
-        </p:nvGraphicFramePr>
-        <p:xfrm>
-          <a:off x="838200" y="1825625"/>
-          <a:ext cx="10515600" cy="4079240"/>
-        </p:xfrm>
-        <a:graphic>
-          <a:graphicData uri="http://schemas.openxmlformats.org/drawingml/2006/table">
-            <a:tbl>
-              <a:tblPr firstRow="1" bandRow="1">
-                <a:tableStyleId>{5C22544A-7EE6-4342-B048-85BDC9FD1C3A}</a:tableStyleId>
-              </a:tblPr>
-              <a:tblGrid>
-                <a:gridCol w="3505200">
-                  <a:extLst>
-                    <a:ext uri="{9D8B030D-6E8A-4147-A177-3AD203B41FA5}">
-                      <a16:colId xmlns:a16="http://schemas.microsoft.com/office/drawing/2014/main" val="2626973591"/>
-                    </a:ext>
-                  </a:extLst>
-                </a:gridCol>
-                <a:gridCol w="3505200">
-                  <a:extLst>
-                    <a:ext uri="{9D8B030D-6E8A-4147-A177-3AD203B41FA5}">
-                      <a16:colId xmlns:a16="http://schemas.microsoft.com/office/drawing/2014/main" val="435737870"/>
-                    </a:ext>
-                  </a:extLst>
-                </a:gridCol>
-                <a:gridCol w="3505200">
-                  <a:extLst>
-                    <a:ext uri="{9D8B030D-6E8A-4147-A177-3AD203B41FA5}">
-                      <a16:colId xmlns:a16="http://schemas.microsoft.com/office/drawing/2014/main" val="1525804143"/>
-                    </a:ext>
-                  </a:extLst>
-                </a:gridCol>
-              </a:tblGrid>
-              <a:tr h="370840">
-                <a:tc>
-                  <a:txBody>
-                    <a:bodyPr/>
-                    <a:lstStyle/>
-                    <a:p>
-                      <a:endParaRPr kumimoji="1" lang="ja-JP" altLang="en-US" dirty="0"/>
-                    </a:p>
-                  </a:txBody>
-                  <a:tcPr/>
-                </a:tc>
-                <a:tc>
-                  <a:txBody>
-                    <a:bodyPr/>
-                    <a:lstStyle/>
-                    <a:p>
-                      <a:r>
-                        <a:rPr kumimoji="1" lang="ja-JP" altLang="en-US" dirty="0"/>
-                        <a:t>高速化前</a:t>
-                      </a:r>
-                      <a:r>
-                        <a:rPr kumimoji="1" lang="en-US" altLang="ja-JP" dirty="0"/>
-                        <a:t>(/s)</a:t>
-                      </a:r>
-                      <a:endParaRPr kumimoji="1" lang="ja-JP" altLang="en-US" dirty="0"/>
-                    </a:p>
-                  </a:txBody>
-                  <a:tcPr/>
-                </a:tc>
-                <a:tc>
-                  <a:txBody>
-                    <a:bodyPr/>
-                    <a:lstStyle/>
-                    <a:p>
-                      <a:r>
-                        <a:rPr kumimoji="1" lang="ja-JP" altLang="en-US" dirty="0"/>
-                        <a:t>高速化後</a:t>
-                      </a:r>
-                      <a:r>
-                        <a:rPr kumimoji="1" lang="en-US" altLang="ja-JP" dirty="0"/>
-                        <a:t>(/s)</a:t>
-                      </a:r>
-                      <a:endParaRPr kumimoji="1" lang="ja-JP" altLang="en-US" dirty="0"/>
-                    </a:p>
-                  </a:txBody>
-                  <a:tcPr/>
-                </a:tc>
-                <a:extLst>
-                  <a:ext uri="{0D108BD9-81ED-4DB2-BD59-A6C34878D82A}">
-                    <a16:rowId xmlns:a16="http://schemas.microsoft.com/office/drawing/2014/main" val="177116742"/>
-                  </a:ext>
-                </a:extLst>
-              </a:tr>
-              <a:tr h="370840">
-                <a:tc>
-                  <a:txBody>
-                    <a:bodyPr/>
-                    <a:lstStyle/>
-                    <a:p>
-                      <a:r>
-                        <a:rPr kumimoji="1" lang="en-US" altLang="ja-JP" dirty="0"/>
-                        <a:t>e432</a:t>
-                      </a:r>
-                      <a:endParaRPr kumimoji="1" lang="ja-JP" altLang="en-US" dirty="0"/>
-                    </a:p>
-                  </a:txBody>
-                  <a:tcPr/>
-                </a:tc>
-                <a:tc>
-                  <a:txBody>
-                    <a:bodyPr/>
-                    <a:lstStyle/>
-                    <a:p>
-                      <a:r>
-                        <a:rPr kumimoji="1" lang="en-US" altLang="ja-JP" dirty="0"/>
-                        <a:t>20</a:t>
-                      </a:r>
-                      <a:endParaRPr kumimoji="1" lang="ja-JP" altLang="en-US" dirty="0"/>
-                    </a:p>
-                  </a:txBody>
-                  <a:tcPr/>
-                </a:tc>
-                <a:tc>
-                  <a:txBody>
-                    <a:bodyPr/>
-                    <a:lstStyle/>
-                    <a:p>
-                      <a:r>
-                        <a:rPr kumimoji="1" lang="en-US" altLang="ja-JP" dirty="0"/>
-                        <a:t>0.1</a:t>
-                      </a:r>
-                      <a:endParaRPr kumimoji="1" lang="ja-JP" altLang="en-US" dirty="0"/>
-                    </a:p>
-                  </a:txBody>
-                  <a:tcPr/>
-                </a:tc>
-                <a:extLst>
-                  <a:ext uri="{0D108BD9-81ED-4DB2-BD59-A6C34878D82A}">
-                    <a16:rowId xmlns:a16="http://schemas.microsoft.com/office/drawing/2014/main" val="2105549162"/>
-                  </a:ext>
-                </a:extLst>
-              </a:tr>
-              <a:tr h="370840">
-                <a:tc>
-                  <a:txBody>
-                    <a:bodyPr/>
-                    <a:lstStyle/>
-                    <a:p>
-                      <a:r>
-                        <a:rPr kumimoji="1" lang="en-US" altLang="ja-JP" dirty="0"/>
-                        <a:t>e499</a:t>
-                      </a:r>
-                      <a:endParaRPr kumimoji="1" lang="ja-JP" altLang="en-US" dirty="0"/>
-                    </a:p>
-                  </a:txBody>
-                  <a:tcPr/>
-                </a:tc>
-                <a:tc>
-                  <a:txBody>
-                    <a:bodyPr/>
-                    <a:lstStyle/>
-                    <a:p>
-                      <a:endParaRPr kumimoji="1" lang="ja-JP" altLang="en-US"/>
-                    </a:p>
-                  </a:txBody>
-                  <a:tcPr/>
-                </a:tc>
-                <a:tc>
-                  <a:txBody>
-                    <a:bodyPr/>
-                    <a:lstStyle/>
-                    <a:p>
-                      <a:r>
-                        <a:rPr kumimoji="1" lang="en-US" altLang="ja-JP" dirty="0"/>
-                        <a:t>0.1</a:t>
-                      </a:r>
-                      <a:endParaRPr kumimoji="1" lang="ja-JP" altLang="en-US" dirty="0"/>
-                    </a:p>
-                  </a:txBody>
-                  <a:tcPr/>
-                </a:tc>
-                <a:extLst>
-                  <a:ext uri="{0D108BD9-81ED-4DB2-BD59-A6C34878D82A}">
-                    <a16:rowId xmlns:a16="http://schemas.microsoft.com/office/drawing/2014/main" val="4264530241"/>
-                  </a:ext>
-                </a:extLst>
-              </a:tr>
-              <a:tr h="370840">
-                <a:tc>
-                  <a:txBody>
-                    <a:bodyPr/>
-                    <a:lstStyle/>
-                    <a:p>
-                      <a:r>
-                        <a:rPr kumimoji="1" lang="en-US" altLang="ja-JP" dirty="0"/>
-                        <a:t>e880</a:t>
-                      </a:r>
-                      <a:endParaRPr kumimoji="1" lang="ja-JP" altLang="en-US" dirty="0"/>
-                    </a:p>
-                  </a:txBody>
-                  <a:tcPr/>
-                </a:tc>
-                <a:tc>
-                  <a:txBody>
-                    <a:bodyPr/>
-                    <a:lstStyle/>
-                    <a:p>
-                      <a:endParaRPr kumimoji="1" lang="ja-JP" altLang="en-US"/>
-                    </a:p>
-                  </a:txBody>
-                  <a:tcPr/>
-                </a:tc>
-                <a:tc>
-                  <a:txBody>
-                    <a:bodyPr/>
-                    <a:lstStyle/>
-                    <a:p>
-                      <a:r>
-                        <a:rPr kumimoji="1" lang="en-US" altLang="ja-JP" dirty="0"/>
-                        <a:t>0.11</a:t>
-                      </a:r>
-                      <a:endParaRPr kumimoji="1" lang="ja-JP" altLang="en-US" dirty="0"/>
-                    </a:p>
-                  </a:txBody>
-                  <a:tcPr/>
-                </a:tc>
-                <a:extLst>
-                  <a:ext uri="{0D108BD9-81ED-4DB2-BD59-A6C34878D82A}">
-                    <a16:rowId xmlns:a16="http://schemas.microsoft.com/office/drawing/2014/main" val="1020222170"/>
-                  </a:ext>
-                </a:extLst>
-              </a:tr>
-              <a:tr h="370840">
-                <a:tc>
-                  <a:txBody>
-                    <a:bodyPr/>
-                    <a:lstStyle/>
-                    <a:p>
-                      <a:r>
-                        <a:rPr kumimoji="1" lang="en-US" altLang="ja-JP" dirty="0"/>
-                        <a:t>e1355</a:t>
-                      </a:r>
-                      <a:endParaRPr kumimoji="1" lang="ja-JP" altLang="en-US" dirty="0"/>
-                    </a:p>
-                  </a:txBody>
-                  <a:tcPr/>
-                </a:tc>
-                <a:tc>
-                  <a:txBody>
-                    <a:bodyPr/>
-                    <a:lstStyle/>
-                    <a:p>
-                      <a:endParaRPr kumimoji="1" lang="ja-JP" altLang="en-US"/>
-                    </a:p>
-                  </a:txBody>
-                  <a:tcPr/>
-                </a:tc>
-                <a:tc>
-                  <a:txBody>
-                    <a:bodyPr/>
-                    <a:lstStyle/>
-                    <a:p>
-                      <a:r>
-                        <a:rPr kumimoji="1" lang="en-US" altLang="ja-JP" dirty="0"/>
-                        <a:t>0.13</a:t>
-                      </a:r>
-                      <a:endParaRPr kumimoji="1" lang="ja-JP" altLang="en-US" dirty="0"/>
-                    </a:p>
-                  </a:txBody>
-                  <a:tcPr/>
-                </a:tc>
-                <a:extLst>
-                  <a:ext uri="{0D108BD9-81ED-4DB2-BD59-A6C34878D82A}">
-                    <a16:rowId xmlns:a16="http://schemas.microsoft.com/office/drawing/2014/main" val="949209766"/>
-                  </a:ext>
-                </a:extLst>
-              </a:tr>
-              <a:tr h="370840">
-                <a:tc>
-                  <a:txBody>
-                    <a:bodyPr/>
-                    <a:lstStyle/>
-                    <a:p>
-                      <a:r>
-                        <a:rPr kumimoji="1" lang="en-US" altLang="ja-JP" dirty="0"/>
-                        <a:t>e1908</a:t>
-                      </a:r>
-                      <a:endParaRPr kumimoji="1" lang="ja-JP" altLang="en-US" dirty="0"/>
-                    </a:p>
-                  </a:txBody>
-                  <a:tcPr/>
-                </a:tc>
-                <a:tc>
-                  <a:txBody>
-                    <a:bodyPr/>
-                    <a:lstStyle/>
-                    <a:p>
-                      <a:endParaRPr kumimoji="1" lang="ja-JP" altLang="en-US"/>
-                    </a:p>
-                  </a:txBody>
-                  <a:tcPr/>
-                </a:tc>
-                <a:tc>
-                  <a:txBody>
-                    <a:bodyPr/>
-                    <a:lstStyle/>
-                    <a:p>
-                      <a:r>
-                        <a:rPr kumimoji="1" lang="en-US" altLang="ja-JP" dirty="0"/>
-                        <a:t>0.18</a:t>
-                      </a:r>
-                      <a:endParaRPr kumimoji="1" lang="ja-JP" altLang="en-US" dirty="0"/>
-                    </a:p>
-                  </a:txBody>
-                  <a:tcPr/>
-                </a:tc>
-                <a:extLst>
-                  <a:ext uri="{0D108BD9-81ED-4DB2-BD59-A6C34878D82A}">
-                    <a16:rowId xmlns:a16="http://schemas.microsoft.com/office/drawing/2014/main" val="1984065472"/>
-                  </a:ext>
-                </a:extLst>
-              </a:tr>
-              <a:tr h="370840">
-                <a:tc>
-                  <a:txBody>
-                    <a:bodyPr/>
-                    <a:lstStyle/>
-                    <a:p>
-                      <a:r>
-                        <a:rPr kumimoji="1" lang="en-US" altLang="ja-JP" dirty="0"/>
-                        <a:t>e2670</a:t>
-                      </a:r>
-                      <a:endParaRPr kumimoji="1" lang="ja-JP" altLang="en-US" dirty="0"/>
-                    </a:p>
-                  </a:txBody>
-                  <a:tcPr/>
-                </a:tc>
-                <a:tc>
-                  <a:txBody>
-                    <a:bodyPr/>
-                    <a:lstStyle/>
-                    <a:p>
-                      <a:endParaRPr kumimoji="1" lang="ja-JP" altLang="en-US"/>
-                    </a:p>
-                  </a:txBody>
-                  <a:tcPr/>
-                </a:tc>
-                <a:tc>
-                  <a:txBody>
-                    <a:bodyPr/>
-                    <a:lstStyle/>
-                    <a:p>
-                      <a:r>
-                        <a:rPr kumimoji="1" lang="en-US" altLang="ja-JP" dirty="0"/>
-                        <a:t>0.2</a:t>
-                      </a:r>
-                      <a:endParaRPr kumimoji="1" lang="ja-JP" altLang="en-US" dirty="0"/>
-                    </a:p>
-                  </a:txBody>
-                  <a:tcPr/>
-                </a:tc>
-                <a:extLst>
-                  <a:ext uri="{0D108BD9-81ED-4DB2-BD59-A6C34878D82A}">
-                    <a16:rowId xmlns:a16="http://schemas.microsoft.com/office/drawing/2014/main" val="176183977"/>
-                  </a:ext>
-                </a:extLst>
-              </a:tr>
-              <a:tr h="370840">
-                <a:tc>
-                  <a:txBody>
-                    <a:bodyPr/>
-                    <a:lstStyle/>
-                    <a:p>
-                      <a:r>
-                        <a:rPr kumimoji="1" lang="en-US" altLang="ja-JP" dirty="0"/>
-                        <a:t>e3540</a:t>
-                      </a:r>
-                      <a:endParaRPr kumimoji="1" lang="ja-JP" altLang="en-US" dirty="0"/>
-                    </a:p>
-                  </a:txBody>
-                  <a:tcPr/>
-                </a:tc>
-                <a:tc>
-                  <a:txBody>
-                    <a:bodyPr/>
-                    <a:lstStyle/>
-                    <a:p>
-                      <a:endParaRPr kumimoji="1" lang="ja-JP" altLang="en-US"/>
-                    </a:p>
-                  </a:txBody>
-                  <a:tcPr/>
-                </a:tc>
-                <a:tc>
-                  <a:txBody>
-                    <a:bodyPr/>
-                    <a:lstStyle/>
-                    <a:p>
-                      <a:r>
-                        <a:rPr kumimoji="1" lang="en-US" altLang="ja-JP" dirty="0"/>
-                        <a:t>0.25</a:t>
-                      </a:r>
-                      <a:endParaRPr kumimoji="1" lang="ja-JP" altLang="en-US" dirty="0"/>
-                    </a:p>
-                  </a:txBody>
-                  <a:tcPr/>
-                </a:tc>
-                <a:extLst>
-                  <a:ext uri="{0D108BD9-81ED-4DB2-BD59-A6C34878D82A}">
-                    <a16:rowId xmlns:a16="http://schemas.microsoft.com/office/drawing/2014/main" val="1307167464"/>
-                  </a:ext>
-                </a:extLst>
-              </a:tr>
-              <a:tr h="370840">
-                <a:tc>
-                  <a:txBody>
-                    <a:bodyPr/>
-                    <a:lstStyle/>
-                    <a:p>
-                      <a:r>
-                        <a:rPr kumimoji="1" lang="en-US" altLang="ja-JP" dirty="0"/>
-                        <a:t>e5315</a:t>
-                      </a:r>
-                      <a:endParaRPr kumimoji="1" lang="ja-JP" altLang="en-US" dirty="0"/>
-                    </a:p>
-                  </a:txBody>
-                  <a:tcPr/>
-                </a:tc>
-                <a:tc>
-                  <a:txBody>
-                    <a:bodyPr/>
-                    <a:lstStyle/>
-                    <a:p>
-                      <a:endParaRPr kumimoji="1" lang="ja-JP" altLang="en-US"/>
-                    </a:p>
-                  </a:txBody>
-                  <a:tcPr/>
-                </a:tc>
-                <a:tc>
-                  <a:txBody>
-                    <a:bodyPr/>
-                    <a:lstStyle/>
-                    <a:p>
-                      <a:r>
-                        <a:rPr kumimoji="1" lang="en-US" altLang="ja-JP" dirty="0"/>
-                        <a:t>0.3</a:t>
-                      </a:r>
-                      <a:endParaRPr kumimoji="1" lang="ja-JP" altLang="en-US" dirty="0"/>
-                    </a:p>
-                  </a:txBody>
-                  <a:tcPr/>
-                </a:tc>
-                <a:extLst>
-                  <a:ext uri="{0D108BD9-81ED-4DB2-BD59-A6C34878D82A}">
-                    <a16:rowId xmlns:a16="http://schemas.microsoft.com/office/drawing/2014/main" val="2597544247"/>
-                  </a:ext>
-                </a:extLst>
-              </a:tr>
-              <a:tr h="370840">
-                <a:tc>
-                  <a:txBody>
-                    <a:bodyPr/>
-                    <a:lstStyle/>
-                    <a:p>
-                      <a:r>
-                        <a:rPr kumimoji="1" lang="en-US" altLang="ja-JP" dirty="0"/>
-                        <a:t>e6288</a:t>
-                      </a:r>
-                      <a:endParaRPr kumimoji="1" lang="ja-JP" altLang="en-US" dirty="0"/>
-                    </a:p>
-                  </a:txBody>
-                  <a:tcPr/>
-                </a:tc>
-                <a:tc>
-                  <a:txBody>
-                    <a:bodyPr/>
-                    <a:lstStyle/>
-                    <a:p>
-                      <a:endParaRPr kumimoji="1" lang="ja-JP" altLang="en-US"/>
-                    </a:p>
-                  </a:txBody>
-                  <a:tcPr/>
-                </a:tc>
-                <a:tc>
-                  <a:txBody>
-                    <a:bodyPr/>
-                    <a:lstStyle/>
-                    <a:p>
-                      <a:r>
-                        <a:rPr kumimoji="1" lang="en-US" altLang="ja-JP" dirty="0"/>
-                        <a:t>0.42</a:t>
-                      </a:r>
-                      <a:endParaRPr kumimoji="1" lang="ja-JP" altLang="en-US" dirty="0"/>
-                    </a:p>
-                  </a:txBody>
-                  <a:tcPr/>
-                </a:tc>
-                <a:extLst>
-                  <a:ext uri="{0D108BD9-81ED-4DB2-BD59-A6C34878D82A}">
-                    <a16:rowId xmlns:a16="http://schemas.microsoft.com/office/drawing/2014/main" val="2228821270"/>
-                  </a:ext>
-                </a:extLst>
-              </a:tr>
-              <a:tr h="370840">
-                <a:tc>
-                  <a:txBody>
-                    <a:bodyPr/>
-                    <a:lstStyle/>
-                    <a:p>
-                      <a:r>
-                        <a:rPr kumimoji="1" lang="en-US" altLang="ja-JP" dirty="0"/>
-                        <a:t>e7552</a:t>
-                      </a:r>
-                      <a:endParaRPr kumimoji="1" lang="ja-JP" altLang="en-US" dirty="0"/>
-                    </a:p>
-                  </a:txBody>
-                  <a:tcPr/>
-                </a:tc>
-                <a:tc>
-                  <a:txBody>
-                    <a:bodyPr/>
-                    <a:lstStyle/>
-                    <a:p>
-                      <a:endParaRPr kumimoji="1" lang="ja-JP" altLang="en-US"/>
-                    </a:p>
-                  </a:txBody>
-                  <a:tcPr/>
-                </a:tc>
-                <a:tc>
-                  <a:txBody>
-                    <a:bodyPr/>
-                    <a:lstStyle/>
-                    <a:p>
-                      <a:r>
-                        <a:rPr kumimoji="1" lang="en-US" altLang="ja-JP" dirty="0"/>
-                        <a:t>0.58</a:t>
-                      </a:r>
-                      <a:endParaRPr kumimoji="1" lang="ja-JP" altLang="en-US" dirty="0"/>
-                    </a:p>
-                  </a:txBody>
-                  <a:tcPr/>
-                </a:tc>
-                <a:extLst>
-                  <a:ext uri="{0D108BD9-81ED-4DB2-BD59-A6C34878D82A}">
-                    <a16:rowId xmlns:a16="http://schemas.microsoft.com/office/drawing/2014/main" val="1788155107"/>
-                  </a:ext>
-                </a:extLst>
-              </a:tr>
-            </a:tbl>
-          </a:graphicData>
-        </a:graphic>
-      </p:graphicFrame>
-      <p:sp>
-        <p:nvSpPr>
-          <p:cNvPr id="5" name="スライド番号プレースホルダー 4">
-            <a:extLst>
-              <a:ext uri="{FF2B5EF4-FFF2-40B4-BE49-F238E27FC236}">
-                <a16:creationId xmlns:a16="http://schemas.microsoft.com/office/drawing/2014/main" id="{06CE9CBC-B5B6-4AC2-A6E9-77DE09ADBC7D}"/>
+              <a:t>コア数</a:t>
+            </a:r>
+            <a:r>
+              <a:rPr kumimoji="1" lang="en-US" altLang="ja-JP" dirty="0"/>
+              <a:t>:4</a:t>
+            </a:r>
+            <a:r>
+              <a:rPr kumimoji="1" lang="ja-JP" altLang="en-US" dirty="0"/>
+              <a:t>スレッド数</a:t>
+            </a:r>
+            <a:r>
+              <a:rPr kumimoji="1" lang="en-US" altLang="ja-JP" dirty="0"/>
+              <a:t>:8)</a:t>
+            </a:r>
+            <a:r>
+              <a:rPr kumimoji="1" lang="ja-JP" altLang="en-US" dirty="0"/>
+              <a:t>ではスレッド生成上限を</a:t>
+            </a:r>
+            <a:r>
+              <a:rPr kumimoji="1" lang="en-US" altLang="ja-JP" u="sng" dirty="0">
+                <a:solidFill>
+                  <a:srgbClr val="FF0000"/>
+                </a:solidFill>
+              </a:rPr>
+              <a:t>3</a:t>
+            </a:r>
+            <a:r>
+              <a:rPr kumimoji="1" lang="ja-JP" altLang="en-US" dirty="0"/>
+              <a:t>に指定するとよいパフォーマンスがでた</a:t>
+            </a:r>
+            <a:endParaRPr kumimoji="1" lang="en-US" altLang="ja-JP" dirty="0"/>
+          </a:p>
+          <a:p>
+            <a:endParaRPr lang="en-US" altLang="ja-JP" dirty="0"/>
+          </a:p>
+          <a:p>
+            <a:r>
+              <a:rPr kumimoji="1" lang="en-US" altLang="ja-JP" dirty="0"/>
+              <a:t>e432</a:t>
+            </a:r>
+            <a:r>
+              <a:rPr kumimoji="1" lang="ja-JP" altLang="en-US" dirty="0"/>
+              <a:t>回路は高速化前と比べて</a:t>
+            </a:r>
+            <a:r>
+              <a:rPr kumimoji="1" lang="ja-JP" altLang="en-US" dirty="0">
+                <a:solidFill>
+                  <a:srgbClr val="FF0000"/>
+                </a:solidFill>
+              </a:rPr>
+              <a:t>約</a:t>
+            </a:r>
+            <a:r>
+              <a:rPr kumimoji="1" lang="en-US" altLang="ja-JP" dirty="0">
+                <a:solidFill>
+                  <a:srgbClr val="FF0000"/>
+                </a:solidFill>
+              </a:rPr>
+              <a:t>250</a:t>
+            </a:r>
+            <a:r>
+              <a:rPr kumimoji="1" lang="ja-JP" altLang="en-US" dirty="0">
+                <a:solidFill>
+                  <a:srgbClr val="FF0000"/>
+                </a:solidFill>
+              </a:rPr>
+              <a:t>倍</a:t>
+            </a:r>
+            <a:r>
+              <a:rPr kumimoji="1" lang="ja-JP" altLang="en-US" dirty="0"/>
+              <a:t>速くなった</a:t>
+            </a:r>
+            <a:endParaRPr kumimoji="1" lang="en-US" altLang="ja-JP" dirty="0"/>
+          </a:p>
+        </p:txBody>
+      </p:sp>
+      <p:sp>
+        <p:nvSpPr>
+          <p:cNvPr id="4" name="スライド番号プレースホルダー 3">
+            <a:extLst>
+              <a:ext uri="{FF2B5EF4-FFF2-40B4-BE49-F238E27FC236}">
+                <a16:creationId xmlns:a16="http://schemas.microsoft.com/office/drawing/2014/main" id="{89654CF2-FF4C-439E-959E-F2D131FB2B81}"/>
               </a:ext>
             </a:extLst>
           </p:cNvPr>
@@ -6316,7 +5956,7 @@
     </p:spTree>
     <p:extLst>
       <p:ext uri="{BB962C8B-B14F-4D97-AF65-F5344CB8AC3E}">
-        <p14:creationId xmlns:p14="http://schemas.microsoft.com/office/powerpoint/2010/main" val="4273673627"/>
+        <p14:creationId xmlns:p14="http://schemas.microsoft.com/office/powerpoint/2010/main" val="1626966562"/>
       </p:ext>
     </p:extLst>
   </p:cSld>
@@ -6503,7 +6143,7 @@
           <p:cNvPr id="2" name="タイトル 1">
             <a:extLst>
               <a:ext uri="{FF2B5EF4-FFF2-40B4-BE49-F238E27FC236}">
-                <a16:creationId xmlns:a16="http://schemas.microsoft.com/office/drawing/2014/main" id="{789B786C-9143-42C5-AFB9-6A5903EADD27}"/>
+                <a16:creationId xmlns:a16="http://schemas.microsoft.com/office/drawing/2014/main" id="{3A7C44E6-8D7D-4DFB-B8E6-2A91072BFAA8}"/>
               </a:ext>
             </a:extLst>
           </p:cNvPr>
@@ -6520,22 +6160,21 @@
           <a:lstStyle/>
           <a:p>
             <a:r>
-              <a:rPr lang="en-US" altLang="ja-JP" dirty="0"/>
+              <a:rPr kumimoji="1" lang="en-US" altLang="ja-JP" dirty="0"/>
               <a:t>5. </a:t>
             </a:r>
             <a:r>
-              <a:rPr lang="ja-JP" altLang="en-US" dirty="0"/>
+              <a:rPr kumimoji="1" lang="ja-JP" altLang="en-US" dirty="0"/>
               <a:t>処理時間結果 </a:t>
             </a:r>
             <a:r>
-              <a:rPr lang="en-US" altLang="ja-JP" dirty="0"/>
-              <a:t>cs</a:t>
-            </a:r>
-            <a:r>
-              <a:rPr lang="ja-JP" altLang="en-US" dirty="0"/>
+              <a:rPr kumimoji="1" lang="en-US" altLang="ja-JP" dirty="0"/>
+              <a:t>e</a:t>
+            </a:r>
+            <a:r>
+              <a:rPr kumimoji="1" lang="ja-JP" altLang="en-US" dirty="0"/>
               <a:t>回路</a:t>
             </a:r>
-            <a:endParaRPr kumimoji="1" lang="ja-JP" altLang="en-US" dirty="0"/>
           </a:p>
         </p:txBody>
       </p:sp>
@@ -6544,7 +6183,7 @@
           <p:cNvPr id="4" name="コンテンツ プレースホルダー 3">
             <a:extLst>
               <a:ext uri="{FF2B5EF4-FFF2-40B4-BE49-F238E27FC236}">
-                <a16:creationId xmlns:a16="http://schemas.microsoft.com/office/drawing/2014/main" id="{857751DD-C781-4C48-BD48-9A80D83B5D0F}"/>
+                <a16:creationId xmlns:a16="http://schemas.microsoft.com/office/drawing/2014/main" id="{F3C4059F-759F-46AD-9C50-B4202F8D43E4}"/>
               </a:ext>
             </a:extLst>
           </p:cNvPr>
@@ -6555,14 +6194,14 @@
             <p:ph idx="1"/>
             <p:extLst>
               <p:ext uri="{D42A27DB-BD31-4B8C-83A1-F6EECF244321}">
-                <p14:modId xmlns:p14="http://schemas.microsoft.com/office/powerpoint/2010/main" val="719682403"/>
+                <p14:modId xmlns:p14="http://schemas.microsoft.com/office/powerpoint/2010/main" val="3276355843"/>
               </p:ext>
             </p:extLst>
           </p:nvPr>
         </p:nvGraphicFramePr>
         <p:xfrm>
-          <a:off x="838200" y="1825625"/>
-          <a:ext cx="10515600" cy="2595880"/>
+          <a:off x="1714500" y="1849279"/>
+          <a:ext cx="8763000" cy="4348480"/>
         </p:xfrm>
         <a:graphic>
           <a:graphicData uri="http://schemas.openxmlformats.org/drawingml/2006/table">
@@ -6571,24 +6210,38 @@
                 <a:tableStyleId>{5C22544A-7EE6-4342-B048-85BDC9FD1C3A}</a:tableStyleId>
               </a:tblPr>
               <a:tblGrid>
-                <a:gridCol w="3505200">
+                <a:gridCol w="1752600">
                   <a:extLst>
                     <a:ext uri="{9D8B030D-6E8A-4147-A177-3AD203B41FA5}">
-                      <a16:colId xmlns:a16="http://schemas.microsoft.com/office/drawing/2014/main" val="2033296225"/>
+                      <a16:colId xmlns:a16="http://schemas.microsoft.com/office/drawing/2014/main" val="2626973591"/>
                     </a:ext>
                   </a:extLst>
                 </a:gridCol>
-                <a:gridCol w="3505200">
+                <a:gridCol w="1752600">
                   <a:extLst>
                     <a:ext uri="{9D8B030D-6E8A-4147-A177-3AD203B41FA5}">
-                      <a16:colId xmlns:a16="http://schemas.microsoft.com/office/drawing/2014/main" val="1529739511"/>
+                      <a16:colId xmlns:a16="http://schemas.microsoft.com/office/drawing/2014/main" val="435737870"/>
                     </a:ext>
                   </a:extLst>
                 </a:gridCol>
-                <a:gridCol w="3505200">
+                <a:gridCol w="1752600">
                   <a:extLst>
                     <a:ext uri="{9D8B030D-6E8A-4147-A177-3AD203B41FA5}">
-                      <a16:colId xmlns:a16="http://schemas.microsoft.com/office/drawing/2014/main" val="2150134175"/>
+                      <a16:colId xmlns:a16="http://schemas.microsoft.com/office/drawing/2014/main" val="2932179339"/>
+                    </a:ext>
+                  </a:extLst>
+                </a:gridCol>
+                <a:gridCol w="1752600">
+                  <a:extLst>
+                    <a:ext uri="{9D8B030D-6E8A-4147-A177-3AD203B41FA5}">
+                      <a16:colId xmlns:a16="http://schemas.microsoft.com/office/drawing/2014/main" val="1525804143"/>
+                    </a:ext>
+                  </a:extLst>
+                </a:gridCol>
+                <a:gridCol w="1752600">
+                  <a:extLst>
+                    <a:ext uri="{9D8B030D-6E8A-4147-A177-3AD203B41FA5}">
+                      <a16:colId xmlns:a16="http://schemas.microsoft.com/office/drawing/2014/main" val="1052547310"/>
                     </a:ext>
                   </a:extLst>
                 </a:gridCol>
@@ -6599,6 +6252,7 @@
                     <a:bodyPr/>
                     <a:lstStyle/>
                     <a:p>
+                      <a:pPr algn="ctr"/>
                       <a:endParaRPr kumimoji="1" lang="ja-JP" altLang="en-US" dirty="0"/>
                     </a:p>
                   </a:txBody>
@@ -6609,9 +6263,10 @@
                     <a:bodyPr/>
                     <a:lstStyle/>
                     <a:p>
+                      <a:pPr algn="ctr"/>
                       <a:r>
                         <a:rPr kumimoji="1" lang="ja-JP" altLang="en-US" dirty="0"/>
-                        <a:t>高速化前</a:t>
+                        <a:t>普通に実行</a:t>
                       </a:r>
                       <a:r>
                         <a:rPr kumimoji="1" lang="en-US" altLang="ja-JP" dirty="0"/>
@@ -6627,22 +6282,61 @@
                     <a:bodyPr/>
                     <a:lstStyle/>
                     <a:p>
+                      <a:pPr algn="ctr"/>
                       <a:r>
                         <a:rPr kumimoji="1" lang="ja-JP" altLang="en-US" dirty="0"/>
-                        <a:t>高速化後</a:t>
+                        <a:t>並列化スレッド数</a:t>
                       </a:r>
                       <a:r>
                         <a:rPr kumimoji="1" lang="en-US" altLang="ja-JP" dirty="0"/>
-                        <a:t>(/s)</a:t>
+                        <a:t>:2(/s)</a:t>
                       </a:r>
                       <a:endParaRPr kumimoji="1" lang="ja-JP" altLang="en-US" dirty="0"/>
                     </a:p>
                   </a:txBody>
                   <a:tcPr/>
                 </a:tc>
+                <a:tc>
+                  <a:txBody>
+                    <a:bodyPr/>
+                    <a:lstStyle/>
+                    <a:p>
+                      <a:pPr algn="ctr"/>
+                      <a:r>
+                        <a:rPr kumimoji="1" lang="ja-JP" altLang="en-US" dirty="0"/>
+                        <a:t>並列化スレッド数</a:t>
+                      </a:r>
+                      <a:r>
+                        <a:rPr kumimoji="1" lang="en-US" altLang="ja-JP" dirty="0"/>
+                        <a:t>:3(/s)</a:t>
+                      </a:r>
+                      <a:endParaRPr kumimoji="1" lang="ja-JP" altLang="en-US" dirty="0"/>
+                    </a:p>
+                  </a:txBody>
+                  <a:tcPr/>
+                </a:tc>
+                <a:tc>
+                  <a:txBody>
+                    <a:bodyPr/>
+                    <a:lstStyle/>
+                    <a:p>
+                      <a:pPr algn="ctr"/>
+                      <a:r>
+                        <a:rPr kumimoji="1" lang="ja-JP" altLang="en-US" dirty="0"/>
+                        <a:t>並列化スレッド数</a:t>
+                      </a:r>
+                      <a:r>
+                        <a:rPr kumimoji="1" lang="en-US" altLang="ja-JP" dirty="0"/>
+                        <a:t>:4(/s)</a:t>
+                      </a:r>
+                      <a:endParaRPr kumimoji="1" lang="ja-JP" altLang="en-US" dirty="0"/>
+                    </a:p>
+                  </a:txBody>
+                  <a:tcPr/>
+                </a:tc>
                 <a:extLst>
                   <a:ext uri="{0D108BD9-81ED-4DB2-BD59-A6C34878D82A}">
-                    <a16:rowId xmlns:a16="http://schemas.microsoft.com/office/drawing/2014/main" val="2277819846"/>
+                    <a16:rowId xmlns:a16="http://schemas.microsoft.com/office/drawing/2014/main" val="177116742"/>
                   </a:ext>
                 </a:extLst>
               </a:tr>
@@ -6652,9 +6346,10 @@
                     <a:bodyPr/>
                     <a:lstStyle/>
                     <a:p>
+                      <a:pPr algn="ctr"/>
                       <a:r>
                         <a:rPr kumimoji="1" lang="en-US" altLang="ja-JP" dirty="0"/>
-                        <a:t>cs9234</a:t>
+                        <a:t>e432</a:t>
                       </a:r>
                       <a:endParaRPr kumimoji="1" lang="ja-JP" altLang="en-US" dirty="0"/>
                     </a:p>
@@ -6666,28 +6361,56 @@
                     <a:bodyPr/>
                     <a:lstStyle/>
                     <a:p>
-                      <a:endParaRPr kumimoji="1" lang="ja-JP" altLang="en-US" dirty="0"/>
-                    </a:p>
-                  </a:txBody>
-                  <a:tcPr/>
-                </a:tc>
-                <a:tc>
-                  <a:txBody>
-                    <a:bodyPr/>
-                    <a:lstStyle/>
-                    <a:p>
+                      <a:pPr algn="ctr"/>
                       <a:r>
                         <a:rPr kumimoji="1" lang="en-US" altLang="ja-JP" dirty="0"/>
-                        <a:t>0.44</a:t>
+                        <a:t>0.1</a:t>
                       </a:r>
                       <a:endParaRPr kumimoji="1" lang="ja-JP" altLang="en-US" dirty="0"/>
                     </a:p>
                   </a:txBody>
                   <a:tcPr/>
                 </a:tc>
+                <a:tc>
+                  <a:txBody>
+                    <a:bodyPr/>
+                    <a:lstStyle/>
+                    <a:p>
+                      <a:pPr algn="ctr"/>
+                      <a:endParaRPr kumimoji="1" lang="ja-JP" altLang="en-US" dirty="0"/>
+                    </a:p>
+                  </a:txBody>
+                  <a:tcPr/>
+                </a:tc>
+                <a:tc>
+                  <a:txBody>
+                    <a:bodyPr/>
+                    <a:lstStyle/>
+                    <a:p>
+                      <a:pPr algn="ctr"/>
+                      <a:r>
+                        <a:rPr kumimoji="1" lang="en-US" altLang="ja-JP" dirty="0"/>
+                        <a:t>0.07</a:t>
+                      </a:r>
+                      <a:endParaRPr kumimoji="1" lang="ja-JP" altLang="en-US" dirty="0"/>
+                    </a:p>
+                  </a:txBody>
+                  <a:tcPr/>
+                </a:tc>
+                <a:tc>
+                  <a:txBody>
+                    <a:bodyPr/>
+                    <a:lstStyle/>
+                    <a:p>
+                      <a:pPr algn="ctr"/>
+                      <a:endParaRPr kumimoji="1" lang="ja-JP" altLang="en-US" dirty="0"/>
+                    </a:p>
+                  </a:txBody>
+                  <a:tcPr/>
+                </a:tc>
                 <a:extLst>
                   <a:ext uri="{0D108BD9-81ED-4DB2-BD59-A6C34878D82A}">
-                    <a16:rowId xmlns:a16="http://schemas.microsoft.com/office/drawing/2014/main" val="2459506192"/>
+                    <a16:rowId xmlns:a16="http://schemas.microsoft.com/office/drawing/2014/main" val="2105549162"/>
                   </a:ext>
                 </a:extLst>
               </a:tr>
@@ -6697,9 +6420,10 @@
                     <a:bodyPr/>
                     <a:lstStyle/>
                     <a:p>
+                      <a:pPr algn="ctr"/>
                       <a:r>
                         <a:rPr kumimoji="1" lang="en-US" altLang="ja-JP" dirty="0"/>
-                        <a:t>cs13207</a:t>
+                        <a:t>e499</a:t>
                       </a:r>
                       <a:endParaRPr kumimoji="1" lang="ja-JP" altLang="en-US" dirty="0"/>
                     </a:p>
@@ -6711,6 +6435,22 @@
                     <a:bodyPr/>
                     <a:lstStyle/>
                     <a:p>
+                      <a:pPr algn="ctr"/>
+                      <a:r>
+                        <a:rPr kumimoji="1" lang="en-US" altLang="ja-JP" dirty="0"/>
+                        <a:t>0.1</a:t>
+                      </a:r>
+                      <a:endParaRPr kumimoji="1" lang="ja-JP" altLang="en-US" dirty="0"/>
+                    </a:p>
+                  </a:txBody>
+                  <a:tcPr/>
+                </a:tc>
+                <a:tc>
+                  <a:txBody>
+                    <a:bodyPr/>
+                    <a:lstStyle/>
+                    <a:p>
+                      <a:pPr algn="ctr"/>
                       <a:endParaRPr kumimoji="1" lang="ja-JP" altLang="en-US"/>
                     </a:p>
                   </a:txBody>
@@ -6721,6 +6461,573 @@
                     <a:bodyPr/>
                     <a:lstStyle/>
                     <a:p>
+                      <a:pPr algn="ctr"/>
+                      <a:r>
+                        <a:rPr kumimoji="1" lang="en-US" altLang="ja-JP" dirty="0"/>
+                        <a:t>0.072</a:t>
+                      </a:r>
+                      <a:endParaRPr kumimoji="1" lang="ja-JP" altLang="en-US" dirty="0"/>
+                    </a:p>
+                  </a:txBody>
+                  <a:tcPr/>
+                </a:tc>
+                <a:tc>
+                  <a:txBody>
+                    <a:bodyPr/>
+                    <a:lstStyle/>
+                    <a:p>
+                      <a:pPr algn="ctr"/>
+                      <a:endParaRPr kumimoji="1" lang="ja-JP" altLang="en-US" dirty="0"/>
+                    </a:p>
+                  </a:txBody>
+                  <a:tcPr/>
+                </a:tc>
+                <a:extLst>
+                  <a:ext uri="{0D108BD9-81ED-4DB2-BD59-A6C34878D82A}">
+                    <a16:rowId xmlns:a16="http://schemas.microsoft.com/office/drawing/2014/main" val="4264530241"/>
+                  </a:ext>
+                </a:extLst>
+              </a:tr>
+              <a:tr h="370840">
+                <a:tc>
+                  <a:txBody>
+                    <a:bodyPr/>
+                    <a:lstStyle/>
+                    <a:p>
+                      <a:pPr algn="ctr"/>
+                      <a:r>
+                        <a:rPr kumimoji="1" lang="en-US" altLang="ja-JP" dirty="0"/>
+                        <a:t>e880</a:t>
+                      </a:r>
+                      <a:endParaRPr kumimoji="1" lang="ja-JP" altLang="en-US" dirty="0"/>
+                    </a:p>
+                  </a:txBody>
+                  <a:tcPr/>
+                </a:tc>
+                <a:tc>
+                  <a:txBody>
+                    <a:bodyPr/>
+                    <a:lstStyle/>
+                    <a:p>
+                      <a:pPr algn="ctr"/>
+                      <a:r>
+                        <a:rPr kumimoji="1" lang="en-US" altLang="ja-JP" dirty="0"/>
+                        <a:t>0.11</a:t>
+                      </a:r>
+                      <a:endParaRPr kumimoji="1" lang="ja-JP" altLang="en-US" dirty="0"/>
+                    </a:p>
+                  </a:txBody>
+                  <a:tcPr/>
+                </a:tc>
+                <a:tc>
+                  <a:txBody>
+                    <a:bodyPr/>
+                    <a:lstStyle/>
+                    <a:p>
+                      <a:pPr algn="ctr"/>
+                      <a:endParaRPr kumimoji="1" lang="ja-JP" altLang="en-US"/>
+                    </a:p>
+                  </a:txBody>
+                  <a:tcPr/>
+                </a:tc>
+                <a:tc>
+                  <a:txBody>
+                    <a:bodyPr/>
+                    <a:lstStyle/>
+                    <a:p>
+                      <a:pPr algn="ctr"/>
+                      <a:r>
+                        <a:rPr kumimoji="1" lang="en-US" altLang="ja-JP" dirty="0"/>
+                        <a:t>0.08</a:t>
+                      </a:r>
+                      <a:endParaRPr kumimoji="1" lang="ja-JP" altLang="en-US" dirty="0"/>
+                    </a:p>
+                  </a:txBody>
+                  <a:tcPr/>
+                </a:tc>
+                <a:tc>
+                  <a:txBody>
+                    <a:bodyPr/>
+                    <a:lstStyle/>
+                    <a:p>
+                      <a:pPr algn="ctr"/>
+                      <a:endParaRPr kumimoji="1" lang="ja-JP" altLang="en-US" dirty="0"/>
+                    </a:p>
+                  </a:txBody>
+                  <a:tcPr/>
+                </a:tc>
+                <a:extLst>
+                  <a:ext uri="{0D108BD9-81ED-4DB2-BD59-A6C34878D82A}">
+                    <a16:rowId xmlns:a16="http://schemas.microsoft.com/office/drawing/2014/main" val="1020222170"/>
+                  </a:ext>
+                </a:extLst>
+              </a:tr>
+              <a:tr h="370840">
+                <a:tc>
+                  <a:txBody>
+                    <a:bodyPr/>
+                    <a:lstStyle/>
+                    <a:p>
+                      <a:pPr algn="ctr"/>
+                      <a:r>
+                        <a:rPr kumimoji="1" lang="en-US" altLang="ja-JP" dirty="0"/>
+                        <a:t>e1355</a:t>
+                      </a:r>
+                      <a:endParaRPr kumimoji="1" lang="ja-JP" altLang="en-US" dirty="0"/>
+                    </a:p>
+                  </a:txBody>
+                  <a:tcPr/>
+                </a:tc>
+                <a:tc>
+                  <a:txBody>
+                    <a:bodyPr/>
+                    <a:lstStyle/>
+                    <a:p>
+                      <a:pPr algn="ctr"/>
+                      <a:r>
+                        <a:rPr kumimoji="1" lang="en-US" altLang="ja-JP" dirty="0"/>
+                        <a:t>0.13</a:t>
+                      </a:r>
+                      <a:endParaRPr kumimoji="1" lang="ja-JP" altLang="en-US" dirty="0"/>
+                    </a:p>
+                  </a:txBody>
+                  <a:tcPr/>
+                </a:tc>
+                <a:tc>
+                  <a:txBody>
+                    <a:bodyPr/>
+                    <a:lstStyle/>
+                    <a:p>
+                      <a:pPr algn="ctr"/>
+                      <a:endParaRPr kumimoji="1" lang="ja-JP" altLang="en-US"/>
+                    </a:p>
+                  </a:txBody>
+                  <a:tcPr/>
+                </a:tc>
+                <a:tc>
+                  <a:txBody>
+                    <a:bodyPr/>
+                    <a:lstStyle/>
+                    <a:p>
+                      <a:pPr algn="ctr"/>
+                      <a:r>
+                        <a:rPr kumimoji="1" lang="en-US" altLang="ja-JP" dirty="0"/>
+                        <a:t>0.1</a:t>
+                      </a:r>
+                      <a:endParaRPr kumimoji="1" lang="ja-JP" altLang="en-US" dirty="0"/>
+                    </a:p>
+                  </a:txBody>
+                  <a:tcPr/>
+                </a:tc>
+                <a:tc>
+                  <a:txBody>
+                    <a:bodyPr/>
+                    <a:lstStyle/>
+                    <a:p>
+                      <a:pPr algn="ctr"/>
+                      <a:endParaRPr kumimoji="1" lang="ja-JP" altLang="en-US" dirty="0"/>
+                    </a:p>
+                  </a:txBody>
+                  <a:tcPr/>
+                </a:tc>
+                <a:extLst>
+                  <a:ext uri="{0D108BD9-81ED-4DB2-BD59-A6C34878D82A}">
+                    <a16:rowId xmlns:a16="http://schemas.microsoft.com/office/drawing/2014/main" val="949209766"/>
+                  </a:ext>
+                </a:extLst>
+              </a:tr>
+              <a:tr h="370840">
+                <a:tc>
+                  <a:txBody>
+                    <a:bodyPr/>
+                    <a:lstStyle/>
+                    <a:p>
+                      <a:pPr algn="ctr"/>
+                      <a:r>
+                        <a:rPr kumimoji="1" lang="en-US" altLang="ja-JP" dirty="0"/>
+                        <a:t>e1908</a:t>
+                      </a:r>
+                      <a:endParaRPr kumimoji="1" lang="ja-JP" altLang="en-US" dirty="0"/>
+                    </a:p>
+                  </a:txBody>
+                  <a:tcPr/>
+                </a:tc>
+                <a:tc>
+                  <a:txBody>
+                    <a:bodyPr/>
+                    <a:lstStyle/>
+                    <a:p>
+                      <a:pPr algn="ctr"/>
+                      <a:r>
+                        <a:rPr kumimoji="1" lang="en-US" altLang="ja-JP" dirty="0"/>
+                        <a:t>0.18</a:t>
+                      </a:r>
+                      <a:endParaRPr kumimoji="1" lang="ja-JP" altLang="en-US" dirty="0"/>
+                    </a:p>
+                  </a:txBody>
+                  <a:tcPr/>
+                </a:tc>
+                <a:tc>
+                  <a:txBody>
+                    <a:bodyPr/>
+                    <a:lstStyle/>
+                    <a:p>
+                      <a:pPr algn="ctr"/>
+                      <a:endParaRPr kumimoji="1" lang="ja-JP" altLang="en-US"/>
+                    </a:p>
+                  </a:txBody>
+                  <a:tcPr/>
+                </a:tc>
+                <a:tc>
+                  <a:txBody>
+                    <a:bodyPr/>
+                    <a:lstStyle/>
+                    <a:p>
+                      <a:pPr algn="ctr"/>
+                      <a:r>
+                        <a:rPr kumimoji="1" lang="en-US" altLang="ja-JP" dirty="0"/>
+                        <a:t>0.12</a:t>
+                      </a:r>
+                      <a:endParaRPr kumimoji="1" lang="ja-JP" altLang="en-US" dirty="0"/>
+                    </a:p>
+                  </a:txBody>
+                  <a:tcPr/>
+                </a:tc>
+                <a:tc>
+                  <a:txBody>
+                    <a:bodyPr/>
+                    <a:lstStyle/>
+                    <a:p>
+                      <a:pPr algn="ctr"/>
+                      <a:endParaRPr kumimoji="1" lang="ja-JP" altLang="en-US" dirty="0"/>
+                    </a:p>
+                  </a:txBody>
+                  <a:tcPr/>
+                </a:tc>
+                <a:extLst>
+                  <a:ext uri="{0D108BD9-81ED-4DB2-BD59-A6C34878D82A}">
+                    <a16:rowId xmlns:a16="http://schemas.microsoft.com/office/drawing/2014/main" val="1984065472"/>
+                  </a:ext>
+                </a:extLst>
+              </a:tr>
+              <a:tr h="370840">
+                <a:tc>
+                  <a:txBody>
+                    <a:bodyPr/>
+                    <a:lstStyle/>
+                    <a:p>
+                      <a:pPr algn="ctr"/>
+                      <a:r>
+                        <a:rPr kumimoji="1" lang="en-US" altLang="ja-JP" dirty="0"/>
+                        <a:t>e2670</a:t>
+                      </a:r>
+                      <a:endParaRPr kumimoji="1" lang="ja-JP" altLang="en-US" dirty="0"/>
+                    </a:p>
+                  </a:txBody>
+                  <a:tcPr/>
+                </a:tc>
+                <a:tc>
+                  <a:txBody>
+                    <a:bodyPr/>
+                    <a:lstStyle/>
+                    <a:p>
+                      <a:pPr algn="ctr"/>
+                      <a:r>
+                        <a:rPr kumimoji="1" lang="en-US" altLang="ja-JP" dirty="0"/>
+                        <a:t>0.2</a:t>
+                      </a:r>
+                      <a:endParaRPr kumimoji="1" lang="ja-JP" altLang="en-US" dirty="0"/>
+                    </a:p>
+                  </a:txBody>
+                  <a:tcPr/>
+                </a:tc>
+                <a:tc>
+                  <a:txBody>
+                    <a:bodyPr/>
+                    <a:lstStyle/>
+                    <a:p>
+                      <a:pPr algn="ctr"/>
+                      <a:endParaRPr kumimoji="1" lang="ja-JP" altLang="en-US"/>
+                    </a:p>
+                  </a:txBody>
+                  <a:tcPr/>
+                </a:tc>
+                <a:tc>
+                  <a:txBody>
+                    <a:bodyPr/>
+                    <a:lstStyle/>
+                    <a:p>
+                      <a:pPr algn="ctr"/>
+                      <a:r>
+                        <a:rPr kumimoji="1" lang="en-US" altLang="ja-JP" dirty="0"/>
+                        <a:t>0.14</a:t>
+                      </a:r>
+                      <a:endParaRPr kumimoji="1" lang="ja-JP" altLang="en-US" dirty="0"/>
+                    </a:p>
+                  </a:txBody>
+                  <a:tcPr/>
+                </a:tc>
+                <a:tc>
+                  <a:txBody>
+                    <a:bodyPr/>
+                    <a:lstStyle/>
+                    <a:p>
+                      <a:pPr algn="ctr"/>
+                      <a:endParaRPr kumimoji="1" lang="ja-JP" altLang="en-US" dirty="0"/>
+                    </a:p>
+                  </a:txBody>
+                  <a:tcPr/>
+                </a:tc>
+                <a:extLst>
+                  <a:ext uri="{0D108BD9-81ED-4DB2-BD59-A6C34878D82A}">
+                    <a16:rowId xmlns:a16="http://schemas.microsoft.com/office/drawing/2014/main" val="176183977"/>
+                  </a:ext>
+                </a:extLst>
+              </a:tr>
+              <a:tr h="370840">
+                <a:tc>
+                  <a:txBody>
+                    <a:bodyPr/>
+                    <a:lstStyle/>
+                    <a:p>
+                      <a:pPr algn="ctr"/>
+                      <a:r>
+                        <a:rPr kumimoji="1" lang="en-US" altLang="ja-JP" dirty="0"/>
+                        <a:t>e3540</a:t>
+                      </a:r>
+                      <a:endParaRPr kumimoji="1" lang="ja-JP" altLang="en-US" dirty="0"/>
+                    </a:p>
+                  </a:txBody>
+                  <a:tcPr/>
+                </a:tc>
+                <a:tc>
+                  <a:txBody>
+                    <a:bodyPr/>
+                    <a:lstStyle/>
+                    <a:p>
+                      <a:pPr algn="ctr"/>
+                      <a:r>
+                        <a:rPr kumimoji="1" lang="en-US" altLang="ja-JP" dirty="0"/>
+                        <a:t>0.25</a:t>
+                      </a:r>
+                      <a:endParaRPr kumimoji="1" lang="ja-JP" altLang="en-US" dirty="0"/>
+                    </a:p>
+                  </a:txBody>
+                  <a:tcPr/>
+                </a:tc>
+                <a:tc>
+                  <a:txBody>
+                    <a:bodyPr/>
+                    <a:lstStyle/>
+                    <a:p>
+                      <a:pPr algn="ctr"/>
+                      <a:endParaRPr kumimoji="1" lang="ja-JP" altLang="en-US"/>
+                    </a:p>
+                  </a:txBody>
+                  <a:tcPr/>
+                </a:tc>
+                <a:tc>
+                  <a:txBody>
+                    <a:bodyPr/>
+                    <a:lstStyle/>
+                    <a:p>
+                      <a:pPr algn="ctr"/>
+                      <a:r>
+                        <a:rPr kumimoji="1" lang="en-US" altLang="ja-JP" dirty="0"/>
+                        <a:t>0.18</a:t>
+                      </a:r>
+                      <a:endParaRPr kumimoji="1" lang="ja-JP" altLang="en-US" dirty="0"/>
+                    </a:p>
+                  </a:txBody>
+                  <a:tcPr/>
+                </a:tc>
+                <a:tc>
+                  <a:txBody>
+                    <a:bodyPr/>
+                    <a:lstStyle/>
+                    <a:p>
+                      <a:pPr algn="ctr"/>
+                      <a:endParaRPr kumimoji="1" lang="ja-JP" altLang="en-US" dirty="0"/>
+                    </a:p>
+                  </a:txBody>
+                  <a:tcPr/>
+                </a:tc>
+                <a:extLst>
+                  <a:ext uri="{0D108BD9-81ED-4DB2-BD59-A6C34878D82A}">
+                    <a16:rowId xmlns:a16="http://schemas.microsoft.com/office/drawing/2014/main" val="1307167464"/>
+                  </a:ext>
+                </a:extLst>
+              </a:tr>
+              <a:tr h="370840">
+                <a:tc>
+                  <a:txBody>
+                    <a:bodyPr/>
+                    <a:lstStyle/>
+                    <a:p>
+                      <a:pPr algn="ctr"/>
+                      <a:r>
+                        <a:rPr kumimoji="1" lang="en-US" altLang="ja-JP" dirty="0"/>
+                        <a:t>e5315</a:t>
+                      </a:r>
+                      <a:endParaRPr kumimoji="1" lang="ja-JP" altLang="en-US" dirty="0"/>
+                    </a:p>
+                  </a:txBody>
+                  <a:tcPr/>
+                </a:tc>
+                <a:tc>
+                  <a:txBody>
+                    <a:bodyPr/>
+                    <a:lstStyle/>
+                    <a:p>
+                      <a:pPr algn="ctr"/>
+                      <a:r>
+                        <a:rPr kumimoji="1" lang="en-US" altLang="ja-JP" dirty="0"/>
+                        <a:t>0.3</a:t>
+                      </a:r>
+                      <a:endParaRPr kumimoji="1" lang="ja-JP" altLang="en-US" dirty="0"/>
+                    </a:p>
+                  </a:txBody>
+                  <a:tcPr/>
+                </a:tc>
+                <a:tc>
+                  <a:txBody>
+                    <a:bodyPr/>
+                    <a:lstStyle/>
+                    <a:p>
+                      <a:pPr algn="ctr"/>
+                      <a:endParaRPr kumimoji="1" lang="ja-JP" altLang="en-US"/>
+                    </a:p>
+                  </a:txBody>
+                  <a:tcPr/>
+                </a:tc>
+                <a:tc>
+                  <a:txBody>
+                    <a:bodyPr/>
+                    <a:lstStyle/>
+                    <a:p>
+                      <a:pPr algn="ctr"/>
+                      <a:r>
+                        <a:rPr kumimoji="1" lang="en-US" altLang="ja-JP" dirty="0"/>
+                        <a:t>0.2</a:t>
+                      </a:r>
+                      <a:endParaRPr kumimoji="1" lang="ja-JP" altLang="en-US" dirty="0"/>
+                    </a:p>
+                  </a:txBody>
+                  <a:tcPr/>
+                </a:tc>
+                <a:tc>
+                  <a:txBody>
+                    <a:bodyPr/>
+                    <a:lstStyle/>
+                    <a:p>
+                      <a:pPr algn="ctr"/>
+                      <a:endParaRPr kumimoji="1" lang="ja-JP" altLang="en-US" dirty="0"/>
+                    </a:p>
+                  </a:txBody>
+                  <a:tcPr/>
+                </a:tc>
+                <a:extLst>
+                  <a:ext uri="{0D108BD9-81ED-4DB2-BD59-A6C34878D82A}">
+                    <a16:rowId xmlns:a16="http://schemas.microsoft.com/office/drawing/2014/main" val="2597544247"/>
+                  </a:ext>
+                </a:extLst>
+              </a:tr>
+              <a:tr h="370840">
+                <a:tc>
+                  <a:txBody>
+                    <a:bodyPr/>
+                    <a:lstStyle/>
+                    <a:p>
+                      <a:pPr algn="ctr"/>
+                      <a:r>
+                        <a:rPr kumimoji="1" lang="en-US" altLang="ja-JP" dirty="0"/>
+                        <a:t>e6288</a:t>
+                      </a:r>
+                      <a:endParaRPr kumimoji="1" lang="ja-JP" altLang="en-US" dirty="0"/>
+                    </a:p>
+                  </a:txBody>
+                  <a:tcPr/>
+                </a:tc>
+                <a:tc>
+                  <a:txBody>
+                    <a:bodyPr/>
+                    <a:lstStyle/>
+                    <a:p>
+                      <a:pPr algn="ctr"/>
+                      <a:r>
+                        <a:rPr kumimoji="1" lang="en-US" altLang="ja-JP" dirty="0"/>
+                        <a:t>0.42</a:t>
+                      </a:r>
+                      <a:endParaRPr kumimoji="1" lang="ja-JP" altLang="en-US" dirty="0"/>
+                    </a:p>
+                  </a:txBody>
+                  <a:tcPr/>
+                </a:tc>
+                <a:tc>
+                  <a:txBody>
+                    <a:bodyPr/>
+                    <a:lstStyle/>
+                    <a:p>
+                      <a:pPr algn="ctr"/>
+                      <a:endParaRPr kumimoji="1" lang="ja-JP" altLang="en-US"/>
+                    </a:p>
+                  </a:txBody>
+                  <a:tcPr/>
+                </a:tc>
+                <a:tc>
+                  <a:txBody>
+                    <a:bodyPr/>
+                    <a:lstStyle/>
+                    <a:p>
+                      <a:pPr algn="ctr"/>
+                      <a:r>
+                        <a:rPr kumimoji="1" lang="en-US" altLang="ja-JP" dirty="0"/>
+                        <a:t>0.21</a:t>
+                      </a:r>
+                      <a:endParaRPr kumimoji="1" lang="ja-JP" altLang="en-US" dirty="0"/>
+                    </a:p>
+                  </a:txBody>
+                  <a:tcPr/>
+                </a:tc>
+                <a:tc>
+                  <a:txBody>
+                    <a:bodyPr/>
+                    <a:lstStyle/>
+                    <a:p>
+                      <a:pPr algn="ctr"/>
+                      <a:endParaRPr kumimoji="1" lang="ja-JP" altLang="en-US" dirty="0"/>
+                    </a:p>
+                  </a:txBody>
+                  <a:tcPr/>
+                </a:tc>
+                <a:extLst>
+                  <a:ext uri="{0D108BD9-81ED-4DB2-BD59-A6C34878D82A}">
+                    <a16:rowId xmlns:a16="http://schemas.microsoft.com/office/drawing/2014/main" val="2228821270"/>
+                  </a:ext>
+                </a:extLst>
+              </a:tr>
+              <a:tr h="370840">
+                <a:tc>
+                  <a:txBody>
+                    <a:bodyPr/>
+                    <a:lstStyle/>
+                    <a:p>
+                      <a:pPr algn="ctr"/>
+                      <a:r>
+                        <a:rPr kumimoji="1" lang="en-US" altLang="ja-JP" dirty="0"/>
+                        <a:t>e7552</a:t>
+                      </a:r>
+                      <a:endParaRPr kumimoji="1" lang="ja-JP" altLang="en-US" dirty="0"/>
+                    </a:p>
+                  </a:txBody>
+                  <a:tcPr/>
+                </a:tc>
+                <a:tc>
+                  <a:txBody>
+                    <a:bodyPr/>
+                    <a:lstStyle/>
+                    <a:p>
+                      <a:pPr algn="ctr"/>
                       <a:r>
                         <a:rPr kumimoji="1" lang="en-US" altLang="ja-JP" dirty="0"/>
                         <a:t>0.58</a:t>
@@ -6730,189 +7037,46 @@
                   </a:txBody>
                   <a:tcPr/>
                 </a:tc>
+                <a:tc>
+                  <a:txBody>
+                    <a:bodyPr/>
+                    <a:lstStyle/>
+                    <a:p>
+                      <a:pPr algn="ctr"/>
+                      <a:endParaRPr kumimoji="1" lang="ja-JP" altLang="en-US" dirty="0"/>
+                    </a:p>
+                  </a:txBody>
+                  <a:tcPr/>
+                </a:tc>
+                <a:tc>
+                  <a:txBody>
+                    <a:bodyPr/>
+                    <a:lstStyle/>
+                    <a:p>
+                      <a:pPr algn="ctr"/>
+                      <a:r>
+                        <a:rPr kumimoji="1" lang="en-US" altLang="ja-JP" dirty="0"/>
+                        <a:t>0.45</a:t>
+                      </a:r>
+                      <a:endParaRPr kumimoji="1" lang="ja-JP" altLang="en-US" dirty="0"/>
+                    </a:p>
+                  </a:txBody>
+                  <a:tcPr/>
+                </a:tc>
+                <a:tc>
+                  <a:txBody>
+                    <a:bodyPr/>
+                    <a:lstStyle/>
+                    <a:p>
+                      <a:pPr algn="ctr"/>
+                      <a:endParaRPr kumimoji="1" lang="ja-JP" altLang="en-US" dirty="0"/>
+                    </a:p>
+                  </a:txBody>
+                  <a:tcPr/>
+                </a:tc>
                 <a:extLst>
                   <a:ext uri="{0D108BD9-81ED-4DB2-BD59-A6C34878D82A}">
-                    <a16:rowId xmlns:a16="http://schemas.microsoft.com/office/drawing/2014/main" val="3821829751"/>
-                  </a:ext>
-                </a:extLst>
-              </a:tr>
-              <a:tr h="370840">
-                <a:tc>
-                  <a:txBody>
-                    <a:bodyPr/>
-                    <a:lstStyle/>
-                    <a:p>
-                      <a:r>
-                        <a:rPr kumimoji="1" lang="en-US" altLang="ja-JP" dirty="0"/>
-                        <a:t>cs15850</a:t>
-                      </a:r>
-                      <a:endParaRPr kumimoji="1" lang="ja-JP" altLang="en-US" dirty="0"/>
-                    </a:p>
-                  </a:txBody>
-                  <a:tcPr/>
-                </a:tc>
-                <a:tc>
-                  <a:txBody>
-                    <a:bodyPr/>
-                    <a:lstStyle/>
-                    <a:p>
-                      <a:endParaRPr kumimoji="1" lang="ja-JP" altLang="en-US"/>
-                    </a:p>
-                  </a:txBody>
-                  <a:tcPr/>
-                </a:tc>
-                <a:tc>
-                  <a:txBody>
-                    <a:bodyPr/>
-                    <a:lstStyle/>
-                    <a:p>
-                      <a:r>
-                        <a:rPr kumimoji="1" lang="en-US" altLang="ja-JP" dirty="0"/>
-                        <a:t>0.58</a:t>
-                      </a:r>
-                      <a:endParaRPr kumimoji="1" lang="ja-JP" altLang="en-US" dirty="0"/>
-                    </a:p>
-                  </a:txBody>
-                  <a:tcPr/>
-                </a:tc>
-                <a:extLst>
-                  <a:ext uri="{0D108BD9-81ED-4DB2-BD59-A6C34878D82A}">
-                    <a16:rowId xmlns:a16="http://schemas.microsoft.com/office/drawing/2014/main" val="3491866910"/>
-                  </a:ext>
-                </a:extLst>
-              </a:tr>
-              <a:tr h="370840">
-                <a:tc>
-                  <a:txBody>
-                    <a:bodyPr/>
-                    <a:lstStyle/>
-                    <a:p>
-                      <a:r>
-                        <a:rPr kumimoji="1" lang="en-US" altLang="ja-JP" dirty="0"/>
-                        <a:t>cs35932</a:t>
-                      </a:r>
-                      <a:endParaRPr kumimoji="1" lang="ja-JP" altLang="en-US" dirty="0"/>
-                    </a:p>
-                  </a:txBody>
-                  <a:tcPr/>
-                </a:tc>
-                <a:tc>
-                  <a:txBody>
-                    <a:bodyPr/>
-                    <a:lstStyle/>
-                    <a:p>
-                      <a:endParaRPr kumimoji="1" lang="ja-JP" altLang="en-US"/>
-                    </a:p>
-                  </a:txBody>
-                  <a:tcPr/>
-                </a:tc>
-                <a:tc>
-                  <a:txBody>
-                    <a:bodyPr/>
-                    <a:lstStyle/>
-                    <a:p>
-                      <a:r>
-                        <a:rPr kumimoji="1" lang="en-US" altLang="ja-JP" dirty="0"/>
-                        <a:t>1.33</a:t>
-                      </a:r>
-                      <a:endParaRPr kumimoji="1" lang="ja-JP" altLang="en-US" dirty="0"/>
-                    </a:p>
-                  </a:txBody>
-                  <a:tcPr/>
-                </a:tc>
-                <a:extLst>
-                  <a:ext uri="{0D108BD9-81ED-4DB2-BD59-A6C34878D82A}">
-                    <a16:rowId xmlns:a16="http://schemas.microsoft.com/office/drawing/2014/main" val="1337509599"/>
-                  </a:ext>
-                </a:extLst>
-              </a:tr>
-              <a:tr h="370840">
-                <a:tc>
-                  <a:txBody>
-                    <a:bodyPr/>
-                    <a:lstStyle/>
-                    <a:p>
-                      <a:r>
-                        <a:rPr kumimoji="1" lang="en-US" altLang="ja-JP" dirty="0"/>
-                        <a:t>cs38417</a:t>
-                      </a:r>
-                      <a:endParaRPr kumimoji="1" lang="ja-JP" altLang="en-US" dirty="0"/>
-                    </a:p>
-                  </a:txBody>
-                  <a:tcPr/>
-                </a:tc>
-                <a:tc>
-                  <a:txBody>
-                    <a:bodyPr/>
-                    <a:lstStyle/>
-                    <a:p>
-                      <a:endParaRPr kumimoji="1" lang="ja-JP" altLang="en-US"/>
-                    </a:p>
-                  </a:txBody>
-                  <a:tcPr/>
-                </a:tc>
-                <a:tc>
-                  <a:txBody>
-                    <a:bodyPr/>
-                    <a:lstStyle/>
-                    <a:p>
-                      <a:r>
-                        <a:rPr kumimoji="1" lang="en-US" altLang="ja-JP" dirty="0"/>
-                        <a:t>1.47</a:t>
-                      </a:r>
-                      <a:endParaRPr kumimoji="1" lang="ja-JP" altLang="en-US" dirty="0"/>
-                    </a:p>
-                  </a:txBody>
-                  <a:tcPr/>
-                </a:tc>
-                <a:extLst>
-                  <a:ext uri="{0D108BD9-81ED-4DB2-BD59-A6C34878D82A}">
-                    <a16:rowId xmlns:a16="http://schemas.microsoft.com/office/drawing/2014/main" val="3200465612"/>
-                  </a:ext>
-                </a:extLst>
-              </a:tr>
-              <a:tr h="370840">
-                <a:tc>
-                  <a:txBody>
-                    <a:bodyPr/>
-                    <a:lstStyle/>
-                    <a:p>
-                      <a:r>
-                        <a:rPr kumimoji="1" lang="en-US" altLang="ja-JP" dirty="0"/>
-                        <a:t>cs38584</a:t>
-                      </a:r>
-                      <a:endParaRPr kumimoji="1" lang="ja-JP" altLang="en-US" dirty="0"/>
-                    </a:p>
-                  </a:txBody>
-                  <a:tcPr/>
-                </a:tc>
-                <a:tc>
-                  <a:txBody>
-                    <a:bodyPr/>
-                    <a:lstStyle/>
-                    <a:p>
-                      <a:endParaRPr kumimoji="1" lang="ja-JP" altLang="en-US"/>
-                    </a:p>
-                  </a:txBody>
-                  <a:tcPr/>
-                </a:tc>
-                <a:tc>
-                  <a:txBody>
-                    <a:bodyPr/>
-                    <a:lstStyle/>
-                    <a:p>
-                      <a:r>
-                        <a:rPr kumimoji="1" lang="en-US" altLang="ja-JP" dirty="0"/>
-                        <a:t>1.78</a:t>
-                      </a:r>
-                      <a:endParaRPr kumimoji="1" lang="ja-JP" altLang="en-US" dirty="0"/>
-                    </a:p>
-                  </a:txBody>
-                  <a:tcPr/>
-                </a:tc>
-                <a:extLst>
-                  <a:ext uri="{0D108BD9-81ED-4DB2-BD59-A6C34878D82A}">
-                    <a16:rowId xmlns:a16="http://schemas.microsoft.com/office/drawing/2014/main" val="1740243455"/>
+                    <a16:rowId xmlns:a16="http://schemas.microsoft.com/office/drawing/2014/main" val="1788155107"/>
                   </a:ext>
                 </a:extLst>
               </a:tr>
@@ -6920,262 +7084,12 @@
           </a:graphicData>
         </a:graphic>
       </p:graphicFrame>
-      <p:graphicFrame>
-        <p:nvGraphicFramePr>
-          <p:cNvPr id="5" name="表 4">
-            <a:extLst>
-              <a:ext uri="{FF2B5EF4-FFF2-40B4-BE49-F238E27FC236}">
-                <a16:creationId xmlns:a16="http://schemas.microsoft.com/office/drawing/2014/main" id="{2DBDC301-40B1-46BC-BD26-03FDA8A4D266}"/>
-              </a:ext>
-            </a:extLst>
-          </p:cNvPr>
-          <p:cNvGraphicFramePr>
-            <a:graphicFrameLocks noGrp="1"/>
-          </p:cNvGraphicFramePr>
-          <p:nvPr>
-            <p:extLst>
-              <p:ext uri="{D42A27DB-BD31-4B8C-83A1-F6EECF244321}">
-                <p14:modId xmlns:p14="http://schemas.microsoft.com/office/powerpoint/2010/main" val="4108139472"/>
-              </p:ext>
-            </p:extLst>
-          </p:nvPr>
-        </p:nvGraphicFramePr>
-        <p:xfrm>
-          <a:off x="2032000" y="4883703"/>
-          <a:ext cx="8127999" cy="1483360"/>
-        </p:xfrm>
-        <a:graphic>
-          <a:graphicData uri="http://schemas.openxmlformats.org/drawingml/2006/table">
-            <a:tbl>
-              <a:tblPr firstRow="1" bandRow="1">
-                <a:tableStyleId>{5C22544A-7EE6-4342-B048-85BDC9FD1C3A}</a:tableStyleId>
-              </a:tblPr>
-              <a:tblGrid>
-                <a:gridCol w="2709333">
-                  <a:extLst>
-                    <a:ext uri="{9D8B030D-6E8A-4147-A177-3AD203B41FA5}">
-                      <a16:colId xmlns:a16="http://schemas.microsoft.com/office/drawing/2014/main" val="1806015877"/>
-                    </a:ext>
-                  </a:extLst>
-                </a:gridCol>
-                <a:gridCol w="2709333">
-                  <a:extLst>
-                    <a:ext uri="{9D8B030D-6E8A-4147-A177-3AD203B41FA5}">
-                      <a16:colId xmlns:a16="http://schemas.microsoft.com/office/drawing/2014/main" val="2453738272"/>
-                    </a:ext>
-                  </a:extLst>
-                </a:gridCol>
-                <a:gridCol w="2709333">
-                  <a:extLst>
-                    <a:ext uri="{9D8B030D-6E8A-4147-A177-3AD203B41FA5}">
-                      <a16:colId xmlns:a16="http://schemas.microsoft.com/office/drawing/2014/main" val="2476150043"/>
-                    </a:ext>
-                  </a:extLst>
-                </a:gridCol>
-              </a:tblGrid>
-              <a:tr h="370840">
-                <a:tc>
-                  <a:txBody>
-                    <a:bodyPr/>
-                    <a:lstStyle/>
-                    <a:p>
-                      <a:endParaRPr kumimoji="1" lang="ja-JP" altLang="en-US" dirty="0"/>
-                    </a:p>
-                  </a:txBody>
-                  <a:tcPr/>
-                </a:tc>
-                <a:tc>
-                  <a:txBody>
-                    <a:bodyPr/>
-                    <a:lstStyle/>
-                    <a:p>
-                      <a:r>
-                        <a:rPr kumimoji="1" lang="ja-JP" altLang="en-US" dirty="0"/>
-                        <a:t>高速化前</a:t>
-                      </a:r>
-                      <a:r>
-                        <a:rPr kumimoji="1" lang="en-US" altLang="ja-JP" dirty="0"/>
-                        <a:t>(/s)</a:t>
-                      </a:r>
-                      <a:endParaRPr kumimoji="1" lang="ja-JP" altLang="en-US" dirty="0"/>
-                    </a:p>
-                  </a:txBody>
-                  <a:tcPr/>
-                </a:tc>
-                <a:tc>
-                  <a:txBody>
-                    <a:bodyPr/>
-                    <a:lstStyle/>
-                    <a:p>
-                      <a:r>
-                        <a:rPr kumimoji="1" lang="ja-JP" altLang="en-US" dirty="0"/>
-                        <a:t>高速化後</a:t>
-                      </a:r>
-                      <a:r>
-                        <a:rPr kumimoji="1" lang="en-US" altLang="ja-JP" dirty="0"/>
-                        <a:t>(/s)</a:t>
-                      </a:r>
-                      <a:endParaRPr kumimoji="1" lang="ja-JP" altLang="en-US" dirty="0"/>
-                    </a:p>
-                  </a:txBody>
-                  <a:tcPr/>
-                </a:tc>
-                <a:extLst>
-                  <a:ext uri="{0D108BD9-81ED-4DB2-BD59-A6C34878D82A}">
-                    <a16:rowId xmlns:a16="http://schemas.microsoft.com/office/drawing/2014/main" val="3532538798"/>
-                  </a:ext>
-                </a:extLst>
-              </a:tr>
-              <a:tr h="370840">
-                <a:tc>
-                  <a:txBody>
-                    <a:bodyPr/>
-                    <a:lstStyle/>
-                    <a:p>
-                      <a:r>
-                        <a:rPr kumimoji="1" lang="en-US" altLang="ja-JP" dirty="0"/>
-                        <a:t>e</a:t>
-                      </a:r>
-                      <a:r>
-                        <a:rPr kumimoji="1" lang="ja-JP" altLang="en-US" dirty="0"/>
-                        <a:t>平均</a:t>
-                      </a:r>
-                    </a:p>
-                  </a:txBody>
-                  <a:tcPr/>
-                </a:tc>
-                <a:tc>
-                  <a:txBody>
-                    <a:bodyPr/>
-                    <a:lstStyle/>
-                    <a:p>
-                      <a:endParaRPr kumimoji="1" lang="ja-JP" altLang="en-US" dirty="0"/>
-                    </a:p>
-                  </a:txBody>
-                  <a:tcPr/>
-                </a:tc>
-                <a:tc>
-                  <a:txBody>
-                    <a:bodyPr/>
-                    <a:lstStyle/>
-                    <a:p>
-                      <a:r>
-                        <a:rPr kumimoji="1" lang="en-US" altLang="ja-JP" dirty="0"/>
-                        <a:t>0.24</a:t>
-                      </a:r>
-                      <a:endParaRPr kumimoji="1" lang="ja-JP" altLang="en-US" dirty="0"/>
-                    </a:p>
-                  </a:txBody>
-                  <a:tcPr/>
-                </a:tc>
-                <a:extLst>
-                  <a:ext uri="{0D108BD9-81ED-4DB2-BD59-A6C34878D82A}">
-                    <a16:rowId xmlns:a16="http://schemas.microsoft.com/office/drawing/2014/main" val="3307972329"/>
-                  </a:ext>
-                </a:extLst>
-              </a:tr>
-              <a:tr h="370840">
-                <a:tc>
-                  <a:txBody>
-                    <a:bodyPr/>
-                    <a:lstStyle/>
-                    <a:p>
-                      <a:r>
-                        <a:rPr kumimoji="1" lang="en-US" altLang="ja-JP" dirty="0"/>
-                        <a:t>cs</a:t>
-                      </a:r>
-                      <a:r>
-                        <a:rPr kumimoji="1" lang="ja-JP" altLang="en-US" dirty="0"/>
-                        <a:t>平均</a:t>
-                      </a:r>
-                    </a:p>
-                  </a:txBody>
-                  <a:tcPr/>
-                </a:tc>
-                <a:tc>
-                  <a:txBody>
-                    <a:bodyPr/>
-                    <a:lstStyle/>
-                    <a:p>
-                      <a:endParaRPr kumimoji="1" lang="ja-JP" altLang="en-US" dirty="0"/>
-                    </a:p>
-                  </a:txBody>
-                  <a:tcPr/>
-                </a:tc>
-                <a:tc>
-                  <a:txBody>
-                    <a:bodyPr/>
-                    <a:lstStyle/>
-                    <a:p>
-                      <a:r>
-                        <a:rPr kumimoji="1" lang="en-US" altLang="ja-JP" dirty="0"/>
-                        <a:t>1.15</a:t>
-                      </a:r>
-                      <a:endParaRPr kumimoji="1" lang="ja-JP" altLang="en-US" dirty="0"/>
-                    </a:p>
-                  </a:txBody>
-                  <a:tcPr/>
-                </a:tc>
-                <a:extLst>
-                  <a:ext uri="{0D108BD9-81ED-4DB2-BD59-A6C34878D82A}">
-                    <a16:rowId xmlns:a16="http://schemas.microsoft.com/office/drawing/2014/main" val="2133004900"/>
-                  </a:ext>
-                </a:extLst>
-              </a:tr>
-              <a:tr h="370840">
-                <a:tc>
-                  <a:txBody>
-                    <a:bodyPr/>
-                    <a:lstStyle/>
-                    <a:p>
-                      <a:r>
-                        <a:rPr kumimoji="1" lang="ja-JP" altLang="en-US" dirty="0"/>
-                        <a:t>回路平均</a:t>
-                      </a:r>
-                    </a:p>
-                  </a:txBody>
-                  <a:tcPr/>
-                </a:tc>
-                <a:tc>
-                  <a:txBody>
-                    <a:bodyPr/>
-                    <a:lstStyle/>
-                    <a:p>
-                      <a:endParaRPr kumimoji="1" lang="ja-JP" altLang="en-US" dirty="0"/>
-                    </a:p>
-                  </a:txBody>
-                  <a:tcPr/>
-                </a:tc>
-                <a:tc>
-                  <a:txBody>
-                    <a:bodyPr/>
-                    <a:lstStyle/>
-                    <a:p>
-                      <a:r>
-                        <a:rPr kumimoji="1" lang="en-US" altLang="ja-JP" dirty="0"/>
-                        <a:t>0.53</a:t>
-                      </a:r>
-                      <a:endParaRPr kumimoji="1" lang="ja-JP" altLang="en-US" dirty="0"/>
-                    </a:p>
-                  </a:txBody>
-                  <a:tcPr/>
-                </a:tc>
-                <a:extLst>
-                  <a:ext uri="{0D108BD9-81ED-4DB2-BD59-A6C34878D82A}">
-                    <a16:rowId xmlns:a16="http://schemas.microsoft.com/office/drawing/2014/main" val="2490569905"/>
-                  </a:ext>
-                </a:extLst>
-              </a:tr>
-            </a:tbl>
-          </a:graphicData>
-        </a:graphic>
-      </p:graphicFrame>
-      <p:sp>
-        <p:nvSpPr>
-          <p:cNvPr id="6" name="スライド番号プレースホルダー 5">
-            <a:extLst>
-              <a:ext uri="{FF2B5EF4-FFF2-40B4-BE49-F238E27FC236}">
-                <a16:creationId xmlns:a16="http://schemas.microsoft.com/office/drawing/2014/main" id="{569F2B18-FD75-4C7B-A9B3-30290E983C48}"/>
+      <p:sp>
+        <p:nvSpPr>
+          <p:cNvPr id="5" name="スライド番号プレースホルダー 4">
+            <a:extLst>
+              <a:ext uri="{FF2B5EF4-FFF2-40B4-BE49-F238E27FC236}">
+                <a16:creationId xmlns:a16="http://schemas.microsoft.com/office/drawing/2014/main" id="{06CE9CBC-B5B6-4AC2-A6E9-77DE09ADBC7D}"/>
               </a:ext>
             </a:extLst>
           </p:cNvPr>
@@ -7202,7 +7116,7 @@
     </p:spTree>
     <p:extLst>
       <p:ext uri="{BB962C8B-B14F-4D97-AF65-F5344CB8AC3E}">
-        <p14:creationId xmlns:p14="http://schemas.microsoft.com/office/powerpoint/2010/main" val="2862498919"/>
+        <p14:creationId xmlns:p14="http://schemas.microsoft.com/office/powerpoint/2010/main" val="4273673627"/>
       </p:ext>
     </p:extLst>
   </p:cSld>
@@ -7234,6 +7148,1096 @@
           <p:cNvPr id="2" name="タイトル 1">
             <a:extLst>
               <a:ext uri="{FF2B5EF4-FFF2-40B4-BE49-F238E27FC236}">
+                <a16:creationId xmlns:a16="http://schemas.microsoft.com/office/drawing/2014/main" id="{789B786C-9143-42C5-AFB9-6A5903EADD27}"/>
+              </a:ext>
+            </a:extLst>
+          </p:cNvPr>
+          <p:cNvSpPr>
+            <a:spLocks noGrp="1"/>
+          </p:cNvSpPr>
+          <p:nvPr>
+            <p:ph type="title"/>
+          </p:nvPr>
+        </p:nvSpPr>
+        <p:spPr/>
+        <p:txBody>
+          <a:bodyPr/>
+          <a:lstStyle/>
+          <a:p>
+            <a:r>
+              <a:rPr lang="en-US" altLang="ja-JP" dirty="0"/>
+              <a:t>5. </a:t>
+            </a:r>
+            <a:r>
+              <a:rPr lang="ja-JP" altLang="en-US" dirty="0"/>
+              <a:t>処理時間結果 </a:t>
+            </a:r>
+            <a:r>
+              <a:rPr lang="en-US" altLang="ja-JP" dirty="0"/>
+              <a:t>cs</a:t>
+            </a:r>
+            <a:r>
+              <a:rPr lang="ja-JP" altLang="en-US" dirty="0"/>
+              <a:t>回路</a:t>
+            </a:r>
+            <a:endParaRPr kumimoji="1" lang="ja-JP" altLang="en-US" dirty="0"/>
+          </a:p>
+        </p:txBody>
+      </p:sp>
+      <p:graphicFrame>
+        <p:nvGraphicFramePr>
+          <p:cNvPr id="4" name="コンテンツ プレースホルダー 3">
+            <a:extLst>
+              <a:ext uri="{FF2B5EF4-FFF2-40B4-BE49-F238E27FC236}">
+                <a16:creationId xmlns:a16="http://schemas.microsoft.com/office/drawing/2014/main" id="{857751DD-C781-4C48-BD48-9A80D83B5D0F}"/>
+              </a:ext>
+            </a:extLst>
+          </p:cNvPr>
+          <p:cNvGraphicFramePr>
+            <a:graphicFrameLocks noGrp="1"/>
+          </p:cNvGraphicFramePr>
+          <p:nvPr>
+            <p:ph idx="1"/>
+            <p:extLst>
+              <p:ext uri="{D42A27DB-BD31-4B8C-83A1-F6EECF244321}">
+                <p14:modId xmlns:p14="http://schemas.microsoft.com/office/powerpoint/2010/main" val="3155183092"/>
+              </p:ext>
+            </p:extLst>
+          </p:nvPr>
+        </p:nvGraphicFramePr>
+        <p:xfrm>
+          <a:off x="1714500" y="1463040"/>
+          <a:ext cx="8763000" cy="2865120"/>
+        </p:xfrm>
+        <a:graphic>
+          <a:graphicData uri="http://schemas.openxmlformats.org/drawingml/2006/table">
+            <a:tbl>
+              <a:tblPr firstRow="1" bandRow="1">
+                <a:tableStyleId>{5C22544A-7EE6-4342-B048-85BDC9FD1C3A}</a:tableStyleId>
+              </a:tblPr>
+              <a:tblGrid>
+                <a:gridCol w="1752600">
+                  <a:extLst>
+                    <a:ext uri="{9D8B030D-6E8A-4147-A177-3AD203B41FA5}">
+                      <a16:colId xmlns:a16="http://schemas.microsoft.com/office/drawing/2014/main" val="2033296225"/>
+                    </a:ext>
+                  </a:extLst>
+                </a:gridCol>
+                <a:gridCol w="1752600">
+                  <a:extLst>
+                    <a:ext uri="{9D8B030D-6E8A-4147-A177-3AD203B41FA5}">
+                      <a16:colId xmlns:a16="http://schemas.microsoft.com/office/drawing/2014/main" val="1529739511"/>
+                    </a:ext>
+                  </a:extLst>
+                </a:gridCol>
+                <a:gridCol w="1752600">
+                  <a:extLst>
+                    <a:ext uri="{9D8B030D-6E8A-4147-A177-3AD203B41FA5}">
+                      <a16:colId xmlns:a16="http://schemas.microsoft.com/office/drawing/2014/main" val="1459727993"/>
+                    </a:ext>
+                  </a:extLst>
+                </a:gridCol>
+                <a:gridCol w="1752600">
+                  <a:extLst>
+                    <a:ext uri="{9D8B030D-6E8A-4147-A177-3AD203B41FA5}">
+                      <a16:colId xmlns:a16="http://schemas.microsoft.com/office/drawing/2014/main" val="2150134175"/>
+                    </a:ext>
+                  </a:extLst>
+                </a:gridCol>
+                <a:gridCol w="1752600">
+                  <a:extLst>
+                    <a:ext uri="{9D8B030D-6E8A-4147-A177-3AD203B41FA5}">
+                      <a16:colId xmlns:a16="http://schemas.microsoft.com/office/drawing/2014/main" val="898462137"/>
+                    </a:ext>
+                  </a:extLst>
+                </a:gridCol>
+              </a:tblGrid>
+              <a:tr h="370840">
+                <a:tc>
+                  <a:txBody>
+                    <a:bodyPr/>
+                    <a:lstStyle/>
+                    <a:p>
+                      <a:pPr algn="ctr"/>
+                      <a:endParaRPr kumimoji="1" lang="ja-JP" altLang="en-US" dirty="0"/>
+                    </a:p>
+                  </a:txBody>
+                  <a:tcPr/>
+                </a:tc>
+                <a:tc>
+                  <a:txBody>
+                    <a:bodyPr/>
+                    <a:lstStyle/>
+                    <a:p>
+                      <a:pPr algn="ctr"/>
+                      <a:r>
+                        <a:rPr kumimoji="1" lang="ja-JP" altLang="en-US" dirty="0"/>
+                        <a:t>普通に実行</a:t>
+                      </a:r>
+                      <a:r>
+                        <a:rPr kumimoji="1" lang="en-US" altLang="ja-JP" dirty="0"/>
+                        <a:t>(/s)</a:t>
+                      </a:r>
+                      <a:endParaRPr kumimoji="1" lang="ja-JP" altLang="en-US" dirty="0"/>
+                    </a:p>
+                  </a:txBody>
+                  <a:tcPr/>
+                </a:tc>
+                <a:tc>
+                  <a:txBody>
+                    <a:bodyPr/>
+                    <a:lstStyle/>
+                    <a:p>
+                      <a:pPr algn="ctr"/>
+                      <a:r>
+                        <a:rPr kumimoji="1" lang="ja-JP" altLang="en-US" dirty="0"/>
+                        <a:t>並列化スレッド数</a:t>
+                      </a:r>
+                      <a:r>
+                        <a:rPr kumimoji="1" lang="en-US" altLang="ja-JP" dirty="0"/>
+                        <a:t>:2(/s)</a:t>
+                      </a:r>
+                      <a:endParaRPr kumimoji="1" lang="ja-JP" altLang="en-US" dirty="0"/>
+                    </a:p>
+                  </a:txBody>
+                  <a:tcPr/>
+                </a:tc>
+                <a:tc>
+                  <a:txBody>
+                    <a:bodyPr/>
+                    <a:lstStyle/>
+                    <a:p>
+                      <a:pPr algn="ctr"/>
+                      <a:r>
+                        <a:rPr kumimoji="1" lang="ja-JP" altLang="en-US" dirty="0"/>
+                        <a:t>並列化スレッド数</a:t>
+                      </a:r>
+                      <a:r>
+                        <a:rPr kumimoji="1" lang="en-US" altLang="ja-JP" dirty="0"/>
+                        <a:t>:3(/s)</a:t>
+                      </a:r>
+                      <a:endParaRPr kumimoji="1" lang="ja-JP" altLang="en-US" dirty="0"/>
+                    </a:p>
+                  </a:txBody>
+                  <a:tcPr/>
+                </a:tc>
+                <a:tc>
+                  <a:txBody>
+                    <a:bodyPr/>
+                    <a:lstStyle/>
+                    <a:p>
+                      <a:pPr algn="ctr"/>
+                      <a:r>
+                        <a:rPr kumimoji="1" lang="ja-JP" altLang="en-US" dirty="0"/>
+                        <a:t>並列化スレッド数</a:t>
+                      </a:r>
+                      <a:r>
+                        <a:rPr kumimoji="1" lang="en-US" altLang="ja-JP" dirty="0"/>
+                        <a:t>:4(/s)</a:t>
+                      </a:r>
+                      <a:endParaRPr kumimoji="1" lang="ja-JP" altLang="en-US" dirty="0"/>
+                    </a:p>
+                  </a:txBody>
+                  <a:tcPr/>
+                </a:tc>
+                <a:extLst>
+                  <a:ext uri="{0D108BD9-81ED-4DB2-BD59-A6C34878D82A}">
+                    <a16:rowId xmlns:a16="http://schemas.microsoft.com/office/drawing/2014/main" val="2277819846"/>
+                  </a:ext>
+                </a:extLst>
+              </a:tr>
+              <a:tr h="370840">
+                <a:tc>
+                  <a:txBody>
+                    <a:bodyPr/>
+                    <a:lstStyle/>
+                    <a:p>
+                      <a:pPr algn="ctr"/>
+                      <a:r>
+                        <a:rPr kumimoji="1" lang="en-US" altLang="ja-JP" dirty="0"/>
+                        <a:t>cs9234</a:t>
+                      </a:r>
+                      <a:endParaRPr kumimoji="1" lang="ja-JP" altLang="en-US" dirty="0"/>
+                    </a:p>
+                  </a:txBody>
+                  <a:tcPr/>
+                </a:tc>
+                <a:tc>
+                  <a:txBody>
+                    <a:bodyPr/>
+                    <a:lstStyle/>
+                    <a:p>
+                      <a:pPr algn="ctr"/>
+                      <a:r>
+                        <a:rPr kumimoji="1" lang="en-US" altLang="ja-JP" dirty="0"/>
+                        <a:t>0.44</a:t>
+                      </a:r>
+                      <a:endParaRPr kumimoji="1" lang="ja-JP" altLang="en-US" dirty="0"/>
+                    </a:p>
+                  </a:txBody>
+                  <a:tcPr/>
+                </a:tc>
+                <a:tc>
+                  <a:txBody>
+                    <a:bodyPr/>
+                    <a:lstStyle/>
+                    <a:p>
+                      <a:pPr algn="ctr"/>
+                      <a:endParaRPr kumimoji="1" lang="ja-JP" altLang="en-US" dirty="0"/>
+                    </a:p>
+                  </a:txBody>
+                  <a:tcPr/>
+                </a:tc>
+                <a:tc>
+                  <a:txBody>
+                    <a:bodyPr/>
+                    <a:lstStyle/>
+                    <a:p>
+                      <a:pPr algn="ctr"/>
+                      <a:r>
+                        <a:rPr kumimoji="1" lang="en-US" altLang="ja-JP" dirty="0"/>
+                        <a:t>0.35</a:t>
+                      </a:r>
+                      <a:endParaRPr kumimoji="1" lang="ja-JP" altLang="en-US" dirty="0"/>
+                    </a:p>
+                  </a:txBody>
+                  <a:tcPr/>
+                </a:tc>
+                <a:tc>
+                  <a:txBody>
+                    <a:bodyPr/>
+                    <a:lstStyle/>
+                    <a:p>
+                      <a:pPr algn="ctr"/>
+                      <a:endParaRPr kumimoji="1" lang="ja-JP" altLang="en-US" dirty="0"/>
+                    </a:p>
+                  </a:txBody>
+                  <a:tcPr/>
+                </a:tc>
+                <a:extLst>
+                  <a:ext uri="{0D108BD9-81ED-4DB2-BD59-A6C34878D82A}">
+                    <a16:rowId xmlns:a16="http://schemas.microsoft.com/office/drawing/2014/main" val="2459506192"/>
+                  </a:ext>
+                </a:extLst>
+              </a:tr>
+              <a:tr h="370840">
+                <a:tc>
+                  <a:txBody>
+                    <a:bodyPr/>
+                    <a:lstStyle/>
+                    <a:p>
+                      <a:pPr algn="ctr"/>
+                      <a:r>
+                        <a:rPr kumimoji="1" lang="en-US" altLang="ja-JP" dirty="0"/>
+                        <a:t>cs13207</a:t>
+                      </a:r>
+                      <a:endParaRPr kumimoji="1" lang="ja-JP" altLang="en-US" dirty="0"/>
+                    </a:p>
+                  </a:txBody>
+                  <a:tcPr/>
+                </a:tc>
+                <a:tc>
+                  <a:txBody>
+                    <a:bodyPr/>
+                    <a:lstStyle/>
+                    <a:p>
+                      <a:pPr algn="ctr"/>
+                      <a:r>
+                        <a:rPr kumimoji="1" lang="en-US" altLang="ja-JP" dirty="0"/>
+                        <a:t>0.58</a:t>
+                      </a:r>
+                      <a:endParaRPr kumimoji="1" lang="ja-JP" altLang="en-US" dirty="0"/>
+                    </a:p>
+                  </a:txBody>
+                  <a:tcPr/>
+                </a:tc>
+                <a:tc>
+                  <a:txBody>
+                    <a:bodyPr/>
+                    <a:lstStyle/>
+                    <a:p>
+                      <a:pPr algn="ctr"/>
+                      <a:endParaRPr kumimoji="1" lang="ja-JP" altLang="en-US"/>
+                    </a:p>
+                  </a:txBody>
+                  <a:tcPr/>
+                </a:tc>
+                <a:tc>
+                  <a:txBody>
+                    <a:bodyPr/>
+                    <a:lstStyle/>
+                    <a:p>
+                      <a:pPr algn="ctr"/>
+                      <a:r>
+                        <a:rPr kumimoji="1" lang="en-US" altLang="ja-JP" dirty="0"/>
+                        <a:t>0.58</a:t>
+                      </a:r>
+                      <a:endParaRPr kumimoji="1" lang="ja-JP" altLang="en-US" dirty="0"/>
+                    </a:p>
+                  </a:txBody>
+                  <a:tcPr/>
+                </a:tc>
+                <a:tc>
+                  <a:txBody>
+                    <a:bodyPr/>
+                    <a:lstStyle/>
+                    <a:p>
+                      <a:pPr algn="ctr"/>
+                      <a:endParaRPr kumimoji="1" lang="ja-JP" altLang="en-US" dirty="0"/>
+                    </a:p>
+                  </a:txBody>
+                  <a:tcPr/>
+                </a:tc>
+                <a:extLst>
+                  <a:ext uri="{0D108BD9-81ED-4DB2-BD59-A6C34878D82A}">
+                    <a16:rowId xmlns:a16="http://schemas.microsoft.com/office/drawing/2014/main" val="3821829751"/>
+                  </a:ext>
+                </a:extLst>
+              </a:tr>
+              <a:tr h="370840">
+                <a:tc>
+                  <a:txBody>
+                    <a:bodyPr/>
+                    <a:lstStyle/>
+                    <a:p>
+                      <a:pPr algn="ctr"/>
+                      <a:r>
+                        <a:rPr kumimoji="1" lang="en-US" altLang="ja-JP" dirty="0"/>
+                        <a:t>cs15850</a:t>
+                      </a:r>
+                      <a:endParaRPr kumimoji="1" lang="ja-JP" altLang="en-US" dirty="0"/>
+                    </a:p>
+                  </a:txBody>
+                  <a:tcPr/>
+                </a:tc>
+                <a:tc>
+                  <a:txBody>
+                    <a:bodyPr/>
+                    <a:lstStyle/>
+                    <a:p>
+                      <a:pPr algn="ctr"/>
+                      <a:r>
+                        <a:rPr kumimoji="1" lang="en-US" altLang="ja-JP" dirty="0"/>
+                        <a:t>0.58</a:t>
+                      </a:r>
+                      <a:endParaRPr kumimoji="1" lang="ja-JP" altLang="en-US" dirty="0"/>
+                    </a:p>
+                  </a:txBody>
+                  <a:tcPr/>
+                </a:tc>
+                <a:tc>
+                  <a:txBody>
+                    <a:bodyPr/>
+                    <a:lstStyle/>
+                    <a:p>
+                      <a:pPr algn="ctr"/>
+                      <a:endParaRPr kumimoji="1" lang="ja-JP" altLang="en-US"/>
+                    </a:p>
+                  </a:txBody>
+                  <a:tcPr/>
+                </a:tc>
+                <a:tc>
+                  <a:txBody>
+                    <a:bodyPr/>
+                    <a:lstStyle/>
+                    <a:p>
+                      <a:pPr algn="ctr"/>
+                      <a:r>
+                        <a:rPr kumimoji="1" lang="en-US" altLang="ja-JP" dirty="0"/>
+                        <a:t>0.46</a:t>
+                      </a:r>
+                      <a:endParaRPr kumimoji="1" lang="ja-JP" altLang="en-US" dirty="0"/>
+                    </a:p>
+                  </a:txBody>
+                  <a:tcPr/>
+                </a:tc>
+                <a:tc>
+                  <a:txBody>
+                    <a:bodyPr/>
+                    <a:lstStyle/>
+                    <a:p>
+                      <a:pPr algn="ctr"/>
+                      <a:endParaRPr kumimoji="1" lang="ja-JP" altLang="en-US" dirty="0"/>
+                    </a:p>
+                  </a:txBody>
+                  <a:tcPr/>
+                </a:tc>
+                <a:extLst>
+                  <a:ext uri="{0D108BD9-81ED-4DB2-BD59-A6C34878D82A}">
+                    <a16:rowId xmlns:a16="http://schemas.microsoft.com/office/drawing/2014/main" val="3491866910"/>
+                  </a:ext>
+                </a:extLst>
+              </a:tr>
+              <a:tr h="370840">
+                <a:tc>
+                  <a:txBody>
+                    <a:bodyPr/>
+                    <a:lstStyle/>
+                    <a:p>
+                      <a:pPr algn="ctr"/>
+                      <a:r>
+                        <a:rPr kumimoji="1" lang="en-US" altLang="ja-JP" dirty="0"/>
+                        <a:t>cs35932</a:t>
+                      </a:r>
+                      <a:endParaRPr kumimoji="1" lang="ja-JP" altLang="en-US" dirty="0"/>
+                    </a:p>
+                  </a:txBody>
+                  <a:tcPr/>
+                </a:tc>
+                <a:tc>
+                  <a:txBody>
+                    <a:bodyPr/>
+                    <a:lstStyle/>
+                    <a:p>
+                      <a:pPr algn="ctr"/>
+                      <a:r>
+                        <a:rPr kumimoji="1" lang="en-US" altLang="ja-JP" dirty="0"/>
+                        <a:t>1.33</a:t>
+                      </a:r>
+                      <a:endParaRPr kumimoji="1" lang="ja-JP" altLang="en-US" dirty="0"/>
+                    </a:p>
+                  </a:txBody>
+                  <a:tcPr/>
+                </a:tc>
+                <a:tc>
+                  <a:txBody>
+                    <a:bodyPr/>
+                    <a:lstStyle/>
+                    <a:p>
+                      <a:pPr algn="ctr"/>
+                      <a:endParaRPr kumimoji="1" lang="ja-JP" altLang="en-US"/>
+                    </a:p>
+                  </a:txBody>
+                  <a:tcPr/>
+                </a:tc>
+                <a:tc>
+                  <a:txBody>
+                    <a:bodyPr/>
+                    <a:lstStyle/>
+                    <a:p>
+                      <a:pPr algn="ctr"/>
+                      <a:r>
+                        <a:rPr kumimoji="1" lang="en-US" altLang="ja-JP" dirty="0"/>
+                        <a:t>0.95</a:t>
+                      </a:r>
+                      <a:endParaRPr kumimoji="1" lang="ja-JP" altLang="en-US" dirty="0"/>
+                    </a:p>
+                  </a:txBody>
+                  <a:tcPr/>
+                </a:tc>
+                <a:tc>
+                  <a:txBody>
+                    <a:bodyPr/>
+                    <a:lstStyle/>
+                    <a:p>
+                      <a:pPr algn="ctr"/>
+                      <a:endParaRPr kumimoji="1" lang="ja-JP" altLang="en-US" dirty="0"/>
+                    </a:p>
+                  </a:txBody>
+                  <a:tcPr/>
+                </a:tc>
+                <a:extLst>
+                  <a:ext uri="{0D108BD9-81ED-4DB2-BD59-A6C34878D82A}">
+                    <a16:rowId xmlns:a16="http://schemas.microsoft.com/office/drawing/2014/main" val="1337509599"/>
+                  </a:ext>
+                </a:extLst>
+              </a:tr>
+              <a:tr h="370840">
+                <a:tc>
+                  <a:txBody>
+                    <a:bodyPr/>
+                    <a:lstStyle/>
+                    <a:p>
+                      <a:pPr algn="ctr"/>
+                      <a:r>
+                        <a:rPr kumimoji="1" lang="en-US" altLang="ja-JP" dirty="0"/>
+                        <a:t>cs38417</a:t>
+                      </a:r>
+                      <a:endParaRPr kumimoji="1" lang="ja-JP" altLang="en-US" dirty="0"/>
+                    </a:p>
+                  </a:txBody>
+                  <a:tcPr/>
+                </a:tc>
+                <a:tc>
+                  <a:txBody>
+                    <a:bodyPr/>
+                    <a:lstStyle/>
+                    <a:p>
+                      <a:pPr algn="ctr"/>
+                      <a:r>
+                        <a:rPr kumimoji="1" lang="en-US" altLang="ja-JP" dirty="0"/>
+                        <a:t>1.47</a:t>
+                      </a:r>
+                      <a:endParaRPr kumimoji="1" lang="ja-JP" altLang="en-US" dirty="0"/>
+                    </a:p>
+                  </a:txBody>
+                  <a:tcPr/>
+                </a:tc>
+                <a:tc>
+                  <a:txBody>
+                    <a:bodyPr/>
+                    <a:lstStyle/>
+                    <a:p>
+                      <a:pPr algn="ctr"/>
+                      <a:endParaRPr kumimoji="1" lang="ja-JP" altLang="en-US"/>
+                    </a:p>
+                  </a:txBody>
+                  <a:tcPr/>
+                </a:tc>
+                <a:tc>
+                  <a:txBody>
+                    <a:bodyPr/>
+                    <a:lstStyle/>
+                    <a:p>
+                      <a:pPr algn="ctr"/>
+                      <a:r>
+                        <a:rPr kumimoji="1" lang="en-US" altLang="ja-JP" dirty="0"/>
+                        <a:t>1.10</a:t>
+                      </a:r>
+                      <a:endParaRPr kumimoji="1" lang="ja-JP" altLang="en-US" dirty="0"/>
+                    </a:p>
+                  </a:txBody>
+                  <a:tcPr/>
+                </a:tc>
+                <a:tc>
+                  <a:txBody>
+                    <a:bodyPr/>
+                    <a:lstStyle/>
+                    <a:p>
+                      <a:pPr algn="ctr"/>
+                      <a:endParaRPr kumimoji="1" lang="ja-JP" altLang="en-US" dirty="0"/>
+                    </a:p>
+                  </a:txBody>
+                  <a:tcPr/>
+                </a:tc>
+                <a:extLst>
+                  <a:ext uri="{0D108BD9-81ED-4DB2-BD59-A6C34878D82A}">
+                    <a16:rowId xmlns:a16="http://schemas.microsoft.com/office/drawing/2014/main" val="3200465612"/>
+                  </a:ext>
+                </a:extLst>
+              </a:tr>
+              <a:tr h="370840">
+                <a:tc>
+                  <a:txBody>
+                    <a:bodyPr/>
+                    <a:lstStyle/>
+                    <a:p>
+                      <a:pPr algn="ctr"/>
+                      <a:r>
+                        <a:rPr kumimoji="1" lang="en-US" altLang="ja-JP" dirty="0"/>
+                        <a:t>cs38584</a:t>
+                      </a:r>
+                      <a:endParaRPr kumimoji="1" lang="ja-JP" altLang="en-US" dirty="0"/>
+                    </a:p>
+                  </a:txBody>
+                  <a:tcPr/>
+                </a:tc>
+                <a:tc>
+                  <a:txBody>
+                    <a:bodyPr/>
+                    <a:lstStyle/>
+                    <a:p>
+                      <a:pPr algn="ctr"/>
+                      <a:r>
+                        <a:rPr kumimoji="1" lang="en-US" altLang="ja-JP" dirty="0"/>
+                        <a:t>1.78</a:t>
+                      </a:r>
+                      <a:endParaRPr kumimoji="1" lang="ja-JP" altLang="en-US" dirty="0"/>
+                    </a:p>
+                  </a:txBody>
+                  <a:tcPr/>
+                </a:tc>
+                <a:tc>
+                  <a:txBody>
+                    <a:bodyPr/>
+                    <a:lstStyle/>
+                    <a:p>
+                      <a:pPr algn="ctr"/>
+                      <a:endParaRPr kumimoji="1" lang="ja-JP" altLang="en-US" dirty="0"/>
+                    </a:p>
+                  </a:txBody>
+                  <a:tcPr/>
+                </a:tc>
+                <a:tc>
+                  <a:txBody>
+                    <a:bodyPr/>
+                    <a:lstStyle/>
+                    <a:p>
+                      <a:pPr algn="ctr"/>
+                      <a:r>
+                        <a:rPr kumimoji="1" lang="en-US" altLang="ja-JP" dirty="0"/>
+                        <a:t>1.38</a:t>
+                      </a:r>
+                      <a:endParaRPr kumimoji="1" lang="ja-JP" altLang="en-US" dirty="0"/>
+                    </a:p>
+                  </a:txBody>
+                  <a:tcPr/>
+                </a:tc>
+                <a:tc>
+                  <a:txBody>
+                    <a:bodyPr/>
+                    <a:lstStyle/>
+                    <a:p>
+                      <a:pPr algn="ctr"/>
+                      <a:endParaRPr kumimoji="1" lang="ja-JP" altLang="en-US" dirty="0"/>
+                    </a:p>
+                  </a:txBody>
+                  <a:tcPr/>
+                </a:tc>
+                <a:extLst>
+                  <a:ext uri="{0D108BD9-81ED-4DB2-BD59-A6C34878D82A}">
+                    <a16:rowId xmlns:a16="http://schemas.microsoft.com/office/drawing/2014/main" val="1740243455"/>
+                  </a:ext>
+                </a:extLst>
+              </a:tr>
+            </a:tbl>
+          </a:graphicData>
+        </a:graphic>
+      </p:graphicFrame>
+      <p:sp>
+        <p:nvSpPr>
+          <p:cNvPr id="6" name="スライド番号プレースホルダー 5">
+            <a:extLst>
+              <a:ext uri="{FF2B5EF4-FFF2-40B4-BE49-F238E27FC236}">
+                <a16:creationId xmlns:a16="http://schemas.microsoft.com/office/drawing/2014/main" id="{569F2B18-FD75-4C7B-A9B3-30290E983C48}"/>
+              </a:ext>
+            </a:extLst>
+          </p:cNvPr>
+          <p:cNvSpPr>
+            <a:spLocks noGrp="1"/>
+          </p:cNvSpPr>
+          <p:nvPr>
+            <p:ph type="sldNum" sz="quarter" idx="12"/>
+          </p:nvPr>
+        </p:nvSpPr>
+        <p:spPr/>
+        <p:txBody>
+          <a:bodyPr/>
+          <a:lstStyle/>
+          <a:p>
+            <a:fld id="{4AF24D4B-76AD-46E2-B00B-D894D41E86CF}" type="slidenum">
+              <a:rPr kumimoji="1" lang="ja-JP" altLang="en-US" smtClean="0"/>
+              <a:t>21</a:t>
+            </a:fld>
+            <a:endParaRPr kumimoji="1" lang="ja-JP" altLang="en-US"/>
+          </a:p>
+        </p:txBody>
+      </p:sp>
+      <p:graphicFrame>
+        <p:nvGraphicFramePr>
+          <p:cNvPr id="5" name="表 4">
+            <a:extLst>
+              <a:ext uri="{FF2B5EF4-FFF2-40B4-BE49-F238E27FC236}">
+                <a16:creationId xmlns:a16="http://schemas.microsoft.com/office/drawing/2014/main" id="{2DBDC301-40B1-46BC-BD26-03FDA8A4D266}"/>
+              </a:ext>
+            </a:extLst>
+          </p:cNvPr>
+          <p:cNvGraphicFramePr>
+            <a:graphicFrameLocks noGrp="1"/>
+          </p:cNvGraphicFramePr>
+          <p:nvPr>
+            <p:extLst>
+              <p:ext uri="{D42A27DB-BD31-4B8C-83A1-F6EECF244321}">
+                <p14:modId xmlns:p14="http://schemas.microsoft.com/office/powerpoint/2010/main" val="1980417168"/>
+              </p:ext>
+            </p:extLst>
+          </p:nvPr>
+        </p:nvGraphicFramePr>
+        <p:xfrm>
+          <a:off x="2209800" y="4786312"/>
+          <a:ext cx="7772400" cy="1752600"/>
+        </p:xfrm>
+        <a:graphic>
+          <a:graphicData uri="http://schemas.openxmlformats.org/drawingml/2006/table">
+            <a:tbl>
+              <a:tblPr firstRow="1" bandRow="1">
+                <a:tableStyleId>{5C22544A-7EE6-4342-B048-85BDC9FD1C3A}</a:tableStyleId>
+              </a:tblPr>
+              <a:tblGrid>
+                <a:gridCol w="1475935">
+                  <a:extLst>
+                    <a:ext uri="{9D8B030D-6E8A-4147-A177-3AD203B41FA5}">
+                      <a16:colId xmlns:a16="http://schemas.microsoft.com/office/drawing/2014/main" val="1806015877"/>
+                    </a:ext>
+                  </a:extLst>
+                </a:gridCol>
+                <a:gridCol w="1633025">
+                  <a:extLst>
+                    <a:ext uri="{9D8B030D-6E8A-4147-A177-3AD203B41FA5}">
+                      <a16:colId xmlns:a16="http://schemas.microsoft.com/office/drawing/2014/main" val="2453738272"/>
+                    </a:ext>
+                  </a:extLst>
+                </a:gridCol>
+                <a:gridCol w="1554480">
+                  <a:extLst>
+                    <a:ext uri="{9D8B030D-6E8A-4147-A177-3AD203B41FA5}">
+                      <a16:colId xmlns:a16="http://schemas.microsoft.com/office/drawing/2014/main" val="3112093411"/>
+                    </a:ext>
+                  </a:extLst>
+                </a:gridCol>
+                <a:gridCol w="1554480">
+                  <a:extLst>
+                    <a:ext uri="{9D8B030D-6E8A-4147-A177-3AD203B41FA5}">
+                      <a16:colId xmlns:a16="http://schemas.microsoft.com/office/drawing/2014/main" val="2476150043"/>
+                    </a:ext>
+                  </a:extLst>
+                </a:gridCol>
+                <a:gridCol w="1554480">
+                  <a:extLst>
+                    <a:ext uri="{9D8B030D-6E8A-4147-A177-3AD203B41FA5}">
+                      <a16:colId xmlns:a16="http://schemas.microsoft.com/office/drawing/2014/main" val="2920344280"/>
+                    </a:ext>
+                  </a:extLst>
+                </a:gridCol>
+              </a:tblGrid>
+              <a:tr h="250727">
+                <a:tc>
+                  <a:txBody>
+                    <a:bodyPr/>
+                    <a:lstStyle/>
+                    <a:p>
+                      <a:pPr algn="ctr"/>
+                      <a:endParaRPr kumimoji="1" lang="ja-JP" altLang="en-US" dirty="0"/>
+                    </a:p>
+                  </a:txBody>
+                  <a:tcPr/>
+                </a:tc>
+                <a:tc>
+                  <a:txBody>
+                    <a:bodyPr/>
+                    <a:lstStyle/>
+                    <a:p>
+                      <a:pPr algn="ctr"/>
+                      <a:r>
+                        <a:rPr kumimoji="1" lang="ja-JP" altLang="en-US" dirty="0"/>
+                        <a:t>普通に実行</a:t>
+                      </a:r>
+                      <a:r>
+                        <a:rPr kumimoji="1" lang="en-US" altLang="ja-JP" dirty="0"/>
+                        <a:t>(/s)</a:t>
+                      </a:r>
+                      <a:endParaRPr kumimoji="1" lang="ja-JP" altLang="en-US" dirty="0"/>
+                    </a:p>
+                  </a:txBody>
+                  <a:tcPr/>
+                </a:tc>
+                <a:tc>
+                  <a:txBody>
+                    <a:bodyPr/>
+                    <a:lstStyle/>
+                    <a:p>
+                      <a:pPr algn="ctr"/>
+                      <a:r>
+                        <a:rPr kumimoji="1" lang="ja-JP" altLang="en-US" dirty="0"/>
+                        <a:t>並列化スレッド数</a:t>
+                      </a:r>
+                      <a:r>
+                        <a:rPr kumimoji="1" lang="en-US" altLang="ja-JP" dirty="0"/>
+                        <a:t>:2(/s)</a:t>
+                      </a:r>
+                      <a:endParaRPr kumimoji="1" lang="ja-JP" altLang="en-US" dirty="0"/>
+                    </a:p>
+                  </a:txBody>
+                  <a:tcPr/>
+                </a:tc>
+                <a:tc>
+                  <a:txBody>
+                    <a:bodyPr/>
+                    <a:lstStyle/>
+                    <a:p>
+                      <a:pPr algn="ctr"/>
+                      <a:r>
+                        <a:rPr kumimoji="1" lang="ja-JP" altLang="en-US" dirty="0"/>
+                        <a:t>並列化スレッド数</a:t>
+                      </a:r>
+                      <a:r>
+                        <a:rPr kumimoji="1" lang="en-US" altLang="ja-JP" dirty="0"/>
+                        <a:t>:3(/s)</a:t>
+                      </a:r>
+                      <a:endParaRPr kumimoji="1" lang="ja-JP" altLang="en-US" dirty="0"/>
+                    </a:p>
+                  </a:txBody>
+                  <a:tcPr/>
+                </a:tc>
+                <a:tc>
+                  <a:txBody>
+                    <a:bodyPr/>
+                    <a:lstStyle/>
+                    <a:p>
+                      <a:pPr algn="ctr"/>
+                      <a:r>
+                        <a:rPr kumimoji="1" lang="ja-JP" altLang="en-US" dirty="0"/>
+                        <a:t>並列化スレッド数</a:t>
+                      </a:r>
+                      <a:r>
+                        <a:rPr kumimoji="1" lang="en-US" altLang="ja-JP" dirty="0"/>
+                        <a:t>:4(/s)</a:t>
+                      </a:r>
+                      <a:endParaRPr kumimoji="1" lang="ja-JP" altLang="en-US" dirty="0"/>
+                    </a:p>
+                  </a:txBody>
+                  <a:tcPr/>
+                </a:tc>
+                <a:extLst>
+                  <a:ext uri="{0D108BD9-81ED-4DB2-BD59-A6C34878D82A}">
+                    <a16:rowId xmlns:a16="http://schemas.microsoft.com/office/drawing/2014/main" val="3532538798"/>
+                  </a:ext>
+                </a:extLst>
+              </a:tr>
+              <a:tr h="370840">
+                <a:tc>
+                  <a:txBody>
+                    <a:bodyPr/>
+                    <a:lstStyle/>
+                    <a:p>
+                      <a:pPr algn="ctr"/>
+                      <a:r>
+                        <a:rPr kumimoji="1" lang="en-US" altLang="ja-JP" dirty="0"/>
+                        <a:t>e</a:t>
+                      </a:r>
+                      <a:r>
+                        <a:rPr kumimoji="1" lang="ja-JP" altLang="en-US" dirty="0"/>
+                        <a:t>平均</a:t>
+                      </a:r>
+                    </a:p>
+                  </a:txBody>
+                  <a:tcPr/>
+                </a:tc>
+                <a:tc>
+                  <a:txBody>
+                    <a:bodyPr/>
+                    <a:lstStyle/>
+                    <a:p>
+                      <a:pPr algn="ctr"/>
+                      <a:endParaRPr kumimoji="1" lang="ja-JP" altLang="en-US" dirty="0"/>
+                    </a:p>
+                  </a:txBody>
+                  <a:tcPr/>
+                </a:tc>
+                <a:tc>
+                  <a:txBody>
+                    <a:bodyPr/>
+                    <a:lstStyle/>
+                    <a:p>
+                      <a:pPr algn="ctr"/>
+                      <a:endParaRPr kumimoji="1" lang="ja-JP" altLang="en-US" dirty="0"/>
+                    </a:p>
+                  </a:txBody>
+                  <a:tcPr/>
+                </a:tc>
+                <a:tc>
+                  <a:txBody>
+                    <a:bodyPr/>
+                    <a:lstStyle/>
+                    <a:p>
+                      <a:pPr algn="ctr"/>
+                      <a:r>
+                        <a:rPr kumimoji="1" lang="en-US" altLang="ja-JP" dirty="0"/>
+                        <a:t>0.24</a:t>
+                      </a:r>
+                      <a:endParaRPr kumimoji="1" lang="ja-JP" altLang="en-US" dirty="0"/>
+                    </a:p>
+                  </a:txBody>
+                  <a:tcPr/>
+                </a:tc>
+                <a:tc>
+                  <a:txBody>
+                    <a:bodyPr/>
+                    <a:lstStyle/>
+                    <a:p>
+                      <a:pPr algn="ctr"/>
+                      <a:endParaRPr kumimoji="1" lang="ja-JP" altLang="en-US" dirty="0"/>
+                    </a:p>
+                  </a:txBody>
+                  <a:tcPr/>
+                </a:tc>
+                <a:extLst>
+                  <a:ext uri="{0D108BD9-81ED-4DB2-BD59-A6C34878D82A}">
+                    <a16:rowId xmlns:a16="http://schemas.microsoft.com/office/drawing/2014/main" val="3307972329"/>
+                  </a:ext>
+                </a:extLst>
+              </a:tr>
+              <a:tr h="370840">
+                <a:tc>
+                  <a:txBody>
+                    <a:bodyPr/>
+                    <a:lstStyle/>
+                    <a:p>
+                      <a:pPr algn="ctr"/>
+                      <a:r>
+                        <a:rPr kumimoji="1" lang="en-US" altLang="ja-JP" dirty="0"/>
+                        <a:t>cs</a:t>
+                      </a:r>
+                      <a:r>
+                        <a:rPr kumimoji="1" lang="ja-JP" altLang="en-US" dirty="0"/>
+                        <a:t>平均</a:t>
+                      </a:r>
+                    </a:p>
+                  </a:txBody>
+                  <a:tcPr/>
+                </a:tc>
+                <a:tc>
+                  <a:txBody>
+                    <a:bodyPr/>
+                    <a:lstStyle/>
+                    <a:p>
+                      <a:pPr algn="ctr"/>
+                      <a:endParaRPr kumimoji="1" lang="ja-JP" altLang="en-US" dirty="0"/>
+                    </a:p>
+                  </a:txBody>
+                  <a:tcPr/>
+                </a:tc>
+                <a:tc>
+                  <a:txBody>
+                    <a:bodyPr/>
+                    <a:lstStyle/>
+                    <a:p>
+                      <a:pPr algn="ctr"/>
+                      <a:endParaRPr kumimoji="1" lang="ja-JP" altLang="en-US" dirty="0"/>
+                    </a:p>
+                  </a:txBody>
+                  <a:tcPr/>
+                </a:tc>
+                <a:tc>
+                  <a:txBody>
+                    <a:bodyPr/>
+                    <a:lstStyle/>
+                    <a:p>
+                      <a:pPr algn="ctr"/>
+                      <a:r>
+                        <a:rPr kumimoji="1" lang="en-US" altLang="ja-JP" dirty="0"/>
+                        <a:t>1.15</a:t>
+                      </a:r>
+                      <a:endParaRPr kumimoji="1" lang="ja-JP" altLang="en-US" dirty="0"/>
+                    </a:p>
+                  </a:txBody>
+                  <a:tcPr/>
+                </a:tc>
+                <a:tc>
+                  <a:txBody>
+                    <a:bodyPr/>
+                    <a:lstStyle/>
+                    <a:p>
+                      <a:pPr algn="ctr"/>
+                      <a:endParaRPr kumimoji="1" lang="ja-JP" altLang="en-US" dirty="0"/>
+                    </a:p>
+                  </a:txBody>
+                  <a:tcPr/>
+                </a:tc>
+                <a:extLst>
+                  <a:ext uri="{0D108BD9-81ED-4DB2-BD59-A6C34878D82A}">
+                    <a16:rowId xmlns:a16="http://schemas.microsoft.com/office/drawing/2014/main" val="2133004900"/>
+                  </a:ext>
+                </a:extLst>
+              </a:tr>
+              <a:tr h="370840">
+                <a:tc>
+                  <a:txBody>
+                    <a:bodyPr/>
+                    <a:lstStyle/>
+                    <a:p>
+                      <a:pPr algn="ctr"/>
+                      <a:r>
+                        <a:rPr kumimoji="1" lang="ja-JP" altLang="en-US" dirty="0"/>
+                        <a:t>回路平均</a:t>
+                      </a:r>
+                    </a:p>
+                  </a:txBody>
+                  <a:tcPr/>
+                </a:tc>
+                <a:tc>
+                  <a:txBody>
+                    <a:bodyPr/>
+                    <a:lstStyle/>
+                    <a:p>
+                      <a:pPr algn="ctr"/>
+                      <a:endParaRPr kumimoji="1" lang="ja-JP" altLang="en-US" dirty="0"/>
+                    </a:p>
+                  </a:txBody>
+                  <a:tcPr/>
+                </a:tc>
+                <a:tc>
+                  <a:txBody>
+                    <a:bodyPr/>
+                    <a:lstStyle/>
+                    <a:p>
+                      <a:pPr algn="ctr"/>
+                      <a:endParaRPr kumimoji="1" lang="ja-JP" altLang="en-US" dirty="0"/>
+                    </a:p>
+                  </a:txBody>
+                  <a:tcPr/>
+                </a:tc>
+                <a:tc>
+                  <a:txBody>
+                    <a:bodyPr/>
+                    <a:lstStyle/>
+                    <a:p>
+                      <a:pPr algn="ctr"/>
+                      <a:r>
+                        <a:rPr kumimoji="1" lang="en-US" altLang="ja-JP" dirty="0"/>
+                        <a:t>0.53</a:t>
+                      </a:r>
+                      <a:endParaRPr kumimoji="1" lang="ja-JP" altLang="en-US" dirty="0"/>
+                    </a:p>
+                  </a:txBody>
+                  <a:tcPr/>
+                </a:tc>
+                <a:tc>
+                  <a:txBody>
+                    <a:bodyPr/>
+                    <a:lstStyle/>
+                    <a:p>
+                      <a:pPr algn="ctr"/>
+                      <a:endParaRPr kumimoji="1" lang="ja-JP" altLang="en-US" dirty="0"/>
+                    </a:p>
+                  </a:txBody>
+                  <a:tcPr/>
+                </a:tc>
+                <a:extLst>
+                  <a:ext uri="{0D108BD9-81ED-4DB2-BD59-A6C34878D82A}">
+                    <a16:rowId xmlns:a16="http://schemas.microsoft.com/office/drawing/2014/main" val="2490569905"/>
+                  </a:ext>
+                </a:extLst>
+              </a:tr>
+            </a:tbl>
+          </a:graphicData>
+        </a:graphic>
+      </p:graphicFrame>
+    </p:spTree>
+    <p:extLst>
+      <p:ext uri="{BB962C8B-B14F-4D97-AF65-F5344CB8AC3E}">
+        <p14:creationId xmlns:p14="http://schemas.microsoft.com/office/powerpoint/2010/main" val="2862498919"/>
+      </p:ext>
+    </p:extLst>
+  </p:cSld>
+  <p:clrMapOvr>
+    <a:masterClrMapping/>
+  </p:clrMapOvr>
+</p:sld>
+</file>
+
+<file path=ppt/slides/slide22.xml><?xml version="1.0" encoding="utf-8"?>
+<p:sld xmlns:a="http://schemas.openxmlformats.org/drawingml/2006/main" xmlns:r="http://schemas.openxmlformats.org/officeDocument/2006/relationships" xmlns:p="http://schemas.openxmlformats.org/presentationml/2006/main">
+  <p:cSld>
+    <p:spTree>
+      <p:nvGrpSpPr>
+        <p:cNvPr id="1" name=""/>
+        <p:cNvGrpSpPr/>
+        <p:nvPr/>
+      </p:nvGrpSpPr>
+      <p:grpSpPr>
+        <a:xfrm>
+          <a:off x="0" y="0"/>
+          <a:ext cx="0" cy="0"/>
+          <a:chOff x="0" y="0"/>
+          <a:chExt cx="0" cy="0"/>
+        </a:xfrm>
+      </p:grpSpPr>
+      <p:sp>
+        <p:nvSpPr>
+          <p:cNvPr id="2" name="タイトル 1">
+            <a:extLst>
+              <a:ext uri="{FF2B5EF4-FFF2-40B4-BE49-F238E27FC236}">
                 <a16:creationId xmlns:a16="http://schemas.microsoft.com/office/drawing/2014/main" id="{EF1EA37F-FD91-449B-B73E-EED705A06A3C}"/>
               </a:ext>
             </a:extLst>
@@ -7332,7 +8336,7 @@
           <a:p>
             <a:fld id="{4AF24D4B-76AD-46E2-B00B-D894D41E86CF}" type="slidenum">
               <a:rPr kumimoji="1" lang="ja-JP" altLang="en-US" smtClean="0"/>
-              <a:t>21</a:t>
+              <a:t>22</a:t>
             </a:fld>
             <a:endParaRPr kumimoji="1" lang="ja-JP" altLang="en-US"/>
           </a:p>
@@ -7624,21 +8628,33 @@
             <a:pPr marL="0" indent="0">
               <a:buNone/>
             </a:pPr>
-            <a:r>
-              <a:rPr kumimoji="1" lang="en-US" altLang="ja-JP" dirty="0"/>
-              <a:t>2. </a:t>
-            </a:r>
-            <a:r>
-              <a:rPr kumimoji="1" lang="ja-JP" altLang="en-US" dirty="0"/>
-              <a:t>回路の演算順序決定し、ソートする</a:t>
-            </a:r>
-            <a:endParaRPr kumimoji="1" lang="en-US" altLang="ja-JP" dirty="0"/>
+            <a:endParaRPr lang="en-US" altLang="ja-JP" dirty="0"/>
           </a:p>
           <a:p>
             <a:pPr marL="0" indent="0">
               <a:buNone/>
             </a:pPr>
             <a:r>
+              <a:rPr kumimoji="1" lang="en-US" altLang="ja-JP" dirty="0"/>
+              <a:t>2. </a:t>
+            </a:r>
+            <a:r>
+              <a:rPr kumimoji="1" lang="ja-JP" altLang="en-US" dirty="0"/>
+              <a:t>回路の演算順序決定し、ソートする</a:t>
+            </a:r>
+            <a:endParaRPr kumimoji="1" lang="en-US" altLang="ja-JP" dirty="0"/>
+          </a:p>
+          <a:p>
+            <a:pPr marL="0" indent="0">
+              <a:buNone/>
+            </a:pPr>
+            <a:endParaRPr kumimoji="1" lang="en-US" altLang="ja-JP" dirty="0"/>
+          </a:p>
+          <a:p>
+            <a:pPr marL="0" indent="0">
+              <a:buNone/>
+            </a:pPr>
+            <a:r>
               <a:rPr lang="en-US" altLang="ja-JP" dirty="0"/>
               <a:t>3. </a:t>
             </a:r>
@@ -7646,6 +8662,12 @@
               <a:rPr lang="ja-JP" altLang="en-US" dirty="0"/>
               <a:t>論理シミュレーター実行</a:t>
             </a:r>
+            <a:endParaRPr lang="en-US" altLang="ja-JP" dirty="0"/>
+          </a:p>
+          <a:p>
+            <a:pPr marL="0" indent="0">
+              <a:buNone/>
+            </a:pPr>
             <a:endParaRPr lang="en-US" altLang="ja-JP" dirty="0"/>
           </a:p>
           <a:p>
@@ -8397,8 +9419,16 @@
               <a:t>使用した言語は</a:t>
             </a:r>
             <a:r>
+              <a:rPr kumimoji="1" lang="en-US" altLang="ja-JP" dirty="0">
+                <a:solidFill>
+                  <a:srgbClr val="00B050"/>
+                </a:solidFill>
+              </a:rPr>
+              <a:t>C#</a:t>
+            </a:r>
+            <a:r>
               <a:rPr kumimoji="1" lang="en-US" altLang="ja-JP" dirty="0"/>
-              <a:t>C# </a:t>
+              <a:t> </a:t>
             </a:r>
             <a:r>
               <a:rPr kumimoji="1" lang="ja-JP" altLang="en-US" dirty="0"/>
@@ -8424,12 +9454,24 @@
               <a:t>の処理時間が</a:t>
             </a:r>
             <a:r>
-              <a:rPr kumimoji="1" lang="en-US" altLang="ja-JP" dirty="0"/>
+              <a:rPr kumimoji="1" lang="en-US" altLang="ja-JP" dirty="0">
+                <a:solidFill>
+                  <a:srgbClr val="FF0000"/>
+                </a:solidFill>
+              </a:rPr>
               <a:t>20</a:t>
             </a:r>
             <a:r>
+              <a:rPr kumimoji="1" lang="ja-JP" altLang="en-US" dirty="0">
+                <a:solidFill>
+                  <a:srgbClr val="FF0000"/>
+                </a:solidFill>
+              </a:rPr>
+              <a:t>秒</a:t>
+            </a:r>
+            <a:r>
               <a:rPr kumimoji="1" lang="ja-JP" altLang="en-US" dirty="0"/>
-              <a:t>秒以上かかる結果に</a:t>
+              <a:t>以上かかる結果に</a:t>
             </a:r>
             <a:endParaRPr kumimoji="1" lang="en-US" altLang="ja-JP" dirty="0"/>
           </a:p>
@@ -8446,12 +9488,24 @@
               <a:t>で</a:t>
             </a:r>
             <a:r>
-              <a:rPr lang="en-US" altLang="ja-JP" dirty="0"/>
+              <a:rPr lang="en-US" altLang="ja-JP" dirty="0">
+                <a:solidFill>
+                  <a:srgbClr val="FF0000"/>
+                </a:solidFill>
+              </a:rPr>
               <a:t>20</a:t>
             </a:r>
             <a:r>
+              <a:rPr lang="ja-JP" altLang="en-US" dirty="0">
+                <a:solidFill>
+                  <a:srgbClr val="FF0000"/>
+                </a:solidFill>
+              </a:rPr>
+              <a:t>秒</a:t>
+            </a:r>
+            <a:r>
               <a:rPr lang="ja-JP" altLang="en-US" dirty="0"/>
-              <a:t>秒かかるなら最後の回路ではとてつもない時間がかかることが予想される</a:t>
+              <a:t>かかるなら最後の回路ではとてつもない時間がかかることが予想される</a:t>
             </a:r>
             <a:endParaRPr lang="en-US" altLang="ja-JP" dirty="0"/>
           </a:p>
@@ -8642,7 +9696,11 @@
               <a:t>が</a:t>
             </a:r>
             <a:r>
-              <a:rPr kumimoji="1" lang="en-US" altLang="ja-JP" dirty="0"/>
+              <a:rPr kumimoji="1" lang="en-US" altLang="ja-JP" dirty="0">
+                <a:solidFill>
+                  <a:srgbClr val="FF0000"/>
+                </a:solidFill>
+              </a:rPr>
               <a:t>O(n)</a:t>
             </a:r>
           </a:p>

--- a/プレゼン.pptx
+++ b/プレゼン.pptx
@@ -218,7 +218,7 @@
           <a:p>
             <a:fld id="{1E4C4518-FEC5-4027-8354-FCF5DC6BE8D7}" type="datetimeFigureOut">
               <a:rPr kumimoji="1" lang="ja-JP" altLang="en-US" smtClean="0"/>
-              <a:t>2019/7/7</a:t>
+              <a:t>2019/7/8</a:t>
             </a:fld>
             <a:endParaRPr kumimoji="1" lang="ja-JP" altLang="en-US"/>
           </a:p>
@@ -664,7 +664,7 @@
           <a:p>
             <a:fld id="{D202BA18-56BF-45BD-A507-111E0B068D6E}" type="datetime1">
               <a:rPr kumimoji="1" lang="ja-JP" altLang="en-US" smtClean="0"/>
-              <a:t>2019/7/7</a:t>
+              <a:t>2019/7/8</a:t>
             </a:fld>
             <a:endParaRPr kumimoji="1" lang="ja-JP" altLang="en-US"/>
           </a:p>
@@ -894,7 +894,7 @@
           <a:p>
             <a:fld id="{90084977-0C44-4968-88D0-5A9578822E9E}" type="datetime1">
               <a:rPr kumimoji="1" lang="ja-JP" altLang="en-US" smtClean="0"/>
-              <a:t>2019/7/7</a:t>
+              <a:t>2019/7/8</a:t>
             </a:fld>
             <a:endParaRPr kumimoji="1" lang="ja-JP" altLang="en-US"/>
           </a:p>
@@ -1134,7 +1134,7 @@
           <a:p>
             <a:fld id="{63676757-856F-452D-B2DD-F09604FD5E7B}" type="datetime1">
               <a:rPr kumimoji="1" lang="ja-JP" altLang="en-US" smtClean="0"/>
-              <a:t>2019/7/7</a:t>
+              <a:t>2019/7/8</a:t>
             </a:fld>
             <a:endParaRPr kumimoji="1" lang="ja-JP" altLang="en-US"/>
           </a:p>
@@ -1364,7 +1364,7 @@
           <a:p>
             <a:fld id="{8C01914A-B20B-4C84-8ACA-B4768C014B89}" type="datetime1">
               <a:rPr kumimoji="1" lang="ja-JP" altLang="en-US" smtClean="0"/>
-              <a:t>2019/7/7</a:t>
+              <a:t>2019/7/8</a:t>
             </a:fld>
             <a:endParaRPr kumimoji="1" lang="ja-JP" altLang="en-US"/>
           </a:p>
@@ -1639,7 +1639,7 @@
           <a:p>
             <a:fld id="{261CCBEA-41DD-4BB2-9DC6-9E01756E77E9}" type="datetime1">
               <a:rPr kumimoji="1" lang="ja-JP" altLang="en-US" smtClean="0"/>
-              <a:t>2019/7/7</a:t>
+              <a:t>2019/7/8</a:t>
             </a:fld>
             <a:endParaRPr kumimoji="1" lang="ja-JP" altLang="en-US"/>
           </a:p>
@@ -1968,7 +1968,7 @@
           <a:p>
             <a:fld id="{4EB5C174-613E-4CD5-9F4A-0871E15F3C1F}" type="datetime1">
               <a:rPr kumimoji="1" lang="ja-JP" altLang="en-US" smtClean="0"/>
-              <a:t>2019/7/7</a:t>
+              <a:t>2019/7/8</a:t>
             </a:fld>
             <a:endParaRPr kumimoji="1" lang="ja-JP" altLang="en-US"/>
           </a:p>
@@ -2444,7 +2444,7 @@
           <a:p>
             <a:fld id="{776F1C16-C6BC-4CB7-BFF7-CDD61E08F7AA}" type="datetime1">
               <a:rPr kumimoji="1" lang="ja-JP" altLang="en-US" smtClean="0"/>
-              <a:t>2019/7/7</a:t>
+              <a:t>2019/7/8</a:t>
             </a:fld>
             <a:endParaRPr kumimoji="1" lang="ja-JP" altLang="en-US"/>
           </a:p>
@@ -2585,7 +2585,7 @@
           <a:p>
             <a:fld id="{55610721-D215-4A9A-961F-58549CED678F}" type="datetime1">
               <a:rPr kumimoji="1" lang="ja-JP" altLang="en-US" smtClean="0"/>
-              <a:t>2019/7/7</a:t>
+              <a:t>2019/7/8</a:t>
             </a:fld>
             <a:endParaRPr kumimoji="1" lang="ja-JP" altLang="en-US"/>
           </a:p>
@@ -2698,7 +2698,7 @@
           <a:p>
             <a:fld id="{49F1C124-333D-46DF-89CF-44E5F3D7AA1B}" type="datetime1">
               <a:rPr kumimoji="1" lang="ja-JP" altLang="en-US" smtClean="0"/>
-              <a:t>2019/7/7</a:t>
+              <a:t>2019/7/8</a:t>
             </a:fld>
             <a:endParaRPr kumimoji="1" lang="ja-JP" altLang="en-US"/>
           </a:p>
@@ -3041,7 +3041,7 @@
           <a:p>
             <a:fld id="{E3F730EC-C835-42BF-99AF-467458C4C2C4}" type="datetime1">
               <a:rPr kumimoji="1" lang="ja-JP" altLang="en-US" smtClean="0"/>
-              <a:t>2019/7/7</a:t>
+              <a:t>2019/7/8</a:t>
             </a:fld>
             <a:endParaRPr kumimoji="1" lang="ja-JP" altLang="en-US"/>
           </a:p>
@@ -3329,7 +3329,7 @@
           <a:p>
             <a:fld id="{FDD959DD-DE49-402F-B2D5-6D57D3F76DB0}" type="datetime1">
               <a:rPr kumimoji="1" lang="ja-JP" altLang="en-US" smtClean="0"/>
-              <a:t>2019/7/7</a:t>
+              <a:t>2019/7/8</a:t>
             </a:fld>
             <a:endParaRPr kumimoji="1" lang="ja-JP" altLang="en-US"/>
           </a:p>
@@ -3602,7 +3602,7 @@
           <a:p>
             <a:fld id="{3BED155C-FFAC-41EE-8B1E-CECCC68012A8}" type="datetime1">
               <a:rPr kumimoji="1" lang="ja-JP" altLang="en-US" smtClean="0"/>
-              <a:t>2019/7/7</a:t>
+              <a:t>2019/7/8</a:t>
             </a:fld>
             <a:endParaRPr kumimoji="1" lang="ja-JP" altLang="en-US"/>
           </a:p>
@@ -6194,14 +6194,14 @@
             <p:ph idx="1"/>
             <p:extLst>
               <p:ext uri="{D42A27DB-BD31-4B8C-83A1-F6EECF244321}">
-                <p14:modId xmlns:p14="http://schemas.microsoft.com/office/powerpoint/2010/main" val="3276355843"/>
+                <p14:modId xmlns:p14="http://schemas.microsoft.com/office/powerpoint/2010/main" val="3824350374"/>
               </p:ext>
             </p:extLst>
           </p:nvPr>
         </p:nvGraphicFramePr>
         <p:xfrm>
           <a:off x="1714500" y="1849279"/>
-          <a:ext cx="8763000" cy="4348480"/>
+          <a:ext cx="8763000" cy="4622800"/>
         </p:xfrm>
         <a:graphic>
           <a:graphicData uri="http://schemas.openxmlformats.org/drawingml/2006/table">
@@ -6210,41 +6210,48 @@
                 <a:tableStyleId>{5C22544A-7EE6-4342-B048-85BDC9FD1C3A}</a:tableStyleId>
               </a:tblPr>
               <a:tblGrid>
-                <a:gridCol w="1752600">
+                <a:gridCol w="1460500">
                   <a:extLst>
                     <a:ext uri="{9D8B030D-6E8A-4147-A177-3AD203B41FA5}">
                       <a16:colId xmlns:a16="http://schemas.microsoft.com/office/drawing/2014/main" val="2626973591"/>
                     </a:ext>
                   </a:extLst>
                 </a:gridCol>
-                <a:gridCol w="1752600">
+                <a:gridCol w="1460500">
                   <a:extLst>
                     <a:ext uri="{9D8B030D-6E8A-4147-A177-3AD203B41FA5}">
                       <a16:colId xmlns:a16="http://schemas.microsoft.com/office/drawing/2014/main" val="435737870"/>
                     </a:ext>
                   </a:extLst>
                 </a:gridCol>
-                <a:gridCol w="1752600">
+                <a:gridCol w="1460500">
                   <a:extLst>
                     <a:ext uri="{9D8B030D-6E8A-4147-A177-3AD203B41FA5}">
                       <a16:colId xmlns:a16="http://schemas.microsoft.com/office/drawing/2014/main" val="2932179339"/>
                     </a:ext>
                   </a:extLst>
                 </a:gridCol>
-                <a:gridCol w="1752600">
+                <a:gridCol w="1460500">
                   <a:extLst>
                     <a:ext uri="{9D8B030D-6E8A-4147-A177-3AD203B41FA5}">
                       <a16:colId xmlns:a16="http://schemas.microsoft.com/office/drawing/2014/main" val="1525804143"/>
                     </a:ext>
                   </a:extLst>
                 </a:gridCol>
-                <a:gridCol w="1752600">
+                <a:gridCol w="1460500">
                   <a:extLst>
                     <a:ext uri="{9D8B030D-6E8A-4147-A177-3AD203B41FA5}">
                       <a16:colId xmlns:a16="http://schemas.microsoft.com/office/drawing/2014/main" val="1052547310"/>
                     </a:ext>
                   </a:extLst>
                 </a:gridCol>
+                <a:gridCol w="1460500">
+                  <a:extLst>
+                    <a:ext uri="{9D8B030D-6E8A-4147-A177-3AD203B41FA5}">
+                      <a16:colId xmlns:a16="http://schemas.microsoft.com/office/drawing/2014/main" val="1342974019"/>
+                    </a:ext>
+                  </a:extLst>
+                </a:gridCol>
               </a:tblGrid>
               <a:tr h="370840">
                 <a:tc>
@@ -6328,6 +6335,25 @@
                       <a:r>
                         <a:rPr kumimoji="1" lang="en-US" altLang="ja-JP" dirty="0"/>
                         <a:t>:4(/s)</a:t>
+                      </a:r>
+                      <a:endParaRPr kumimoji="1" lang="ja-JP" altLang="en-US" dirty="0"/>
+                    </a:p>
+                  </a:txBody>
+                  <a:tcPr/>
+                </a:tc>
+                <a:tc>
+                  <a:txBody>
+                    <a:bodyPr/>
+                    <a:lstStyle/>
+                    <a:p>
+                      <a:pPr algn="ctr"/>
+                      <a:r>
+                        <a:rPr kumimoji="1" lang="ja-JP" altLang="en-US" dirty="0" smtClean="0"/>
+                        <a:t>並列化スレッド指定なし</a:t>
+                      </a:r>
+                      <a:r>
+                        <a:rPr kumimoji="1" lang="en-US" altLang="ja-JP" dirty="0" smtClean="0"/>
+                        <a:t>(/s)</a:t>
                       </a:r>
                       <a:endParaRPr kumimoji="1" lang="ja-JP" altLang="en-US" dirty="0"/>
                     </a:p>
@@ -6377,6 +6403,10 @@
                     <a:lstStyle/>
                     <a:p>
                       <a:pPr algn="ctr"/>
+                      <a:r>
+                        <a:rPr kumimoji="1" lang="en-US" altLang="ja-JP" dirty="0" smtClean="0"/>
+                        <a:t>0.11</a:t>
+                      </a:r>
                       <a:endParaRPr kumimoji="1" lang="ja-JP" altLang="en-US" dirty="0"/>
                     </a:p>
                   </a:txBody>
@@ -6403,6 +6433,25 @@
                     <a:lstStyle/>
                     <a:p>
                       <a:pPr algn="ctr"/>
+                      <a:r>
+                        <a:rPr kumimoji="1" lang="en-US" altLang="ja-JP" dirty="0" smtClean="0"/>
+                        <a:t>0.07</a:t>
+                      </a:r>
+                      <a:endParaRPr kumimoji="1" lang="ja-JP" altLang="en-US" dirty="0"/>
+                    </a:p>
+                  </a:txBody>
+                  <a:tcPr/>
+                </a:tc>
+                <a:tc>
+                  <a:txBody>
+                    <a:bodyPr/>
+                    <a:lstStyle/>
+                    <a:p>
+                      <a:pPr algn="ctr"/>
+                      <a:r>
+                        <a:rPr kumimoji="1" lang="en-US" altLang="ja-JP" dirty="0" smtClean="0"/>
+                        <a:t>0.07</a:t>
+                      </a:r>
                       <a:endParaRPr kumimoji="1" lang="ja-JP" altLang="en-US" dirty="0"/>
                     </a:p>
                   </a:txBody>
@@ -6451,7 +6500,11 @@
                     <a:lstStyle/>
                     <a:p>
                       <a:pPr algn="ctr"/>
-                      <a:endParaRPr kumimoji="1" lang="ja-JP" altLang="en-US"/>
+                      <a:r>
+                        <a:rPr kumimoji="1" lang="en-US" altLang="ja-JP" dirty="0" smtClean="0"/>
+                        <a:t>0.09</a:t>
+                      </a:r>
+                      <a:endParaRPr kumimoji="1" lang="ja-JP" altLang="en-US" dirty="0"/>
                     </a:p>
                   </a:txBody>
                   <a:tcPr/>
@@ -6477,6 +6530,25 @@
                     <a:lstStyle/>
                     <a:p>
                       <a:pPr algn="ctr"/>
+                      <a:r>
+                        <a:rPr kumimoji="1" lang="en-US" altLang="ja-JP" dirty="0" smtClean="0"/>
+                        <a:t>0.07</a:t>
+                      </a:r>
+                      <a:endParaRPr kumimoji="1" lang="ja-JP" altLang="en-US" dirty="0"/>
+                    </a:p>
+                  </a:txBody>
+                  <a:tcPr/>
+                </a:tc>
+                <a:tc>
+                  <a:txBody>
+                    <a:bodyPr/>
+                    <a:lstStyle/>
+                    <a:p>
+                      <a:pPr algn="ctr"/>
+                      <a:r>
+                        <a:rPr kumimoji="1" lang="en-US" altLang="ja-JP" dirty="0" smtClean="0"/>
+                        <a:t>0.07</a:t>
+                      </a:r>
                       <a:endParaRPr kumimoji="1" lang="ja-JP" altLang="en-US" dirty="0"/>
                     </a:p>
                   </a:txBody>
@@ -6525,7 +6597,11 @@
                     <a:lstStyle/>
                     <a:p>
                       <a:pPr algn="ctr"/>
-                      <a:endParaRPr kumimoji="1" lang="ja-JP" altLang="en-US"/>
+                      <a:r>
+                        <a:rPr kumimoji="1" lang="en-US" altLang="ja-JP" dirty="0" smtClean="0"/>
+                        <a:t>0.1</a:t>
+                      </a:r>
+                      <a:endParaRPr kumimoji="1" lang="ja-JP" altLang="en-US" dirty="0"/>
                     </a:p>
                   </a:txBody>
                   <a:tcPr/>
@@ -6551,6 +6627,25 @@
                     <a:lstStyle/>
                     <a:p>
                       <a:pPr algn="ctr"/>
+                      <a:r>
+                        <a:rPr kumimoji="1" lang="en-US" altLang="ja-JP" dirty="0" smtClean="0"/>
+                        <a:t>0.08</a:t>
+                      </a:r>
+                      <a:endParaRPr kumimoji="1" lang="ja-JP" altLang="en-US" dirty="0"/>
+                    </a:p>
+                  </a:txBody>
+                  <a:tcPr/>
+                </a:tc>
+                <a:tc>
+                  <a:txBody>
+                    <a:bodyPr/>
+                    <a:lstStyle/>
+                    <a:p>
+                      <a:pPr algn="ctr"/>
+                      <a:r>
+                        <a:rPr kumimoji="1" lang="en-US" altLang="ja-JP" dirty="0" smtClean="0"/>
+                        <a:t>0.08</a:t>
+                      </a:r>
                       <a:endParaRPr kumimoji="1" lang="ja-JP" altLang="en-US" dirty="0"/>
                     </a:p>
                   </a:txBody>
@@ -6599,7 +6694,11 @@
                     <a:lstStyle/>
                     <a:p>
                       <a:pPr algn="ctr"/>
-                      <a:endParaRPr kumimoji="1" lang="ja-JP" altLang="en-US"/>
+                      <a:r>
+                        <a:rPr kumimoji="1" lang="en-US" altLang="ja-JP" dirty="0" smtClean="0"/>
+                        <a:t>0.13</a:t>
+                      </a:r>
+                      <a:endParaRPr kumimoji="1" lang="ja-JP" altLang="en-US" dirty="0"/>
                     </a:p>
                   </a:txBody>
                   <a:tcPr/>
@@ -6625,6 +6724,25 @@
                     <a:lstStyle/>
                     <a:p>
                       <a:pPr algn="ctr"/>
+                      <a:r>
+                        <a:rPr kumimoji="1" lang="en-US" altLang="ja-JP" dirty="0" smtClean="0"/>
+                        <a:t>0.12</a:t>
+                      </a:r>
+                      <a:endParaRPr kumimoji="1" lang="ja-JP" altLang="en-US" dirty="0"/>
+                    </a:p>
+                  </a:txBody>
+                  <a:tcPr/>
+                </a:tc>
+                <a:tc>
+                  <a:txBody>
+                    <a:bodyPr/>
+                    <a:lstStyle/>
+                    <a:p>
+                      <a:pPr algn="ctr"/>
+                      <a:r>
+                        <a:rPr kumimoji="1" lang="en-US" altLang="ja-JP" dirty="0" smtClean="0"/>
+                        <a:t>0.10</a:t>
+                      </a:r>
                       <a:endParaRPr kumimoji="1" lang="ja-JP" altLang="en-US" dirty="0"/>
                     </a:p>
                   </a:txBody>
@@ -6673,7 +6791,11 @@
                     <a:lstStyle/>
                     <a:p>
                       <a:pPr algn="ctr"/>
-                      <a:endParaRPr kumimoji="1" lang="ja-JP" altLang="en-US"/>
+                      <a:r>
+                        <a:rPr kumimoji="1" lang="en-US" altLang="ja-JP" dirty="0" smtClean="0"/>
+                        <a:t>0.15</a:t>
+                      </a:r>
+                      <a:endParaRPr kumimoji="1" lang="ja-JP" altLang="en-US" dirty="0"/>
                     </a:p>
                   </a:txBody>
                   <a:tcPr/>
@@ -6699,6 +6821,25 @@
                     <a:lstStyle/>
                     <a:p>
                       <a:pPr algn="ctr"/>
+                      <a:r>
+                        <a:rPr kumimoji="1" lang="en-US" altLang="ja-JP" dirty="0" smtClean="0"/>
+                        <a:t>0.12</a:t>
+                      </a:r>
+                      <a:endParaRPr kumimoji="1" lang="ja-JP" altLang="en-US" dirty="0"/>
+                    </a:p>
+                  </a:txBody>
+                  <a:tcPr/>
+                </a:tc>
+                <a:tc>
+                  <a:txBody>
+                    <a:bodyPr/>
+                    <a:lstStyle/>
+                    <a:p>
+                      <a:pPr algn="ctr"/>
+                      <a:r>
+                        <a:rPr kumimoji="1" lang="en-US" altLang="ja-JP" dirty="0" smtClean="0"/>
+                        <a:t>0.12</a:t>
+                      </a:r>
                       <a:endParaRPr kumimoji="1" lang="ja-JP" altLang="en-US" dirty="0"/>
                     </a:p>
                   </a:txBody>
@@ -6747,7 +6888,11 @@
                     <a:lstStyle/>
                     <a:p>
                       <a:pPr algn="ctr"/>
-                      <a:endParaRPr kumimoji="1" lang="ja-JP" altLang="en-US"/>
+                      <a:r>
+                        <a:rPr kumimoji="1" lang="en-US" altLang="ja-JP" dirty="0" smtClean="0"/>
+                        <a:t>0.17</a:t>
+                      </a:r>
+                      <a:endParaRPr kumimoji="1" lang="ja-JP" altLang="en-US" dirty="0"/>
                     </a:p>
                   </a:txBody>
                   <a:tcPr/>
@@ -6773,6 +6918,25 @@
                     <a:lstStyle/>
                     <a:p>
                       <a:pPr algn="ctr"/>
+                      <a:r>
+                        <a:rPr kumimoji="1" lang="en-US" altLang="ja-JP" dirty="0" smtClean="0"/>
+                        <a:t>0.14</a:t>
+                      </a:r>
+                      <a:endParaRPr kumimoji="1" lang="ja-JP" altLang="en-US" dirty="0"/>
+                    </a:p>
+                  </a:txBody>
+                  <a:tcPr/>
+                </a:tc>
+                <a:tc>
+                  <a:txBody>
+                    <a:bodyPr/>
+                    <a:lstStyle/>
+                    <a:p>
+                      <a:pPr algn="ctr"/>
+                      <a:r>
+                        <a:rPr kumimoji="1" lang="en-US" altLang="ja-JP" dirty="0" smtClean="0"/>
+                        <a:t>0.14</a:t>
+                      </a:r>
                       <a:endParaRPr kumimoji="1" lang="ja-JP" altLang="en-US" dirty="0"/>
                     </a:p>
                   </a:txBody>
@@ -6821,7 +6985,11 @@
                     <a:lstStyle/>
                     <a:p>
                       <a:pPr algn="ctr"/>
-                      <a:endParaRPr kumimoji="1" lang="ja-JP" altLang="en-US"/>
+                      <a:r>
+                        <a:rPr kumimoji="1" lang="en-US" altLang="ja-JP" dirty="0" smtClean="0"/>
+                        <a:t>0.22</a:t>
+                      </a:r>
+                      <a:endParaRPr kumimoji="1" lang="ja-JP" altLang="en-US" dirty="0"/>
                     </a:p>
                   </a:txBody>
                   <a:tcPr/>
@@ -6847,6 +7015,25 @@
                     <a:lstStyle/>
                     <a:p>
                       <a:pPr algn="ctr"/>
+                      <a:r>
+                        <a:rPr kumimoji="1" lang="en-US" altLang="ja-JP" dirty="0" smtClean="0"/>
+                        <a:t>0.18</a:t>
+                      </a:r>
+                      <a:endParaRPr kumimoji="1" lang="ja-JP" altLang="en-US" dirty="0"/>
+                    </a:p>
+                  </a:txBody>
+                  <a:tcPr/>
+                </a:tc>
+                <a:tc>
+                  <a:txBody>
+                    <a:bodyPr/>
+                    <a:lstStyle/>
+                    <a:p>
+                      <a:pPr algn="ctr"/>
+                      <a:r>
+                        <a:rPr kumimoji="1" lang="en-US" altLang="ja-JP" dirty="0" smtClean="0"/>
+                        <a:t>0.19</a:t>
+                      </a:r>
                       <a:endParaRPr kumimoji="1" lang="ja-JP" altLang="en-US" dirty="0"/>
                     </a:p>
                   </a:txBody>
@@ -6895,7 +7082,11 @@
                     <a:lstStyle/>
                     <a:p>
                       <a:pPr algn="ctr"/>
-                      <a:endParaRPr kumimoji="1" lang="ja-JP" altLang="en-US"/>
+                      <a:r>
+                        <a:rPr kumimoji="1" lang="en-US" altLang="ja-JP" dirty="0" smtClean="0"/>
+                        <a:t>0.27</a:t>
+                      </a:r>
+                      <a:endParaRPr kumimoji="1" lang="ja-JP" altLang="en-US" dirty="0"/>
                     </a:p>
                   </a:txBody>
                   <a:tcPr/>
@@ -6921,6 +7112,25 @@
                     <a:lstStyle/>
                     <a:p>
                       <a:pPr algn="ctr"/>
+                      <a:r>
+                        <a:rPr kumimoji="1" lang="en-US" altLang="ja-JP" dirty="0" smtClean="0"/>
+                        <a:t>0.23</a:t>
+                      </a:r>
+                      <a:endParaRPr kumimoji="1" lang="ja-JP" altLang="en-US" dirty="0"/>
+                    </a:p>
+                  </a:txBody>
+                  <a:tcPr/>
+                </a:tc>
+                <a:tc>
+                  <a:txBody>
+                    <a:bodyPr/>
+                    <a:lstStyle/>
+                    <a:p>
+                      <a:pPr algn="ctr"/>
+                      <a:r>
+                        <a:rPr kumimoji="1" lang="en-US" altLang="ja-JP" dirty="0" smtClean="0"/>
+                        <a:t>0.23</a:t>
+                      </a:r>
                       <a:endParaRPr kumimoji="1" lang="ja-JP" altLang="en-US" dirty="0"/>
                     </a:p>
                   </a:txBody>
@@ -6969,7 +7179,11 @@
                     <a:lstStyle/>
                     <a:p>
                       <a:pPr algn="ctr"/>
-                      <a:endParaRPr kumimoji="1" lang="ja-JP" altLang="en-US"/>
+                      <a:r>
+                        <a:rPr kumimoji="1" lang="en-US" altLang="ja-JP" dirty="0" smtClean="0"/>
+                        <a:t>0.23</a:t>
+                      </a:r>
+                      <a:endParaRPr kumimoji="1" lang="ja-JP" altLang="en-US" dirty="0"/>
                     </a:p>
                   </a:txBody>
                   <a:tcPr/>
@@ -6995,6 +7209,25 @@
                     <a:lstStyle/>
                     <a:p>
                       <a:pPr algn="ctr"/>
+                      <a:r>
+                        <a:rPr kumimoji="1" lang="en-US" altLang="ja-JP" dirty="0" smtClean="0"/>
+                        <a:t>0.22</a:t>
+                      </a:r>
+                      <a:endParaRPr kumimoji="1" lang="ja-JP" altLang="en-US" dirty="0"/>
+                    </a:p>
+                  </a:txBody>
+                  <a:tcPr/>
+                </a:tc>
+                <a:tc>
+                  <a:txBody>
+                    <a:bodyPr/>
+                    <a:lstStyle/>
+                    <a:p>
+                      <a:pPr algn="ctr"/>
+                      <a:r>
+                        <a:rPr kumimoji="1" lang="en-US" altLang="ja-JP" dirty="0" smtClean="0"/>
+                        <a:t>0.25</a:t>
+                      </a:r>
                       <a:endParaRPr kumimoji="1" lang="ja-JP" altLang="en-US" dirty="0"/>
                     </a:p>
                   </a:txBody>
@@ -7043,6 +7276,10 @@
                     <a:lstStyle/>
                     <a:p>
                       <a:pPr algn="ctr"/>
+                      <a:r>
+                        <a:rPr kumimoji="1" lang="en-US" altLang="ja-JP" dirty="0" smtClean="0"/>
+                        <a:t>0.51</a:t>
+                      </a:r>
                       <a:endParaRPr kumimoji="1" lang="ja-JP" altLang="en-US" dirty="0"/>
                     </a:p>
                   </a:txBody>
@@ -7069,6 +7306,25 @@
                     <a:lstStyle/>
                     <a:p>
                       <a:pPr algn="ctr"/>
+                      <a:r>
+                        <a:rPr kumimoji="1" lang="en-US" altLang="ja-JP" dirty="0" smtClean="0"/>
+                        <a:t>0.45</a:t>
+                      </a:r>
+                      <a:endParaRPr kumimoji="1" lang="ja-JP" altLang="en-US" dirty="0"/>
+                    </a:p>
+                  </a:txBody>
+                  <a:tcPr/>
+                </a:tc>
+                <a:tc>
+                  <a:txBody>
+                    <a:bodyPr/>
+                    <a:lstStyle/>
+                    <a:p>
+                      <a:pPr algn="ctr"/>
+                      <a:r>
+                        <a:rPr kumimoji="1" lang="en-US" altLang="ja-JP" dirty="0" smtClean="0"/>
+                        <a:t>0.49</a:t>
+                      </a:r>
                       <a:endParaRPr kumimoji="1" lang="ja-JP" altLang="en-US" dirty="0"/>
                     </a:p>
                   </a:txBody>
@@ -7200,14 +7456,14 @@
             <p:ph idx="1"/>
             <p:extLst>
               <p:ext uri="{D42A27DB-BD31-4B8C-83A1-F6EECF244321}">
-                <p14:modId xmlns:p14="http://schemas.microsoft.com/office/powerpoint/2010/main" val="3155183092"/>
+                <p14:modId xmlns:p14="http://schemas.microsoft.com/office/powerpoint/2010/main" val="3274868323"/>
               </p:ext>
             </p:extLst>
           </p:nvPr>
         </p:nvGraphicFramePr>
         <p:xfrm>
-          <a:off x="1714500" y="1463040"/>
-          <a:ext cx="8763000" cy="2865120"/>
+          <a:off x="1714500" y="2158610"/>
+          <a:ext cx="8763000" cy="3139440"/>
         </p:xfrm>
         <a:graphic>
           <a:graphicData uri="http://schemas.openxmlformats.org/drawingml/2006/table">
@@ -7216,41 +7472,48 @@
                 <a:tableStyleId>{5C22544A-7EE6-4342-B048-85BDC9FD1C3A}</a:tableStyleId>
               </a:tblPr>
               <a:tblGrid>
-                <a:gridCol w="1752600">
+                <a:gridCol w="1460500">
                   <a:extLst>
                     <a:ext uri="{9D8B030D-6E8A-4147-A177-3AD203B41FA5}">
                       <a16:colId xmlns:a16="http://schemas.microsoft.com/office/drawing/2014/main" val="2033296225"/>
                     </a:ext>
                   </a:extLst>
                 </a:gridCol>
-                <a:gridCol w="1752600">
+                <a:gridCol w="1460500">
                   <a:extLst>
                     <a:ext uri="{9D8B030D-6E8A-4147-A177-3AD203B41FA5}">
                       <a16:colId xmlns:a16="http://schemas.microsoft.com/office/drawing/2014/main" val="1529739511"/>
                     </a:ext>
                   </a:extLst>
                 </a:gridCol>
-                <a:gridCol w="1752600">
+                <a:gridCol w="1460500">
                   <a:extLst>
                     <a:ext uri="{9D8B030D-6E8A-4147-A177-3AD203B41FA5}">
                       <a16:colId xmlns:a16="http://schemas.microsoft.com/office/drawing/2014/main" val="1459727993"/>
                     </a:ext>
                   </a:extLst>
                 </a:gridCol>
-                <a:gridCol w="1752600">
+                <a:gridCol w="1460500">
                   <a:extLst>
                     <a:ext uri="{9D8B030D-6E8A-4147-A177-3AD203B41FA5}">
                       <a16:colId xmlns:a16="http://schemas.microsoft.com/office/drawing/2014/main" val="2150134175"/>
                     </a:ext>
                   </a:extLst>
                 </a:gridCol>
-                <a:gridCol w="1752600">
+                <a:gridCol w="1460500">
                   <a:extLst>
                     <a:ext uri="{9D8B030D-6E8A-4147-A177-3AD203B41FA5}">
                       <a16:colId xmlns:a16="http://schemas.microsoft.com/office/drawing/2014/main" val="898462137"/>
                     </a:ext>
                   </a:extLst>
                 </a:gridCol>
+                <a:gridCol w="1460500">
+                  <a:extLst>
+                    <a:ext uri="{9D8B030D-6E8A-4147-A177-3AD203B41FA5}">
+                      <a16:colId xmlns:a16="http://schemas.microsoft.com/office/drawing/2014/main" val="452287786"/>
+                    </a:ext>
+                  </a:extLst>
+                </a:gridCol>
               </a:tblGrid>
               <a:tr h="370840">
                 <a:tc>
@@ -7336,6 +7599,41 @@
                         <a:t>:4(/s)</a:t>
                       </a:r>
                       <a:endParaRPr kumimoji="1" lang="ja-JP" altLang="en-US" dirty="0"/>
+                    </a:p>
+                  </a:txBody>
+                  <a:tcPr/>
+                </a:tc>
+                <a:tc>
+                  <a:txBody>
+                    <a:bodyPr/>
+                    <a:lstStyle/>
+                    <a:p>
+                      <a:pPr marL="0" marR="0" indent="0" algn="ctr" defTabSz="914400" rtl="0" eaLnBrk="1" fontAlgn="auto" latinLnBrk="0" hangingPunct="1">
+                        <a:lnSpc>
+                          <a:spcPct val="100000"/>
+                        </a:lnSpc>
+                        <a:spcBef>
+                          <a:spcPts val="0"/>
+                        </a:spcBef>
+                        <a:spcAft>
+                          <a:spcPts val="0"/>
+                        </a:spcAft>
+                        <a:buClrTx/>
+                        <a:buSzTx/>
+                        <a:buFontTx/>
+                        <a:buNone/>
+                        <a:tabLst/>
+                        <a:defRPr/>
+                      </a:pPr>
+                      <a:r>
+                        <a:rPr kumimoji="1" lang="ja-JP" altLang="en-US" dirty="0" smtClean="0"/>
+                        <a:t>並列化スレッド指定なし</a:t>
+                      </a:r>
+                      <a:r>
+                        <a:rPr kumimoji="1" lang="en-US" altLang="ja-JP" dirty="0" smtClean="0"/>
+                        <a:t>(/s)</a:t>
+                      </a:r>
+                      <a:endParaRPr kumimoji="1" lang="ja-JP" altLang="en-US" dirty="0" smtClean="0"/>
                     </a:p>
                   </a:txBody>
                   <a:tcPr/>
@@ -7383,6 +7681,10 @@
                     <a:lstStyle/>
                     <a:p>
                       <a:pPr algn="ctr"/>
+                      <a:r>
+                        <a:rPr kumimoji="1" lang="en-US" altLang="ja-JP" dirty="0" smtClean="0"/>
+                        <a:t>0.41</a:t>
+                      </a:r>
                       <a:endParaRPr kumimoji="1" lang="ja-JP" altLang="en-US" dirty="0"/>
                     </a:p>
                   </a:txBody>
@@ -7409,6 +7711,25 @@
                     <a:lstStyle/>
                     <a:p>
                       <a:pPr algn="ctr"/>
+                      <a:r>
+                        <a:rPr kumimoji="1" lang="en-US" altLang="ja-JP" dirty="0" smtClean="0"/>
+                        <a:t>0.35</a:t>
+                      </a:r>
+                      <a:endParaRPr kumimoji="1" lang="ja-JP" altLang="en-US" dirty="0"/>
+                    </a:p>
+                  </a:txBody>
+                  <a:tcPr/>
+                </a:tc>
+                <a:tc>
+                  <a:txBody>
+                    <a:bodyPr/>
+                    <a:lstStyle/>
+                    <a:p>
+                      <a:pPr algn="ctr"/>
+                      <a:r>
+                        <a:rPr kumimoji="1" lang="en-US" altLang="ja-JP" dirty="0" smtClean="0"/>
+                        <a:t>0.42</a:t>
+                      </a:r>
                       <a:endParaRPr kumimoji="1" lang="ja-JP" altLang="en-US" dirty="0"/>
                     </a:p>
                   </a:txBody>
@@ -7457,7 +7778,11 @@
                     <a:lstStyle/>
                     <a:p>
                       <a:pPr algn="ctr"/>
-                      <a:endParaRPr kumimoji="1" lang="ja-JP" altLang="en-US"/>
+                      <a:r>
+                        <a:rPr kumimoji="1" lang="en-US" altLang="ja-JP" dirty="0" smtClean="0"/>
+                        <a:t>0.55</a:t>
+                      </a:r>
+                      <a:endParaRPr kumimoji="1" lang="ja-JP" altLang="en-US" dirty="0"/>
                     </a:p>
                   </a:txBody>
                   <a:tcPr/>
@@ -7483,6 +7808,25 @@
                     <a:lstStyle/>
                     <a:p>
                       <a:pPr algn="ctr"/>
+                      <a:r>
+                        <a:rPr kumimoji="1" lang="en-US" altLang="ja-JP" dirty="0" smtClean="0"/>
+                        <a:t>0.49</a:t>
+                      </a:r>
+                      <a:endParaRPr kumimoji="1" lang="ja-JP" altLang="en-US" dirty="0"/>
+                    </a:p>
+                  </a:txBody>
+                  <a:tcPr/>
+                </a:tc>
+                <a:tc>
+                  <a:txBody>
+                    <a:bodyPr/>
+                    <a:lstStyle/>
+                    <a:p>
+                      <a:pPr algn="ctr"/>
+                      <a:r>
+                        <a:rPr kumimoji="1" lang="en-US" altLang="ja-JP" dirty="0" smtClean="0"/>
+                        <a:t>0.52</a:t>
+                      </a:r>
                       <a:endParaRPr kumimoji="1" lang="ja-JP" altLang="en-US" dirty="0"/>
                     </a:p>
                   </a:txBody>
@@ -7531,7 +7875,11 @@
                     <a:lstStyle/>
                     <a:p>
                       <a:pPr algn="ctr"/>
-                      <a:endParaRPr kumimoji="1" lang="ja-JP" altLang="en-US"/>
+                      <a:r>
+                        <a:rPr kumimoji="1" lang="en-US" altLang="ja-JP" dirty="0" smtClean="0"/>
+                        <a:t>0.52</a:t>
+                      </a:r>
+                      <a:endParaRPr kumimoji="1" lang="ja-JP" altLang="en-US" dirty="0"/>
                     </a:p>
                   </a:txBody>
                   <a:tcPr/>
@@ -7557,6 +7905,25 @@
                     <a:lstStyle/>
                     <a:p>
                       <a:pPr algn="ctr"/>
+                      <a:r>
+                        <a:rPr kumimoji="1" lang="en-US" altLang="ja-JP" dirty="0" smtClean="0"/>
+                        <a:t>0.47</a:t>
+                      </a:r>
+                      <a:endParaRPr kumimoji="1" lang="ja-JP" altLang="en-US" dirty="0"/>
+                    </a:p>
+                  </a:txBody>
+                  <a:tcPr/>
+                </a:tc>
+                <a:tc>
+                  <a:txBody>
+                    <a:bodyPr/>
+                    <a:lstStyle/>
+                    <a:p>
+                      <a:pPr algn="ctr"/>
+                      <a:r>
+                        <a:rPr kumimoji="1" lang="en-US" altLang="ja-JP" dirty="0" smtClean="0"/>
+                        <a:t>0.52</a:t>
+                      </a:r>
                       <a:endParaRPr kumimoji="1" lang="ja-JP" altLang="en-US" dirty="0"/>
                     </a:p>
                   </a:txBody>
@@ -7605,7 +7972,11 @@
                     <a:lstStyle/>
                     <a:p>
                       <a:pPr algn="ctr"/>
-                      <a:endParaRPr kumimoji="1" lang="ja-JP" altLang="en-US"/>
+                      <a:r>
+                        <a:rPr kumimoji="1" lang="en-US" altLang="ja-JP" dirty="0" smtClean="0"/>
+                        <a:t>1.10</a:t>
+                      </a:r>
+                      <a:endParaRPr kumimoji="1" lang="ja-JP" altLang="en-US" dirty="0"/>
                     </a:p>
                   </a:txBody>
                   <a:tcPr/>
@@ -7631,6 +8002,25 @@
                     <a:lstStyle/>
                     <a:p>
                       <a:pPr algn="ctr"/>
+                      <a:r>
+                        <a:rPr kumimoji="1" lang="en-US" altLang="ja-JP" dirty="0" smtClean="0"/>
+                        <a:t>0.96</a:t>
+                      </a:r>
+                      <a:endParaRPr kumimoji="1" lang="ja-JP" altLang="en-US" dirty="0"/>
+                    </a:p>
+                  </a:txBody>
+                  <a:tcPr/>
+                </a:tc>
+                <a:tc>
+                  <a:txBody>
+                    <a:bodyPr/>
+                    <a:lstStyle/>
+                    <a:p>
+                      <a:pPr algn="ctr"/>
+                      <a:r>
+                        <a:rPr kumimoji="1" lang="en-US" altLang="ja-JP" dirty="0" smtClean="0"/>
+                        <a:t>1.36</a:t>
+                      </a:r>
                       <a:endParaRPr kumimoji="1" lang="ja-JP" altLang="en-US" dirty="0"/>
                     </a:p>
                   </a:txBody>
@@ -7679,7 +8069,11 @@
                     <a:lstStyle/>
                     <a:p>
                       <a:pPr algn="ctr"/>
-                      <a:endParaRPr kumimoji="1" lang="ja-JP" altLang="en-US"/>
+                      <a:r>
+                        <a:rPr kumimoji="1" lang="en-US" altLang="ja-JP" dirty="0" smtClean="0"/>
+                        <a:t>1.24</a:t>
+                      </a:r>
+                      <a:endParaRPr kumimoji="1" lang="ja-JP" altLang="en-US" dirty="0"/>
                     </a:p>
                   </a:txBody>
                   <a:tcPr/>
@@ -7705,6 +8099,25 @@
                     <a:lstStyle/>
                     <a:p>
                       <a:pPr algn="ctr"/>
+                      <a:r>
+                        <a:rPr kumimoji="1" lang="en-US" altLang="ja-JP" dirty="0" smtClean="0"/>
+                        <a:t>1.13</a:t>
+                      </a:r>
+                      <a:endParaRPr kumimoji="1" lang="ja-JP" altLang="en-US" dirty="0"/>
+                    </a:p>
+                  </a:txBody>
+                  <a:tcPr/>
+                </a:tc>
+                <a:tc>
+                  <a:txBody>
+                    <a:bodyPr/>
+                    <a:lstStyle/>
+                    <a:p>
+                      <a:pPr algn="ctr"/>
+                      <a:r>
+                        <a:rPr kumimoji="1" lang="en-US" altLang="ja-JP" dirty="0" smtClean="0"/>
+                        <a:t>1.48</a:t>
+                      </a:r>
                       <a:endParaRPr kumimoji="1" lang="ja-JP" altLang="en-US" dirty="0"/>
                     </a:p>
                   </a:txBody>
@@ -7753,6 +8166,10 @@
                     <a:lstStyle/>
                     <a:p>
                       <a:pPr algn="ctr"/>
+                      <a:r>
+                        <a:rPr kumimoji="1" lang="en-US" altLang="ja-JP" dirty="0" smtClean="0"/>
+                        <a:t>1.52</a:t>
+                      </a:r>
                       <a:endParaRPr kumimoji="1" lang="ja-JP" altLang="en-US" dirty="0"/>
                     </a:p>
                   </a:txBody>
@@ -7779,6 +8196,25 @@
                     <a:lstStyle/>
                     <a:p>
                       <a:pPr algn="ctr"/>
+                      <a:r>
+                        <a:rPr kumimoji="1" lang="en-US" altLang="ja-JP" dirty="0" smtClean="0"/>
+                        <a:t>1.45</a:t>
+                      </a:r>
+                      <a:endParaRPr kumimoji="1" lang="ja-JP" altLang="en-US" dirty="0"/>
+                    </a:p>
+                  </a:txBody>
+                  <a:tcPr/>
+                </a:tc>
+                <a:tc>
+                  <a:txBody>
+                    <a:bodyPr/>
+                    <a:lstStyle/>
+                    <a:p>
+                      <a:pPr algn="ctr"/>
+                      <a:r>
+                        <a:rPr kumimoji="1" lang="en-US" altLang="ja-JP" dirty="0" smtClean="0"/>
+                        <a:t>2.20</a:t>
+                      </a:r>
                       <a:endParaRPr kumimoji="1" lang="ja-JP" altLang="en-US" dirty="0"/>
                     </a:p>
                   </a:txBody>
@@ -7823,386 +8259,6 @@
           </a:p>
         </p:txBody>
       </p:sp>
-      <p:graphicFrame>
-        <p:nvGraphicFramePr>
-          <p:cNvPr id="5" name="表 4">
-            <a:extLst>
-              <a:ext uri="{FF2B5EF4-FFF2-40B4-BE49-F238E27FC236}">
-                <a16:creationId xmlns:a16="http://schemas.microsoft.com/office/drawing/2014/main" id="{2DBDC301-40B1-46BC-BD26-03FDA8A4D266}"/>
-              </a:ext>
-            </a:extLst>
-          </p:cNvPr>
-          <p:cNvGraphicFramePr>
-            <a:graphicFrameLocks noGrp="1"/>
-          </p:cNvGraphicFramePr>
-          <p:nvPr>
-            <p:extLst>
-              <p:ext uri="{D42A27DB-BD31-4B8C-83A1-F6EECF244321}">
-                <p14:modId xmlns:p14="http://schemas.microsoft.com/office/powerpoint/2010/main" val="1980417168"/>
-              </p:ext>
-            </p:extLst>
-          </p:nvPr>
-        </p:nvGraphicFramePr>
-        <p:xfrm>
-          <a:off x="2209800" y="4786312"/>
-          <a:ext cx="7772400" cy="1752600"/>
-        </p:xfrm>
-        <a:graphic>
-          <a:graphicData uri="http://schemas.openxmlformats.org/drawingml/2006/table">
-            <a:tbl>
-              <a:tblPr firstRow="1" bandRow="1">
-                <a:tableStyleId>{5C22544A-7EE6-4342-B048-85BDC9FD1C3A}</a:tableStyleId>
-              </a:tblPr>
-              <a:tblGrid>
-                <a:gridCol w="1475935">
-                  <a:extLst>
-                    <a:ext uri="{9D8B030D-6E8A-4147-A177-3AD203B41FA5}">
-                      <a16:colId xmlns:a16="http://schemas.microsoft.com/office/drawing/2014/main" val="1806015877"/>
-                    </a:ext>
-                  </a:extLst>
-                </a:gridCol>
-                <a:gridCol w="1633025">
-                  <a:extLst>
-                    <a:ext uri="{9D8B030D-6E8A-4147-A177-3AD203B41FA5}">
-                      <a16:colId xmlns:a16="http://schemas.microsoft.com/office/drawing/2014/main" val="2453738272"/>
-                    </a:ext>
-                  </a:extLst>
-                </a:gridCol>
-                <a:gridCol w="1554480">
-                  <a:extLst>
-                    <a:ext uri="{9D8B030D-6E8A-4147-A177-3AD203B41FA5}">
-                      <a16:colId xmlns:a16="http://schemas.microsoft.com/office/drawing/2014/main" val="3112093411"/>
-                    </a:ext>
-                  </a:extLst>
-                </a:gridCol>
-                <a:gridCol w="1554480">
-                  <a:extLst>
-                    <a:ext uri="{9D8B030D-6E8A-4147-A177-3AD203B41FA5}">
-                      <a16:colId xmlns:a16="http://schemas.microsoft.com/office/drawing/2014/main" val="2476150043"/>
-                    </a:ext>
-                  </a:extLst>
-                </a:gridCol>
-                <a:gridCol w="1554480">
-                  <a:extLst>
-                    <a:ext uri="{9D8B030D-6E8A-4147-A177-3AD203B41FA5}">
-                      <a16:colId xmlns:a16="http://schemas.microsoft.com/office/drawing/2014/main" val="2920344280"/>
-                    </a:ext>
-                  </a:extLst>
-                </a:gridCol>
-              </a:tblGrid>
-              <a:tr h="250727">
-                <a:tc>
-                  <a:txBody>
-                    <a:bodyPr/>
-                    <a:lstStyle/>
-                    <a:p>
-                      <a:pPr algn="ctr"/>
-                      <a:endParaRPr kumimoji="1" lang="ja-JP" altLang="en-US" dirty="0"/>
-                    </a:p>
-                  </a:txBody>
-                  <a:tcPr/>
-                </a:tc>
-                <a:tc>
-                  <a:txBody>
-                    <a:bodyPr/>
-                    <a:lstStyle/>
-                    <a:p>
-                      <a:pPr algn="ctr"/>
-                      <a:r>
-                        <a:rPr kumimoji="1" lang="ja-JP" altLang="en-US" dirty="0"/>
-                        <a:t>普通に実行</a:t>
-                      </a:r>
-                      <a:r>
-                        <a:rPr kumimoji="1" lang="en-US" altLang="ja-JP" dirty="0"/>
-                        <a:t>(/s)</a:t>
-                      </a:r>
-                      <a:endParaRPr kumimoji="1" lang="ja-JP" altLang="en-US" dirty="0"/>
-                    </a:p>
-                  </a:txBody>
-                  <a:tcPr/>
-                </a:tc>
-                <a:tc>
-                  <a:txBody>
-                    <a:bodyPr/>
-                    <a:lstStyle/>
-                    <a:p>
-                      <a:pPr algn="ctr"/>
-                      <a:r>
-                        <a:rPr kumimoji="1" lang="ja-JP" altLang="en-US" dirty="0"/>
-                        <a:t>並列化スレッド数</a:t>
-                      </a:r>
-                      <a:r>
-                        <a:rPr kumimoji="1" lang="en-US" altLang="ja-JP" dirty="0"/>
-                        <a:t>:2(/s)</a:t>
-                      </a:r>
-                      <a:endParaRPr kumimoji="1" lang="ja-JP" altLang="en-US" dirty="0"/>
-                    </a:p>
-                  </a:txBody>
-                  <a:tcPr/>
-                </a:tc>
-                <a:tc>
-                  <a:txBody>
-                    <a:bodyPr/>
-                    <a:lstStyle/>
-                    <a:p>
-                      <a:pPr algn="ctr"/>
-                      <a:r>
-                        <a:rPr kumimoji="1" lang="ja-JP" altLang="en-US" dirty="0"/>
-                        <a:t>並列化スレッド数</a:t>
-                      </a:r>
-                      <a:r>
-                        <a:rPr kumimoji="1" lang="en-US" altLang="ja-JP" dirty="0"/>
-                        <a:t>:3(/s)</a:t>
-                      </a:r>
-                      <a:endParaRPr kumimoji="1" lang="ja-JP" altLang="en-US" dirty="0"/>
-                    </a:p>
-                  </a:txBody>
-                  <a:tcPr/>
-                </a:tc>
-                <a:tc>
-                  <a:txBody>
-                    <a:bodyPr/>
-                    <a:lstStyle/>
-                    <a:p>
-                      <a:pPr algn="ctr"/>
-                      <a:r>
-                        <a:rPr kumimoji="1" lang="ja-JP" altLang="en-US" dirty="0"/>
-                        <a:t>並列化スレッド数</a:t>
-                      </a:r>
-                      <a:r>
-                        <a:rPr kumimoji="1" lang="en-US" altLang="ja-JP" dirty="0"/>
-                        <a:t>:4(/s)</a:t>
-                      </a:r>
-                      <a:endParaRPr kumimoji="1" lang="ja-JP" altLang="en-US" dirty="0"/>
-                    </a:p>
-                  </a:txBody>
-                  <a:tcPr/>
-                </a:tc>
-                <a:extLst>
-                  <a:ext uri="{0D108BD9-81ED-4DB2-BD59-A6C34878D82A}">
-                    <a16:rowId xmlns:a16="http://schemas.microsoft.com/office/drawing/2014/main" val="3532538798"/>
-                  </a:ext>
-                </a:extLst>
-              </a:tr>
-              <a:tr h="370840">
-                <a:tc>
-                  <a:txBody>
-                    <a:bodyPr/>
-                    <a:lstStyle/>
-                    <a:p>
-                      <a:pPr algn="ctr"/>
-                      <a:r>
-                        <a:rPr kumimoji="1" lang="en-US" altLang="ja-JP" dirty="0"/>
-                        <a:t>e</a:t>
-                      </a:r>
-                      <a:r>
-                        <a:rPr kumimoji="1" lang="ja-JP" altLang="en-US" dirty="0"/>
-                        <a:t>平均</a:t>
-                      </a:r>
-                    </a:p>
-                  </a:txBody>
-                  <a:tcPr/>
-                </a:tc>
-                <a:tc>
-                  <a:txBody>
-                    <a:bodyPr/>
-                    <a:lstStyle/>
-                    <a:p>
-                      <a:pPr algn="ctr"/>
-                      <a:endParaRPr kumimoji="1" lang="ja-JP" altLang="en-US" dirty="0"/>
-                    </a:p>
-                  </a:txBody>
-                  <a:tcPr/>
-                </a:tc>
-                <a:tc>
-                  <a:txBody>
-                    <a:bodyPr/>
-                    <a:lstStyle/>
-                    <a:p>
-                      <a:pPr algn="ctr"/>
-                      <a:endParaRPr kumimoji="1" lang="ja-JP" altLang="en-US" dirty="0"/>
-                    </a:p>
-                  </a:txBody>
-                  <a:tcPr/>
-                </a:tc>
-                <a:tc>
-                  <a:txBody>
-                    <a:bodyPr/>
-                    <a:lstStyle/>
-                    <a:p>
-                      <a:pPr algn="ctr"/>
-                      <a:r>
-                        <a:rPr kumimoji="1" lang="en-US" altLang="ja-JP" dirty="0"/>
-                        <a:t>0.24</a:t>
-                      </a:r>
-                      <a:endParaRPr kumimoji="1" lang="ja-JP" altLang="en-US" dirty="0"/>
-                    </a:p>
-                  </a:txBody>
-                  <a:tcPr/>
-                </a:tc>
-                <a:tc>
-                  <a:txBody>
-                    <a:bodyPr/>
-                    <a:lstStyle/>
-                    <a:p>
-                      <a:pPr algn="ctr"/>
-                      <a:endParaRPr kumimoji="1" lang="ja-JP" altLang="en-US" dirty="0"/>
-                    </a:p>
-                  </a:txBody>
-                  <a:tcPr/>
-                </a:tc>
-                <a:extLst>
-                  <a:ext uri="{0D108BD9-81ED-4DB2-BD59-A6C34878D82A}">
-                    <a16:rowId xmlns:a16="http://schemas.microsoft.com/office/drawing/2014/main" val="3307972329"/>
-                  </a:ext>
-                </a:extLst>
-              </a:tr>
-              <a:tr h="370840">
-                <a:tc>
-                  <a:txBody>
-                    <a:bodyPr/>
-                    <a:lstStyle/>
-                    <a:p>
-                      <a:pPr algn="ctr"/>
-                      <a:r>
-                        <a:rPr kumimoji="1" lang="en-US" altLang="ja-JP" dirty="0"/>
-                        <a:t>cs</a:t>
-                      </a:r>
-                      <a:r>
-                        <a:rPr kumimoji="1" lang="ja-JP" altLang="en-US" dirty="0"/>
-                        <a:t>平均</a:t>
-                      </a:r>
-                    </a:p>
-                  </a:txBody>
-                  <a:tcPr/>
-                </a:tc>
-                <a:tc>
-                  <a:txBody>
-                    <a:bodyPr/>
-                    <a:lstStyle/>
-                    <a:p>
-                      <a:pPr algn="ctr"/>
-                      <a:endParaRPr kumimoji="1" lang="ja-JP" altLang="en-US" dirty="0"/>
-                    </a:p>
-                  </a:txBody>
-                  <a:tcPr/>
-                </a:tc>
-                <a:tc>
-                  <a:txBody>
-                    <a:bodyPr/>
-                    <a:lstStyle/>
-                    <a:p>
-                      <a:pPr algn="ctr"/>
-                      <a:endParaRPr kumimoji="1" lang="ja-JP" altLang="en-US" dirty="0"/>
-                    </a:p>
-                  </a:txBody>
-                  <a:tcPr/>
-                </a:tc>
-                <a:tc>
-                  <a:txBody>
-                    <a:bodyPr/>
-                    <a:lstStyle/>
-                    <a:p>
-                      <a:pPr algn="ctr"/>
-                      <a:r>
-                        <a:rPr kumimoji="1" lang="en-US" altLang="ja-JP" dirty="0"/>
-                        <a:t>1.15</a:t>
-                      </a:r>
-                      <a:endParaRPr kumimoji="1" lang="ja-JP" altLang="en-US" dirty="0"/>
-                    </a:p>
-                  </a:txBody>
-                  <a:tcPr/>
-                </a:tc>
-                <a:tc>
-                  <a:txBody>
-                    <a:bodyPr/>
-                    <a:lstStyle/>
-                    <a:p>
-                      <a:pPr algn="ctr"/>
-                      <a:endParaRPr kumimoji="1" lang="ja-JP" altLang="en-US" dirty="0"/>
-                    </a:p>
-                  </a:txBody>
-                  <a:tcPr/>
-                </a:tc>
-                <a:extLst>
-                  <a:ext uri="{0D108BD9-81ED-4DB2-BD59-A6C34878D82A}">
-                    <a16:rowId xmlns:a16="http://schemas.microsoft.com/office/drawing/2014/main" val="2133004900"/>
-                  </a:ext>
-                </a:extLst>
-              </a:tr>
-              <a:tr h="370840">
-                <a:tc>
-                  <a:txBody>
-                    <a:bodyPr/>
-                    <a:lstStyle/>
-                    <a:p>
-                      <a:pPr algn="ctr"/>
-                      <a:r>
-                        <a:rPr kumimoji="1" lang="ja-JP" altLang="en-US" dirty="0"/>
-                        <a:t>回路平均</a:t>
-                      </a:r>
-                    </a:p>
-                  </a:txBody>
-                  <a:tcPr/>
-                </a:tc>
-                <a:tc>
-                  <a:txBody>
-                    <a:bodyPr/>
-                    <a:lstStyle/>
-                    <a:p>
-                      <a:pPr algn="ctr"/>
-                      <a:endParaRPr kumimoji="1" lang="ja-JP" altLang="en-US" dirty="0"/>
-                    </a:p>
-                  </a:txBody>
-                  <a:tcPr/>
-                </a:tc>
-                <a:tc>
-                  <a:txBody>
-                    <a:bodyPr/>
-                    <a:lstStyle/>
-                    <a:p>
-                      <a:pPr algn="ctr"/>
-                      <a:endParaRPr kumimoji="1" lang="ja-JP" altLang="en-US" dirty="0"/>
-                    </a:p>
-                  </a:txBody>
-                  <a:tcPr/>
-                </a:tc>
-                <a:tc>
-                  <a:txBody>
-                    <a:bodyPr/>
-                    <a:lstStyle/>
-                    <a:p>
-                      <a:pPr algn="ctr"/>
-                      <a:r>
-                        <a:rPr kumimoji="1" lang="en-US" altLang="ja-JP" dirty="0"/>
-                        <a:t>0.53</a:t>
-                      </a:r>
-                      <a:endParaRPr kumimoji="1" lang="ja-JP" altLang="en-US" dirty="0"/>
-                    </a:p>
-                  </a:txBody>
-                  <a:tcPr/>
-                </a:tc>
-                <a:tc>
-                  <a:txBody>
-                    <a:bodyPr/>
-                    <a:lstStyle/>
-                    <a:p>
-                      <a:pPr algn="ctr"/>
-                      <a:endParaRPr kumimoji="1" lang="ja-JP" altLang="en-US" dirty="0"/>
-                    </a:p>
-                  </a:txBody>
-                  <a:tcPr/>
-                </a:tc>
-                <a:extLst>
-                  <a:ext uri="{0D108BD9-81ED-4DB2-BD59-A6C34878D82A}">
-                    <a16:rowId xmlns:a16="http://schemas.microsoft.com/office/drawing/2014/main" val="2490569905"/>
-                  </a:ext>
-                </a:extLst>
-              </a:tr>
-            </a:tbl>
-          </a:graphicData>
-        </a:graphic>
-      </p:graphicFrame>
     </p:spTree>
     <p:extLst>
       <p:ext uri="{BB962C8B-B14F-4D97-AF65-F5344CB8AC3E}">
